--- a/slides/On-Campus/11_03_UML_PracticalProject.pptx
+++ b/slides/On-Campus/11_03_UML_PracticalProject.pptx
@@ -5,15 +5,17 @@
     <p:sldMasterId id="2147483648" r:id="rId1"/>
   </p:sldMasterIdLst>
   <p:notesMasterIdLst>
-    <p:notesMasterId r:id="rId5"/>
+    <p:notesMasterId r:id="rId7"/>
   </p:notesMasterIdLst>
   <p:handoutMasterIdLst>
-    <p:handoutMasterId r:id="rId6"/>
+    <p:handoutMasterId r:id="rId8"/>
   </p:handoutMasterIdLst>
   <p:sldIdLst>
     <p:sldId id="256" r:id="rId2"/>
     <p:sldId id="257" r:id="rId3"/>
     <p:sldId id="258" r:id="rId4"/>
+    <p:sldId id="259" r:id="rId5"/>
+    <p:sldId id="260" r:id="rId6"/>
   </p:sldIdLst>
   <p:sldSz cx="13817600" cy="7772400"/>
   <p:notesSz cx="6858000" cy="9144000"/>
@@ -216,7 +218,7 @@
           <a:p>
             <a:fld id="{4D7E51A5-B478-1E40-8CBB-0DAA8831E99D}" type="datetimeFigureOut">
               <a:rPr lang="en-US" smtClean="0"/>
-              <a:t>4/18/20</a:t>
+              <a:t>11/4/21</a:t>
             </a:fld>
             <a:endParaRPr lang="en-US"/>
           </a:p>
@@ -381,7 +383,7 @@
           <a:p>
             <a:fld id="{D0ED587F-861E-6740-9643-E3DDAE89B8D6}" type="datetimeFigureOut">
               <a:rPr lang="en-US" smtClean="0"/>
-              <a:t>4/18/20</a:t>
+              <a:t>11/4/21</a:t>
             </a:fld>
             <a:endParaRPr lang="en-US"/>
           </a:p>
@@ -7287,10 +7289,1907 @@
           </a:p>
         </p:txBody>
       </p:sp>
+      <p:graphicFrame>
+        <p:nvGraphicFramePr>
+          <p:cNvPr id="9" name="Table 9">
+            <a:extLst>
+              <a:ext uri="{FF2B5EF4-FFF2-40B4-BE49-F238E27FC236}">
+                <a16:creationId xmlns:a16="http://schemas.microsoft.com/office/drawing/2014/main" id="{FCECC7A4-F2DD-B642-8DE9-059F704ED98B}"/>
+              </a:ext>
+            </a:extLst>
+          </p:cNvPr>
+          <p:cNvGraphicFramePr>
+            <a:graphicFrameLocks noGrp="1"/>
+          </p:cNvGraphicFramePr>
+          <p:nvPr>
+            <p:extLst>
+              <p:ext uri="{D42A27DB-BD31-4B8C-83A1-F6EECF244321}">
+                <p14:modId xmlns:p14="http://schemas.microsoft.com/office/powerpoint/2010/main" val="2043130520"/>
+              </p:ext>
+            </p:extLst>
+          </p:nvPr>
+        </p:nvGraphicFramePr>
+        <p:xfrm>
+          <a:off x="8669738" y="234598"/>
+          <a:ext cx="5003802" cy="2542822"/>
+        </p:xfrm>
+        <a:graphic>
+          <a:graphicData uri="http://schemas.openxmlformats.org/drawingml/2006/table">
+            <a:tbl>
+              <a:tblPr firstRow="1" bandRow="1">
+                <a:tableStyleId>{5C22544A-7EE6-4342-B048-85BDC9FD1C3A}</a:tableStyleId>
+              </a:tblPr>
+              <a:tblGrid>
+                <a:gridCol w="2501901">
+                  <a:extLst>
+                    <a:ext uri="{9D8B030D-6E8A-4147-A177-3AD203B41FA5}">
+                      <a16:colId xmlns:a16="http://schemas.microsoft.com/office/drawing/2014/main" val="3399769833"/>
+                    </a:ext>
+                  </a:extLst>
+                </a:gridCol>
+                <a:gridCol w="2501901">
+                  <a:extLst>
+                    <a:ext uri="{9D8B030D-6E8A-4147-A177-3AD203B41FA5}">
+                      <a16:colId xmlns:a16="http://schemas.microsoft.com/office/drawing/2014/main" val="2056830325"/>
+                    </a:ext>
+                  </a:extLst>
+                </a:gridCol>
+              </a:tblGrid>
+              <a:tr h="637822">
+                <a:tc>
+                  <a:txBody>
+                    <a:bodyPr/>
+                    <a:lstStyle/>
+                    <a:p>
+                      <a:r>
+                        <a:rPr lang="en-US" dirty="0"/>
+                        <a:t>Symbol</a:t>
+                      </a:r>
+                    </a:p>
+                  </a:txBody>
+                  <a:tcPr/>
+                </a:tc>
+                <a:tc>
+                  <a:txBody>
+                    <a:bodyPr/>
+                    <a:lstStyle/>
+                    <a:p>
+                      <a:r>
+                        <a:rPr lang="en-US" dirty="0"/>
+                        <a:t>Meaning</a:t>
+                      </a:r>
+                    </a:p>
+                  </a:txBody>
+                  <a:tcPr/>
+                </a:tc>
+                <a:extLst>
+                  <a:ext uri="{0D108BD9-81ED-4DB2-BD59-A6C34878D82A}">
+                    <a16:rowId xmlns:a16="http://schemas.microsoft.com/office/drawing/2014/main" val="3715280727"/>
+                  </a:ext>
+                </a:extLst>
+              </a:tr>
+              <a:tr h="635000">
+                <a:tc>
+                  <a:txBody>
+                    <a:bodyPr/>
+                    <a:lstStyle/>
+                    <a:p>
+                      <a:pPr algn="ctr"/>
+                      <a:r>
+                        <a:rPr lang="en-US" dirty="0"/>
+                        <a:t>+</a:t>
+                      </a:r>
+                    </a:p>
+                  </a:txBody>
+                  <a:tcPr/>
+                </a:tc>
+                <a:tc>
+                  <a:txBody>
+                    <a:bodyPr/>
+                    <a:lstStyle/>
+                    <a:p>
+                      <a:r>
+                        <a:rPr lang="en-US" dirty="0"/>
+                        <a:t>public</a:t>
+                      </a:r>
+                    </a:p>
+                  </a:txBody>
+                  <a:tcPr/>
+                </a:tc>
+                <a:extLst>
+                  <a:ext uri="{0D108BD9-81ED-4DB2-BD59-A6C34878D82A}">
+                    <a16:rowId xmlns:a16="http://schemas.microsoft.com/office/drawing/2014/main" val="2887089301"/>
+                  </a:ext>
+                </a:extLst>
+              </a:tr>
+              <a:tr h="635000">
+                <a:tc>
+                  <a:txBody>
+                    <a:bodyPr/>
+                    <a:lstStyle/>
+                    <a:p>
+                      <a:pPr algn="ctr"/>
+                      <a:r>
+                        <a:rPr lang="en-US" dirty="0"/>
+                        <a:t>#</a:t>
+                      </a:r>
+                    </a:p>
+                  </a:txBody>
+                  <a:tcPr/>
+                </a:tc>
+                <a:tc>
+                  <a:txBody>
+                    <a:bodyPr/>
+                    <a:lstStyle/>
+                    <a:p>
+                      <a:r>
+                        <a:rPr lang="en-US" dirty="0"/>
+                        <a:t>protected</a:t>
+                      </a:r>
+                    </a:p>
+                  </a:txBody>
+                  <a:tcPr/>
+                </a:tc>
+                <a:extLst>
+                  <a:ext uri="{0D108BD9-81ED-4DB2-BD59-A6C34878D82A}">
+                    <a16:rowId xmlns:a16="http://schemas.microsoft.com/office/drawing/2014/main" val="4124071604"/>
+                  </a:ext>
+                </a:extLst>
+              </a:tr>
+              <a:tr h="635000">
+                <a:tc>
+                  <a:txBody>
+                    <a:bodyPr/>
+                    <a:lstStyle/>
+                    <a:p>
+                      <a:pPr algn="ctr"/>
+                      <a:r>
+                        <a:rPr lang="en-US" dirty="0"/>
+                        <a:t>-</a:t>
+                      </a:r>
+                    </a:p>
+                  </a:txBody>
+                  <a:tcPr/>
+                </a:tc>
+                <a:tc>
+                  <a:txBody>
+                    <a:bodyPr/>
+                    <a:lstStyle/>
+                    <a:p>
+                      <a:r>
+                        <a:rPr lang="en-US" dirty="0"/>
+                        <a:t>private</a:t>
+                      </a:r>
+                    </a:p>
+                  </a:txBody>
+                  <a:tcPr/>
+                </a:tc>
+                <a:extLst>
+                  <a:ext uri="{0D108BD9-81ED-4DB2-BD59-A6C34878D82A}">
+                    <a16:rowId xmlns:a16="http://schemas.microsoft.com/office/drawing/2014/main" val="4005782891"/>
+                  </a:ext>
+                </a:extLst>
+              </a:tr>
+            </a:tbl>
+          </a:graphicData>
+        </a:graphic>
+      </p:graphicFrame>
     </p:spTree>
     <p:extLst>
       <p:ext uri="{BB962C8B-B14F-4D97-AF65-F5344CB8AC3E}">
         <p14:creationId xmlns:p14="http://schemas.microsoft.com/office/powerpoint/2010/main" val="867140636"/>
+      </p:ext>
+    </p:extLst>
+  </p:cSld>
+  <p:clrMapOvr>
+    <a:masterClrMapping/>
+  </p:clrMapOvr>
+  <mc:AlternateContent xmlns:mc="http://schemas.openxmlformats.org/markup-compatibility/2006" xmlns:p14="http://schemas.microsoft.com/office/powerpoint/2010/main">
+    <mc:Choice Requires="p14">
+      <p:transition p14:dur="300">
+        <p:fade/>
+      </p:transition>
+    </mc:Choice>
+    <mc:Fallback xmlns="">
+      <p:transition>
+        <p:fade/>
+      </p:transition>
+    </mc:Fallback>
+  </mc:AlternateContent>
+</p:sld>
+</file>
+
+<file path=ppt/slides/slide4.xml><?xml version="1.0" encoding="utf-8"?>
+<p:sld xmlns:a="http://schemas.openxmlformats.org/drawingml/2006/main" xmlns:r="http://schemas.openxmlformats.org/officeDocument/2006/relationships" xmlns:p="http://schemas.openxmlformats.org/presentationml/2006/main">
+  <p:cSld>
+    <p:spTree>
+      <p:nvGrpSpPr>
+        <p:cNvPr id="1" name=""/>
+        <p:cNvGrpSpPr/>
+        <p:nvPr/>
+      </p:nvGrpSpPr>
+      <p:grpSpPr>
+        <a:xfrm>
+          <a:off x="0" y="0"/>
+          <a:ext cx="0" cy="0"/>
+          <a:chOff x="0" y="0"/>
+          <a:chExt cx="0" cy="0"/>
+        </a:xfrm>
+      </p:grpSpPr>
+      <p:sp>
+        <p:nvSpPr>
+          <p:cNvPr id="2" name="Title 1">
+            <a:extLst>
+              <a:ext uri="{FF2B5EF4-FFF2-40B4-BE49-F238E27FC236}">
+                <a16:creationId xmlns:a16="http://schemas.microsoft.com/office/drawing/2014/main" id="{198D3D02-1994-1C46-A4B9-6C62C4E5779D}"/>
+              </a:ext>
+            </a:extLst>
+          </p:cNvPr>
+          <p:cNvSpPr>
+            <a:spLocks noGrp="1"/>
+          </p:cNvSpPr>
+          <p:nvPr>
+            <p:ph type="title"/>
+          </p:nvPr>
+        </p:nvSpPr>
+        <p:spPr>
+          <a:xfrm>
+            <a:off x="628075" y="546437"/>
+            <a:ext cx="5549901" cy="1015663"/>
+          </a:xfrm>
+        </p:spPr>
+        <p:txBody>
+          <a:bodyPr/>
+          <a:lstStyle/>
+          <a:p>
+            <a:r>
+              <a:rPr lang="en-US" dirty="0"/>
+              <a:t>Translating to Code</a:t>
+            </a:r>
+          </a:p>
+        </p:txBody>
+      </p:sp>
+      <p:pic>
+        <p:nvPicPr>
+          <p:cNvPr id="4" name="Picture 3">
+            <a:extLst>
+              <a:ext uri="{FF2B5EF4-FFF2-40B4-BE49-F238E27FC236}">
+                <a16:creationId xmlns:a16="http://schemas.microsoft.com/office/drawing/2014/main" id="{95DA0495-0009-3041-8225-C3B67F094150}"/>
+              </a:ext>
+            </a:extLst>
+          </p:cNvPr>
+          <p:cNvPicPr>
+            <a:picLocks noChangeAspect="1"/>
+          </p:cNvPicPr>
+          <p:nvPr/>
+        </p:nvPicPr>
+        <p:blipFill>
+          <a:blip r:embed="rId2"/>
+          <a:stretch>
+            <a:fillRect/>
+          </a:stretch>
+        </p:blipFill>
+        <p:spPr>
+          <a:xfrm>
+            <a:off x="8070850" y="1754318"/>
+            <a:ext cx="5549900" cy="1905000"/>
+          </a:xfrm>
+          <a:prstGeom prst="rect">
+            <a:avLst/>
+          </a:prstGeom>
+        </p:spPr>
+      </p:pic>
+      <p:pic>
+        <p:nvPicPr>
+          <p:cNvPr id="5" name="Picture 4">
+            <a:extLst>
+              <a:ext uri="{FF2B5EF4-FFF2-40B4-BE49-F238E27FC236}">
+                <a16:creationId xmlns:a16="http://schemas.microsoft.com/office/drawing/2014/main" id="{68247DCC-6214-7346-A589-2AEEFE4673B6}"/>
+              </a:ext>
+            </a:extLst>
+          </p:cNvPr>
+          <p:cNvPicPr>
+            <a:picLocks noChangeAspect="1"/>
+          </p:cNvPicPr>
+          <p:nvPr/>
+        </p:nvPicPr>
+        <p:blipFill>
+          <a:blip r:embed="rId3"/>
+          <a:stretch>
+            <a:fillRect/>
+          </a:stretch>
+        </p:blipFill>
+        <p:spPr>
+          <a:xfrm>
+            <a:off x="9506656" y="112582"/>
+            <a:ext cx="2743200" cy="1231900"/>
+          </a:xfrm>
+          <a:prstGeom prst="rect">
+            <a:avLst/>
+          </a:prstGeom>
+        </p:spPr>
+      </p:pic>
+      <p:cxnSp>
+        <p:nvCxnSpPr>
+          <p:cNvPr id="6" name="Straight Arrow Connector 5">
+            <a:extLst>
+              <a:ext uri="{FF2B5EF4-FFF2-40B4-BE49-F238E27FC236}">
+                <a16:creationId xmlns:a16="http://schemas.microsoft.com/office/drawing/2014/main" id="{AB85C0C7-DC71-E549-9881-72D6630EAF11}"/>
+              </a:ext>
+            </a:extLst>
+          </p:cNvPr>
+          <p:cNvCxnSpPr/>
+          <p:nvPr/>
+        </p:nvCxnSpPr>
+        <p:spPr>
+          <a:xfrm flipV="1">
+            <a:off x="9563100" y="1168400"/>
+            <a:ext cx="1282700" cy="647700"/>
+          </a:xfrm>
+          <a:prstGeom prst="straightConnector1">
+            <a:avLst/>
+          </a:prstGeom>
+          <a:ln>
+            <a:tailEnd type="triangle"/>
+          </a:ln>
+        </p:spPr>
+        <p:style>
+          <a:lnRef idx="2">
+            <a:schemeClr val="accent1"/>
+          </a:lnRef>
+          <a:fillRef idx="0">
+            <a:schemeClr val="accent1"/>
+          </a:fillRef>
+          <a:effectRef idx="1">
+            <a:schemeClr val="accent1"/>
+          </a:effectRef>
+          <a:fontRef idx="minor">
+            <a:schemeClr val="tx1"/>
+          </a:fontRef>
+        </p:style>
+      </p:cxnSp>
+      <p:cxnSp>
+        <p:nvCxnSpPr>
+          <p:cNvPr id="7" name="Straight Arrow Connector 6">
+            <a:extLst>
+              <a:ext uri="{FF2B5EF4-FFF2-40B4-BE49-F238E27FC236}">
+                <a16:creationId xmlns:a16="http://schemas.microsoft.com/office/drawing/2014/main" id="{998F47AA-44D2-7745-9DA3-8331E67FF659}"/>
+              </a:ext>
+            </a:extLst>
+          </p:cNvPr>
+          <p:cNvCxnSpPr>
+            <a:cxnSpLocks/>
+          </p:cNvCxnSpPr>
+          <p:nvPr/>
+        </p:nvCxnSpPr>
+        <p:spPr>
+          <a:xfrm flipH="1" flipV="1">
+            <a:off x="10845800" y="1168400"/>
+            <a:ext cx="1143002" cy="585918"/>
+          </a:xfrm>
+          <a:prstGeom prst="straightConnector1">
+            <a:avLst/>
+          </a:prstGeom>
+          <a:ln>
+            <a:tailEnd type="triangle"/>
+          </a:ln>
+        </p:spPr>
+        <p:style>
+          <a:lnRef idx="2">
+            <a:schemeClr val="accent1"/>
+          </a:lnRef>
+          <a:fillRef idx="0">
+            <a:schemeClr val="accent1"/>
+          </a:fillRef>
+          <a:effectRef idx="1">
+            <a:schemeClr val="accent1"/>
+          </a:effectRef>
+          <a:fontRef idx="minor">
+            <a:schemeClr val="tx1"/>
+          </a:fontRef>
+        </p:style>
+      </p:cxnSp>
+      <p:sp>
+        <p:nvSpPr>
+          <p:cNvPr id="9" name="TextBox 8">
+            <a:extLst>
+              <a:ext uri="{FF2B5EF4-FFF2-40B4-BE49-F238E27FC236}">
+                <a16:creationId xmlns:a16="http://schemas.microsoft.com/office/drawing/2014/main" id="{F5C59E9A-3603-364B-8542-4A78F104C280}"/>
+              </a:ext>
+            </a:extLst>
+          </p:cNvPr>
+          <p:cNvSpPr txBox="1"/>
+          <p:nvPr/>
+        </p:nvSpPr>
+        <p:spPr>
+          <a:xfrm>
+            <a:off x="196850" y="2028468"/>
+            <a:ext cx="5181599" cy="1631216"/>
+          </a:xfrm>
+          <a:prstGeom prst="rect">
+            <a:avLst/>
+          </a:prstGeom>
+          <a:noFill/>
+          <a:ln>
+            <a:solidFill>
+              <a:schemeClr val="accent1"/>
+            </a:solidFill>
+          </a:ln>
+        </p:spPr>
+        <p:txBody>
+          <a:bodyPr wrap="square">
+            <a:spAutoFit/>
+          </a:bodyPr>
+          <a:lstStyle/>
+          <a:p>
+            <a:r>
+              <a:rPr lang="en-US" b="1" dirty="0">
+                <a:solidFill>
+                  <a:srgbClr val="073642"/>
+                </a:solidFill>
+                <a:effectLst/>
+                <a:latin typeface="Menlo" panose="020B0609030804020204" pitchFamily="49" charset="0"/>
+              </a:rPr>
+              <a:t>public</a:t>
+            </a:r>
+            <a:r>
+              <a:rPr lang="en-US" b="0" dirty="0">
+                <a:solidFill>
+                  <a:srgbClr val="333333"/>
+                </a:solidFill>
+                <a:effectLst/>
+                <a:latin typeface="Menlo" panose="020B0609030804020204" pitchFamily="49" charset="0"/>
+              </a:rPr>
+              <a:t> </a:t>
+            </a:r>
+            <a:r>
+              <a:rPr lang="en-US" b="1" dirty="0">
+                <a:solidFill>
+                  <a:srgbClr val="073642"/>
+                </a:solidFill>
+                <a:effectLst/>
+                <a:latin typeface="Menlo" panose="020B0609030804020204" pitchFamily="49" charset="0"/>
+              </a:rPr>
+              <a:t>class</a:t>
+            </a:r>
+            <a:r>
+              <a:rPr lang="en-US" b="0" dirty="0">
+                <a:solidFill>
+                  <a:srgbClr val="333333"/>
+                </a:solidFill>
+                <a:effectLst/>
+                <a:latin typeface="Menlo" panose="020B0609030804020204" pitchFamily="49" charset="0"/>
+              </a:rPr>
+              <a:t> </a:t>
+            </a:r>
+            <a:r>
+              <a:rPr lang="en-US" b="0" dirty="0">
+                <a:solidFill>
+                  <a:srgbClr val="268BD2"/>
+                </a:solidFill>
+                <a:effectLst/>
+                <a:latin typeface="Menlo" panose="020B0609030804020204" pitchFamily="49" charset="0"/>
+              </a:rPr>
+              <a:t>Shape</a:t>
+            </a:r>
+            <a:r>
+              <a:rPr lang="en-US" b="0" dirty="0">
+                <a:solidFill>
+                  <a:srgbClr val="333333"/>
+                </a:solidFill>
+                <a:effectLst/>
+                <a:latin typeface="Menlo" panose="020B0609030804020204" pitchFamily="49" charset="0"/>
+              </a:rPr>
+              <a:t> { </a:t>
+            </a:r>
+          </a:p>
+          <a:p>
+            <a:r>
+              <a:rPr lang="en-US" b="1" dirty="0">
+                <a:solidFill>
+                  <a:srgbClr val="073642"/>
+                </a:solidFill>
+                <a:effectLst/>
+                <a:latin typeface="Menlo" panose="020B0609030804020204" pitchFamily="49" charset="0"/>
+              </a:rPr>
+              <a:t>	public</a:t>
+            </a:r>
+            <a:r>
+              <a:rPr lang="en-US" b="0" dirty="0">
+                <a:solidFill>
+                  <a:srgbClr val="333333"/>
+                </a:solidFill>
+                <a:effectLst/>
+                <a:latin typeface="Menlo" panose="020B0609030804020204" pitchFamily="49" charset="0"/>
+              </a:rPr>
+              <a:t> </a:t>
+            </a:r>
+            <a:r>
+              <a:rPr lang="en-US" b="1" dirty="0">
+                <a:solidFill>
+                  <a:srgbClr val="073642"/>
+                </a:solidFill>
+                <a:effectLst/>
+                <a:latin typeface="Menlo" panose="020B0609030804020204" pitchFamily="49" charset="0"/>
+              </a:rPr>
+              <a:t>double</a:t>
+            </a:r>
+            <a:r>
+              <a:rPr lang="en-US" b="0" dirty="0">
+                <a:solidFill>
+                  <a:srgbClr val="333333"/>
+                </a:solidFill>
+                <a:effectLst/>
+                <a:latin typeface="Menlo" panose="020B0609030804020204" pitchFamily="49" charset="0"/>
+              </a:rPr>
+              <a:t> </a:t>
+            </a:r>
+            <a:r>
+              <a:rPr lang="en-US" b="0" dirty="0" err="1">
+                <a:solidFill>
+                  <a:srgbClr val="268BD2"/>
+                </a:solidFill>
+                <a:effectLst/>
+                <a:latin typeface="Menlo" panose="020B0609030804020204" pitchFamily="49" charset="0"/>
+              </a:rPr>
+              <a:t>computeArea</a:t>
+            </a:r>
+            <a:r>
+              <a:rPr lang="en-US" b="0" dirty="0">
+                <a:solidFill>
+                  <a:srgbClr val="333333"/>
+                </a:solidFill>
+                <a:effectLst/>
+                <a:latin typeface="Menlo" panose="020B0609030804020204" pitchFamily="49" charset="0"/>
+              </a:rPr>
+              <a:t>() {</a:t>
+            </a:r>
+          </a:p>
+          <a:p>
+            <a:r>
+              <a:rPr lang="en-US" b="0" dirty="0">
+                <a:solidFill>
+                  <a:srgbClr val="859900"/>
+                </a:solidFill>
+                <a:effectLst/>
+                <a:latin typeface="Menlo" panose="020B0609030804020204" pitchFamily="49" charset="0"/>
+              </a:rPr>
+              <a:t>		return</a:t>
+            </a:r>
+            <a:r>
+              <a:rPr lang="en-US" b="0" dirty="0">
+                <a:solidFill>
+                  <a:srgbClr val="333333"/>
+                </a:solidFill>
+                <a:effectLst/>
+                <a:latin typeface="Menlo" panose="020B0609030804020204" pitchFamily="49" charset="0"/>
+              </a:rPr>
+              <a:t> </a:t>
+            </a:r>
+            <a:r>
+              <a:rPr lang="en-US" b="0" dirty="0">
+                <a:solidFill>
+                  <a:srgbClr val="D33682"/>
+                </a:solidFill>
+                <a:effectLst/>
+                <a:latin typeface="Menlo" panose="020B0609030804020204" pitchFamily="49" charset="0"/>
+              </a:rPr>
+              <a:t>0</a:t>
+            </a:r>
+            <a:r>
+              <a:rPr lang="en-US" b="0" dirty="0">
+                <a:solidFill>
+                  <a:srgbClr val="333333"/>
+                </a:solidFill>
+                <a:effectLst/>
+                <a:latin typeface="Menlo" panose="020B0609030804020204" pitchFamily="49" charset="0"/>
+              </a:rPr>
+              <a:t>; </a:t>
+            </a:r>
+          </a:p>
+          <a:p>
+            <a:r>
+              <a:rPr lang="en-US" b="0" dirty="0">
+                <a:solidFill>
+                  <a:srgbClr val="333333"/>
+                </a:solidFill>
+                <a:effectLst/>
+                <a:latin typeface="Menlo" panose="020B0609030804020204" pitchFamily="49" charset="0"/>
+              </a:rPr>
+              <a:t>	}</a:t>
+            </a:r>
+          </a:p>
+          <a:p>
+            <a:r>
+              <a:rPr lang="en-US" b="0" dirty="0">
+                <a:solidFill>
+                  <a:srgbClr val="333333"/>
+                </a:solidFill>
+                <a:effectLst/>
+                <a:latin typeface="Menlo" panose="020B0609030804020204" pitchFamily="49" charset="0"/>
+              </a:rPr>
+              <a:t>}</a:t>
+            </a:r>
+          </a:p>
+        </p:txBody>
+      </p:sp>
+      <p:sp>
+        <p:nvSpPr>
+          <p:cNvPr id="11" name="TextBox 10">
+            <a:extLst>
+              <a:ext uri="{FF2B5EF4-FFF2-40B4-BE49-F238E27FC236}">
+                <a16:creationId xmlns:a16="http://schemas.microsoft.com/office/drawing/2014/main" id="{C47BF433-9800-2F4D-A20A-C6E40994E7AD}"/>
+              </a:ext>
+            </a:extLst>
+          </p:cNvPr>
+          <p:cNvSpPr txBox="1"/>
+          <p:nvPr/>
+        </p:nvSpPr>
+        <p:spPr>
+          <a:xfrm>
+            <a:off x="196850" y="3886200"/>
+            <a:ext cx="6451600" cy="2862322"/>
+          </a:xfrm>
+          <a:prstGeom prst="rect">
+            <a:avLst/>
+          </a:prstGeom>
+          <a:noFill/>
+          <a:ln>
+            <a:solidFill>
+              <a:schemeClr val="accent1"/>
+            </a:solidFill>
+          </a:ln>
+        </p:spPr>
+        <p:txBody>
+          <a:bodyPr wrap="square">
+            <a:spAutoFit/>
+          </a:bodyPr>
+          <a:lstStyle/>
+          <a:p>
+            <a:r>
+              <a:rPr lang="en-US" b="1" dirty="0">
+                <a:solidFill>
+                  <a:srgbClr val="073642"/>
+                </a:solidFill>
+                <a:effectLst/>
+                <a:latin typeface="Menlo" panose="020B0609030804020204" pitchFamily="49" charset="0"/>
+              </a:rPr>
+              <a:t>public</a:t>
+            </a:r>
+            <a:r>
+              <a:rPr lang="en-US" b="0" dirty="0">
+                <a:solidFill>
+                  <a:srgbClr val="333333"/>
+                </a:solidFill>
+                <a:effectLst/>
+                <a:latin typeface="Menlo" panose="020B0609030804020204" pitchFamily="49" charset="0"/>
+              </a:rPr>
+              <a:t> </a:t>
+            </a:r>
+            <a:r>
+              <a:rPr lang="en-US" b="1" dirty="0">
+                <a:solidFill>
+                  <a:srgbClr val="073642"/>
+                </a:solidFill>
+                <a:effectLst/>
+                <a:latin typeface="Menlo" panose="020B0609030804020204" pitchFamily="49" charset="0"/>
+              </a:rPr>
+              <a:t>class</a:t>
+            </a:r>
+            <a:r>
+              <a:rPr lang="en-US" b="0" dirty="0">
+                <a:solidFill>
+                  <a:srgbClr val="333333"/>
+                </a:solidFill>
+                <a:effectLst/>
+                <a:latin typeface="Menlo" panose="020B0609030804020204" pitchFamily="49" charset="0"/>
+              </a:rPr>
+              <a:t> </a:t>
+            </a:r>
+            <a:r>
+              <a:rPr lang="en-US" b="0" dirty="0">
+                <a:solidFill>
+                  <a:srgbClr val="268BD2"/>
+                </a:solidFill>
+                <a:effectLst/>
+                <a:latin typeface="Menlo" panose="020B0609030804020204" pitchFamily="49" charset="0"/>
+              </a:rPr>
+              <a:t>Circle</a:t>
+            </a:r>
+            <a:r>
+              <a:rPr lang="en-US" b="0" dirty="0">
+                <a:solidFill>
+                  <a:srgbClr val="333333"/>
+                </a:solidFill>
+                <a:effectLst/>
+                <a:latin typeface="Menlo" panose="020B0609030804020204" pitchFamily="49" charset="0"/>
+              </a:rPr>
+              <a:t> </a:t>
+            </a:r>
+            <a:r>
+              <a:rPr lang="en-US" b="1" dirty="0">
+                <a:solidFill>
+                  <a:srgbClr val="073642"/>
+                </a:solidFill>
+                <a:effectLst/>
+                <a:latin typeface="Menlo" panose="020B0609030804020204" pitchFamily="49" charset="0"/>
+              </a:rPr>
+              <a:t>extends</a:t>
+            </a:r>
+            <a:r>
+              <a:rPr lang="en-US" b="0" dirty="0">
+                <a:solidFill>
+                  <a:srgbClr val="333333"/>
+                </a:solidFill>
+                <a:effectLst/>
+                <a:latin typeface="Menlo" panose="020B0609030804020204" pitchFamily="49" charset="0"/>
+              </a:rPr>
+              <a:t> </a:t>
+            </a:r>
+            <a:r>
+              <a:rPr lang="en-US" b="0" dirty="0">
+                <a:solidFill>
+                  <a:srgbClr val="268BD2"/>
+                </a:solidFill>
+                <a:effectLst/>
+                <a:latin typeface="Menlo" panose="020B0609030804020204" pitchFamily="49" charset="0"/>
+              </a:rPr>
+              <a:t>Shape</a:t>
+            </a:r>
+            <a:r>
+              <a:rPr lang="en-US" b="0" dirty="0">
+                <a:solidFill>
+                  <a:srgbClr val="333333"/>
+                </a:solidFill>
+                <a:effectLst/>
+                <a:latin typeface="Menlo" panose="020B0609030804020204" pitchFamily="49" charset="0"/>
+              </a:rPr>
+              <a:t> {</a:t>
+            </a:r>
+          </a:p>
+          <a:p>
+            <a:r>
+              <a:rPr lang="en-US" b="1" dirty="0">
+                <a:solidFill>
+                  <a:srgbClr val="073642"/>
+                </a:solidFill>
+                <a:effectLst/>
+                <a:latin typeface="Menlo" panose="020B0609030804020204" pitchFamily="49" charset="0"/>
+              </a:rPr>
+              <a:t>	private</a:t>
+            </a:r>
+            <a:r>
+              <a:rPr lang="en-US" b="0" dirty="0">
+                <a:solidFill>
+                  <a:srgbClr val="333333"/>
+                </a:solidFill>
+                <a:effectLst/>
+                <a:latin typeface="Menlo" panose="020B0609030804020204" pitchFamily="49" charset="0"/>
+              </a:rPr>
+              <a:t> </a:t>
+            </a:r>
+            <a:r>
+              <a:rPr lang="en-US" b="1" dirty="0">
+                <a:solidFill>
+                  <a:srgbClr val="073642"/>
+                </a:solidFill>
+                <a:effectLst/>
+                <a:latin typeface="Menlo" panose="020B0609030804020204" pitchFamily="49" charset="0"/>
+              </a:rPr>
+              <a:t>double</a:t>
+            </a:r>
+            <a:r>
+              <a:rPr lang="en-US" b="0" dirty="0">
+                <a:solidFill>
+                  <a:srgbClr val="333333"/>
+                </a:solidFill>
+                <a:effectLst/>
+                <a:latin typeface="Menlo" panose="020B0609030804020204" pitchFamily="49" charset="0"/>
+              </a:rPr>
+              <a:t> </a:t>
+            </a:r>
+            <a:r>
+              <a:rPr lang="en-US" b="0" dirty="0">
+                <a:solidFill>
+                  <a:srgbClr val="268BD2"/>
+                </a:solidFill>
+                <a:effectLst/>
+                <a:latin typeface="Menlo" panose="020B0609030804020204" pitchFamily="49" charset="0"/>
+              </a:rPr>
+              <a:t>radius</a:t>
+            </a:r>
+            <a:r>
+              <a:rPr lang="en-US" b="0" dirty="0">
+                <a:solidFill>
+                  <a:srgbClr val="333333"/>
+                </a:solidFill>
+                <a:effectLst/>
+                <a:latin typeface="Menlo" panose="020B0609030804020204" pitchFamily="49" charset="0"/>
+              </a:rPr>
+              <a:t> </a:t>
+            </a:r>
+            <a:r>
+              <a:rPr lang="en-US" b="0" dirty="0">
+                <a:solidFill>
+                  <a:srgbClr val="859900"/>
+                </a:solidFill>
+                <a:effectLst/>
+                <a:latin typeface="Menlo" panose="020B0609030804020204" pitchFamily="49" charset="0"/>
+              </a:rPr>
+              <a:t>=</a:t>
+            </a:r>
+            <a:r>
+              <a:rPr lang="en-US" b="0" dirty="0">
+                <a:solidFill>
+                  <a:srgbClr val="D33682"/>
+                </a:solidFill>
+                <a:effectLst/>
+                <a:latin typeface="Menlo" panose="020B0609030804020204" pitchFamily="49" charset="0"/>
+              </a:rPr>
+              <a:t>0</a:t>
+            </a:r>
+            <a:r>
+              <a:rPr lang="en-US" b="0" dirty="0">
+                <a:solidFill>
+                  <a:srgbClr val="333333"/>
+                </a:solidFill>
+                <a:effectLst/>
+                <a:latin typeface="Menlo" panose="020B0609030804020204" pitchFamily="49" charset="0"/>
+              </a:rPr>
+              <a:t>;</a:t>
+            </a:r>
+          </a:p>
+          <a:p>
+            <a:r>
+              <a:rPr lang="en-US" b="1" dirty="0">
+                <a:solidFill>
+                  <a:srgbClr val="073642"/>
+                </a:solidFill>
+                <a:effectLst/>
+                <a:latin typeface="Menlo" panose="020B0609030804020204" pitchFamily="49" charset="0"/>
+              </a:rPr>
+              <a:t>	private</a:t>
+            </a:r>
+            <a:r>
+              <a:rPr lang="en-US" b="0" dirty="0">
+                <a:solidFill>
+                  <a:srgbClr val="333333"/>
+                </a:solidFill>
+                <a:effectLst/>
+                <a:latin typeface="Menlo" panose="020B0609030804020204" pitchFamily="49" charset="0"/>
+              </a:rPr>
+              <a:t> </a:t>
+            </a:r>
+            <a:r>
+              <a:rPr lang="en-US" b="1" dirty="0">
+                <a:solidFill>
+                  <a:srgbClr val="268BD2"/>
+                </a:solidFill>
+                <a:effectLst/>
+                <a:latin typeface="Menlo" panose="020B0609030804020204" pitchFamily="49" charset="0"/>
+              </a:rPr>
+              <a:t>Point</a:t>
+            </a:r>
+            <a:r>
+              <a:rPr lang="en-US" b="0" dirty="0">
+                <a:solidFill>
+                  <a:srgbClr val="333333"/>
+                </a:solidFill>
+                <a:effectLst/>
+                <a:latin typeface="Menlo" panose="020B0609030804020204" pitchFamily="49" charset="0"/>
+              </a:rPr>
+              <a:t> </a:t>
+            </a:r>
+            <a:r>
+              <a:rPr lang="en-US" b="0" dirty="0">
+                <a:solidFill>
+                  <a:srgbClr val="268BD2"/>
+                </a:solidFill>
+                <a:effectLst/>
+                <a:latin typeface="Menlo" panose="020B0609030804020204" pitchFamily="49" charset="0"/>
+              </a:rPr>
+              <a:t>center</a:t>
+            </a:r>
+            <a:r>
+              <a:rPr lang="en-US" b="0" dirty="0">
+                <a:solidFill>
+                  <a:srgbClr val="333333"/>
+                </a:solidFill>
+                <a:effectLst/>
+                <a:latin typeface="Menlo" panose="020B0609030804020204" pitchFamily="49" charset="0"/>
+              </a:rPr>
+              <a:t>; </a:t>
+            </a:r>
+          </a:p>
+          <a:p>
+            <a:r>
+              <a:rPr lang="en-US" b="0" dirty="0">
+                <a:solidFill>
+                  <a:srgbClr val="333333"/>
+                </a:solidFill>
+                <a:effectLst/>
+                <a:latin typeface="Menlo" panose="020B0609030804020204" pitchFamily="49" charset="0"/>
+              </a:rPr>
+              <a:t>	</a:t>
+            </a:r>
+          </a:p>
+          <a:p>
+            <a:r>
+              <a:rPr lang="en-US" dirty="0">
+                <a:solidFill>
+                  <a:srgbClr val="333333"/>
+                </a:solidFill>
+                <a:latin typeface="Menlo" panose="020B0609030804020204" pitchFamily="49" charset="0"/>
+              </a:rPr>
+              <a:t>	</a:t>
+            </a:r>
+            <a:r>
+              <a:rPr lang="en-US" b="0" dirty="0">
+                <a:solidFill>
+                  <a:srgbClr val="333333"/>
+                </a:solidFill>
+                <a:effectLst/>
+                <a:latin typeface="Menlo" panose="020B0609030804020204" pitchFamily="49" charset="0"/>
+              </a:rPr>
+              <a:t>@</a:t>
+            </a:r>
+            <a:r>
+              <a:rPr lang="en-US" b="1" dirty="0">
+                <a:solidFill>
+                  <a:srgbClr val="073642"/>
+                </a:solidFill>
+                <a:effectLst/>
+                <a:latin typeface="Menlo" panose="020B0609030804020204" pitchFamily="49" charset="0"/>
+              </a:rPr>
+              <a:t>Override</a:t>
+            </a:r>
+            <a:endParaRPr lang="en-US" b="0" dirty="0">
+              <a:solidFill>
+                <a:srgbClr val="333333"/>
+              </a:solidFill>
+              <a:effectLst/>
+              <a:latin typeface="Menlo" panose="020B0609030804020204" pitchFamily="49" charset="0"/>
+            </a:endParaRPr>
+          </a:p>
+          <a:p>
+            <a:r>
+              <a:rPr lang="en-US" b="1" dirty="0">
+                <a:solidFill>
+                  <a:srgbClr val="073642"/>
+                </a:solidFill>
+                <a:effectLst/>
+                <a:latin typeface="Menlo" panose="020B0609030804020204" pitchFamily="49" charset="0"/>
+              </a:rPr>
+              <a:t>	public</a:t>
+            </a:r>
+            <a:r>
+              <a:rPr lang="en-US" b="0" dirty="0">
+                <a:solidFill>
+                  <a:srgbClr val="333333"/>
+                </a:solidFill>
+                <a:effectLst/>
+                <a:latin typeface="Menlo" panose="020B0609030804020204" pitchFamily="49" charset="0"/>
+              </a:rPr>
+              <a:t> </a:t>
+            </a:r>
+            <a:r>
+              <a:rPr lang="en-US" b="1" dirty="0">
+                <a:solidFill>
+                  <a:srgbClr val="073642"/>
+                </a:solidFill>
+                <a:effectLst/>
+                <a:latin typeface="Menlo" panose="020B0609030804020204" pitchFamily="49" charset="0"/>
+              </a:rPr>
+              <a:t>double</a:t>
+            </a:r>
+            <a:r>
+              <a:rPr lang="en-US" b="0" dirty="0">
+                <a:solidFill>
+                  <a:srgbClr val="333333"/>
+                </a:solidFill>
+                <a:effectLst/>
+                <a:latin typeface="Menlo" panose="020B0609030804020204" pitchFamily="49" charset="0"/>
+              </a:rPr>
+              <a:t> </a:t>
+            </a:r>
+            <a:r>
+              <a:rPr lang="en-US" b="0" dirty="0" err="1">
+                <a:solidFill>
+                  <a:srgbClr val="268BD2"/>
+                </a:solidFill>
+                <a:effectLst/>
+                <a:latin typeface="Menlo" panose="020B0609030804020204" pitchFamily="49" charset="0"/>
+              </a:rPr>
+              <a:t>computeArea</a:t>
+            </a:r>
+            <a:r>
+              <a:rPr lang="en-US" b="0" dirty="0">
+                <a:solidFill>
+                  <a:srgbClr val="333333"/>
+                </a:solidFill>
+                <a:effectLst/>
+                <a:latin typeface="Menlo" panose="020B0609030804020204" pitchFamily="49" charset="0"/>
+              </a:rPr>
+              <a:t>() {</a:t>
+            </a:r>
+          </a:p>
+          <a:p>
+            <a:r>
+              <a:rPr lang="en-US" b="0" dirty="0">
+                <a:solidFill>
+                  <a:srgbClr val="859900"/>
+                </a:solidFill>
+                <a:effectLst/>
+                <a:latin typeface="Menlo" panose="020B0609030804020204" pitchFamily="49" charset="0"/>
+              </a:rPr>
+              <a:t>		return</a:t>
+            </a:r>
+            <a:r>
+              <a:rPr lang="en-US" b="0" dirty="0">
+                <a:solidFill>
+                  <a:srgbClr val="333333"/>
+                </a:solidFill>
+                <a:effectLst/>
+                <a:latin typeface="Menlo" panose="020B0609030804020204" pitchFamily="49" charset="0"/>
+              </a:rPr>
+              <a:t> </a:t>
+            </a:r>
+            <a:r>
+              <a:rPr lang="en-US" b="0" dirty="0" err="1">
+                <a:solidFill>
+                  <a:srgbClr val="268BD2"/>
+                </a:solidFill>
+                <a:effectLst/>
+                <a:latin typeface="Menlo" panose="020B0609030804020204" pitchFamily="49" charset="0"/>
+              </a:rPr>
+              <a:t>Math</a:t>
+            </a:r>
+            <a:r>
+              <a:rPr lang="en-US" b="0" dirty="0" err="1">
+                <a:solidFill>
+                  <a:srgbClr val="333333"/>
+                </a:solidFill>
+                <a:effectLst/>
+                <a:latin typeface="Menlo" panose="020B0609030804020204" pitchFamily="49" charset="0"/>
+              </a:rPr>
+              <a:t>.</a:t>
+            </a:r>
+            <a:r>
+              <a:rPr lang="en-US" b="0" dirty="0" err="1">
+                <a:solidFill>
+                  <a:srgbClr val="268BD2"/>
+                </a:solidFill>
+                <a:effectLst/>
+                <a:latin typeface="Menlo" panose="020B0609030804020204" pitchFamily="49" charset="0"/>
+              </a:rPr>
+              <a:t>PI</a:t>
+            </a:r>
+            <a:r>
+              <a:rPr lang="en-US" b="0" dirty="0">
+                <a:solidFill>
+                  <a:srgbClr val="333333"/>
+                </a:solidFill>
+                <a:effectLst/>
+                <a:latin typeface="Menlo" panose="020B0609030804020204" pitchFamily="49" charset="0"/>
+              </a:rPr>
+              <a:t> </a:t>
+            </a:r>
+            <a:r>
+              <a:rPr lang="en-US" b="0" dirty="0">
+                <a:solidFill>
+                  <a:srgbClr val="859900"/>
+                </a:solidFill>
+                <a:effectLst/>
+                <a:latin typeface="Menlo" panose="020B0609030804020204" pitchFamily="49" charset="0"/>
+              </a:rPr>
+              <a:t>*</a:t>
+            </a:r>
+            <a:r>
+              <a:rPr lang="en-US" b="0" dirty="0">
+                <a:solidFill>
+                  <a:srgbClr val="333333"/>
+                </a:solidFill>
+                <a:effectLst/>
+                <a:latin typeface="Menlo" panose="020B0609030804020204" pitchFamily="49" charset="0"/>
+              </a:rPr>
+              <a:t> (</a:t>
+            </a:r>
+            <a:r>
+              <a:rPr lang="en-US" b="0" dirty="0">
+                <a:solidFill>
+                  <a:srgbClr val="268BD2"/>
+                </a:solidFill>
+                <a:effectLst/>
+                <a:latin typeface="Menlo" panose="020B0609030804020204" pitchFamily="49" charset="0"/>
+              </a:rPr>
+              <a:t>radius</a:t>
+            </a:r>
+            <a:r>
+              <a:rPr lang="en-US" b="0" dirty="0">
+                <a:solidFill>
+                  <a:srgbClr val="859900"/>
+                </a:solidFill>
+                <a:effectLst/>
+                <a:latin typeface="Menlo" panose="020B0609030804020204" pitchFamily="49" charset="0"/>
+              </a:rPr>
+              <a:t>*</a:t>
+            </a:r>
+            <a:r>
+              <a:rPr lang="en-US" b="0" dirty="0">
+                <a:solidFill>
+                  <a:srgbClr val="268BD2"/>
+                </a:solidFill>
+                <a:effectLst/>
+                <a:latin typeface="Menlo" panose="020B0609030804020204" pitchFamily="49" charset="0"/>
+              </a:rPr>
+              <a:t>radius</a:t>
+            </a:r>
+            <a:r>
+              <a:rPr lang="en-US" b="0" dirty="0">
+                <a:solidFill>
+                  <a:srgbClr val="333333"/>
+                </a:solidFill>
+                <a:effectLst/>
+                <a:latin typeface="Menlo" panose="020B0609030804020204" pitchFamily="49" charset="0"/>
+              </a:rPr>
+              <a:t>);</a:t>
+            </a:r>
+          </a:p>
+          <a:p>
+            <a:r>
+              <a:rPr lang="en-US" b="0" dirty="0">
+                <a:solidFill>
+                  <a:srgbClr val="333333"/>
+                </a:solidFill>
+                <a:effectLst/>
+                <a:latin typeface="Menlo" panose="020B0609030804020204" pitchFamily="49" charset="0"/>
+              </a:rPr>
+              <a:t>	}</a:t>
+            </a:r>
+          </a:p>
+          <a:p>
+            <a:r>
+              <a:rPr lang="en-US" b="0" dirty="0">
+                <a:solidFill>
+                  <a:srgbClr val="333333"/>
+                </a:solidFill>
+                <a:effectLst/>
+                <a:latin typeface="Menlo" panose="020B0609030804020204" pitchFamily="49" charset="0"/>
+              </a:rPr>
+              <a:t>}</a:t>
+            </a:r>
+          </a:p>
+        </p:txBody>
+      </p:sp>
+      <p:sp>
+        <p:nvSpPr>
+          <p:cNvPr id="13" name="TextBox 12">
+            <a:extLst>
+              <a:ext uri="{FF2B5EF4-FFF2-40B4-BE49-F238E27FC236}">
+                <a16:creationId xmlns:a16="http://schemas.microsoft.com/office/drawing/2014/main" id="{2807F77D-576E-9142-A8D1-C232F1320B3B}"/>
+              </a:ext>
+            </a:extLst>
+          </p:cNvPr>
+          <p:cNvSpPr txBox="1"/>
+          <p:nvPr/>
+        </p:nvSpPr>
+        <p:spPr>
+          <a:xfrm>
+            <a:off x="7435850" y="3886200"/>
+            <a:ext cx="6184900" cy="2862322"/>
+          </a:xfrm>
+          <a:prstGeom prst="rect">
+            <a:avLst/>
+          </a:prstGeom>
+          <a:noFill/>
+          <a:ln>
+            <a:solidFill>
+              <a:schemeClr val="accent1"/>
+            </a:solidFill>
+          </a:ln>
+        </p:spPr>
+        <p:txBody>
+          <a:bodyPr wrap="square">
+            <a:spAutoFit/>
+          </a:bodyPr>
+          <a:lstStyle/>
+          <a:p>
+            <a:r>
+              <a:rPr lang="en-US" b="1" dirty="0">
+                <a:solidFill>
+                  <a:srgbClr val="073642"/>
+                </a:solidFill>
+                <a:effectLst/>
+                <a:latin typeface="Menlo" panose="020B0609030804020204" pitchFamily="49" charset="0"/>
+              </a:rPr>
+              <a:t>public</a:t>
+            </a:r>
+            <a:r>
+              <a:rPr lang="en-US" b="0" dirty="0">
+                <a:solidFill>
+                  <a:srgbClr val="333333"/>
+                </a:solidFill>
+                <a:effectLst/>
+                <a:latin typeface="Menlo" panose="020B0609030804020204" pitchFamily="49" charset="0"/>
+              </a:rPr>
+              <a:t> </a:t>
+            </a:r>
+            <a:r>
+              <a:rPr lang="en-US" b="1" dirty="0">
+                <a:solidFill>
+                  <a:srgbClr val="073642"/>
+                </a:solidFill>
+                <a:effectLst/>
+                <a:latin typeface="Menlo" panose="020B0609030804020204" pitchFamily="49" charset="0"/>
+              </a:rPr>
+              <a:t>class</a:t>
+            </a:r>
+            <a:r>
+              <a:rPr lang="en-US" b="0" dirty="0">
+                <a:solidFill>
+                  <a:srgbClr val="333333"/>
+                </a:solidFill>
+                <a:effectLst/>
+                <a:latin typeface="Menlo" panose="020B0609030804020204" pitchFamily="49" charset="0"/>
+              </a:rPr>
+              <a:t> </a:t>
+            </a:r>
+            <a:r>
+              <a:rPr lang="en-US" b="0" dirty="0">
+                <a:solidFill>
+                  <a:srgbClr val="268BD2"/>
+                </a:solidFill>
+                <a:effectLst/>
+                <a:latin typeface="Menlo" panose="020B0609030804020204" pitchFamily="49" charset="0"/>
+              </a:rPr>
+              <a:t>Square</a:t>
+            </a:r>
+            <a:r>
+              <a:rPr lang="en-US" b="0" dirty="0">
+                <a:solidFill>
+                  <a:srgbClr val="333333"/>
+                </a:solidFill>
+                <a:effectLst/>
+                <a:latin typeface="Menlo" panose="020B0609030804020204" pitchFamily="49" charset="0"/>
+              </a:rPr>
+              <a:t> </a:t>
+            </a:r>
+            <a:r>
+              <a:rPr lang="en-US" b="1" dirty="0">
+                <a:solidFill>
+                  <a:srgbClr val="073642"/>
+                </a:solidFill>
+                <a:effectLst/>
+                <a:latin typeface="Menlo" panose="020B0609030804020204" pitchFamily="49" charset="0"/>
+              </a:rPr>
+              <a:t>extends</a:t>
+            </a:r>
+            <a:r>
+              <a:rPr lang="en-US" b="0" dirty="0">
+                <a:solidFill>
+                  <a:srgbClr val="333333"/>
+                </a:solidFill>
+                <a:effectLst/>
+                <a:latin typeface="Menlo" panose="020B0609030804020204" pitchFamily="49" charset="0"/>
+              </a:rPr>
+              <a:t> </a:t>
+            </a:r>
+            <a:r>
+              <a:rPr lang="en-US" b="0" dirty="0">
+                <a:solidFill>
+                  <a:srgbClr val="268BD2"/>
+                </a:solidFill>
+                <a:effectLst/>
+                <a:latin typeface="Menlo" panose="020B0609030804020204" pitchFamily="49" charset="0"/>
+              </a:rPr>
+              <a:t>Shape</a:t>
+            </a:r>
+            <a:r>
+              <a:rPr lang="en-US" b="0" dirty="0">
+                <a:solidFill>
+                  <a:srgbClr val="333333"/>
+                </a:solidFill>
+                <a:effectLst/>
+                <a:latin typeface="Menlo" panose="020B0609030804020204" pitchFamily="49" charset="0"/>
+              </a:rPr>
+              <a:t> {</a:t>
+            </a:r>
+          </a:p>
+          <a:p>
+            <a:r>
+              <a:rPr lang="en-US" b="1" dirty="0">
+                <a:solidFill>
+                  <a:srgbClr val="073642"/>
+                </a:solidFill>
+                <a:effectLst/>
+                <a:latin typeface="Menlo" panose="020B0609030804020204" pitchFamily="49" charset="0"/>
+              </a:rPr>
+              <a:t>	private</a:t>
+            </a:r>
+            <a:r>
+              <a:rPr lang="en-US" b="0" dirty="0">
+                <a:solidFill>
+                  <a:srgbClr val="333333"/>
+                </a:solidFill>
+                <a:effectLst/>
+                <a:latin typeface="Menlo" panose="020B0609030804020204" pitchFamily="49" charset="0"/>
+              </a:rPr>
+              <a:t> </a:t>
+            </a:r>
+            <a:r>
+              <a:rPr lang="en-US" b="1" dirty="0">
+                <a:solidFill>
+                  <a:srgbClr val="073642"/>
+                </a:solidFill>
+                <a:effectLst/>
+                <a:latin typeface="Menlo" panose="020B0609030804020204" pitchFamily="49" charset="0"/>
+              </a:rPr>
+              <a:t>double</a:t>
+            </a:r>
+            <a:r>
+              <a:rPr lang="en-US" b="0" dirty="0">
+                <a:solidFill>
+                  <a:srgbClr val="333333"/>
+                </a:solidFill>
+                <a:effectLst/>
+                <a:latin typeface="Menlo" panose="020B0609030804020204" pitchFamily="49" charset="0"/>
+              </a:rPr>
+              <a:t> </a:t>
+            </a:r>
+            <a:r>
+              <a:rPr lang="en-US" b="0" dirty="0">
+                <a:solidFill>
+                  <a:srgbClr val="268BD2"/>
+                </a:solidFill>
+                <a:effectLst/>
+                <a:latin typeface="Menlo" panose="020B0609030804020204" pitchFamily="49" charset="0"/>
+              </a:rPr>
+              <a:t>size</a:t>
+            </a:r>
+            <a:r>
+              <a:rPr lang="en-US" b="0" dirty="0">
+                <a:solidFill>
+                  <a:srgbClr val="333333"/>
+                </a:solidFill>
+                <a:effectLst/>
+                <a:latin typeface="Menlo" panose="020B0609030804020204" pitchFamily="49" charset="0"/>
+              </a:rPr>
+              <a:t> </a:t>
+            </a:r>
+            <a:r>
+              <a:rPr lang="en-US" b="0" dirty="0">
+                <a:solidFill>
+                  <a:srgbClr val="859900"/>
+                </a:solidFill>
+                <a:effectLst/>
+                <a:latin typeface="Menlo" panose="020B0609030804020204" pitchFamily="49" charset="0"/>
+              </a:rPr>
+              <a:t>=</a:t>
+            </a:r>
+            <a:r>
+              <a:rPr lang="en-US" b="0" dirty="0">
+                <a:solidFill>
+                  <a:srgbClr val="333333"/>
+                </a:solidFill>
+                <a:effectLst/>
+                <a:latin typeface="Menlo" panose="020B0609030804020204" pitchFamily="49" charset="0"/>
+              </a:rPr>
+              <a:t> </a:t>
+            </a:r>
+            <a:r>
+              <a:rPr lang="en-US" b="0" dirty="0">
+                <a:solidFill>
+                  <a:srgbClr val="D33682"/>
+                </a:solidFill>
+                <a:effectLst/>
+                <a:latin typeface="Menlo" panose="020B0609030804020204" pitchFamily="49" charset="0"/>
+              </a:rPr>
+              <a:t>0</a:t>
+            </a:r>
+            <a:r>
+              <a:rPr lang="en-US" b="0" dirty="0">
+                <a:solidFill>
+                  <a:srgbClr val="333333"/>
+                </a:solidFill>
+                <a:effectLst/>
+                <a:latin typeface="Menlo" panose="020B0609030804020204" pitchFamily="49" charset="0"/>
+              </a:rPr>
+              <a:t>;</a:t>
+            </a:r>
+          </a:p>
+          <a:p>
+            <a:r>
+              <a:rPr lang="en-US" b="1" dirty="0">
+                <a:solidFill>
+                  <a:srgbClr val="073642"/>
+                </a:solidFill>
+                <a:effectLst/>
+                <a:latin typeface="Menlo" panose="020B0609030804020204" pitchFamily="49" charset="0"/>
+              </a:rPr>
+              <a:t>	private</a:t>
+            </a:r>
+            <a:r>
+              <a:rPr lang="en-US" b="0" dirty="0">
+                <a:solidFill>
+                  <a:srgbClr val="333333"/>
+                </a:solidFill>
+                <a:effectLst/>
+                <a:latin typeface="Menlo" panose="020B0609030804020204" pitchFamily="49" charset="0"/>
+              </a:rPr>
+              <a:t> </a:t>
+            </a:r>
+            <a:r>
+              <a:rPr lang="en-US" b="1" dirty="0">
+                <a:solidFill>
+                  <a:srgbClr val="268BD2"/>
+                </a:solidFill>
+                <a:effectLst/>
+                <a:latin typeface="Menlo" panose="020B0609030804020204" pitchFamily="49" charset="0"/>
+              </a:rPr>
+              <a:t>Point</a:t>
+            </a:r>
+            <a:r>
+              <a:rPr lang="en-US" b="0" dirty="0">
+                <a:solidFill>
+                  <a:srgbClr val="333333"/>
+                </a:solidFill>
+                <a:effectLst/>
+                <a:latin typeface="Menlo" panose="020B0609030804020204" pitchFamily="49" charset="0"/>
+              </a:rPr>
+              <a:t> </a:t>
+            </a:r>
+            <a:r>
+              <a:rPr lang="en-US" b="0" dirty="0">
+                <a:solidFill>
+                  <a:srgbClr val="268BD2"/>
+                </a:solidFill>
+                <a:effectLst/>
+                <a:latin typeface="Menlo" panose="020B0609030804020204" pitchFamily="49" charset="0"/>
+              </a:rPr>
+              <a:t>center</a:t>
+            </a:r>
+            <a:r>
+              <a:rPr lang="en-US" b="0" dirty="0">
+                <a:solidFill>
+                  <a:srgbClr val="333333"/>
+                </a:solidFill>
+                <a:effectLst/>
+                <a:latin typeface="Menlo" panose="020B0609030804020204" pitchFamily="49" charset="0"/>
+              </a:rPr>
+              <a:t>;</a:t>
+            </a:r>
+          </a:p>
+          <a:p>
+            <a:br>
+              <a:rPr lang="en-US" b="0" dirty="0">
+                <a:solidFill>
+                  <a:srgbClr val="333333"/>
+                </a:solidFill>
+                <a:effectLst/>
+                <a:latin typeface="Menlo" panose="020B0609030804020204" pitchFamily="49" charset="0"/>
+              </a:rPr>
+            </a:br>
+            <a:r>
+              <a:rPr lang="en-US" b="0" dirty="0">
+                <a:solidFill>
+                  <a:srgbClr val="333333"/>
+                </a:solidFill>
+                <a:effectLst/>
+                <a:latin typeface="Menlo" panose="020B0609030804020204" pitchFamily="49" charset="0"/>
+              </a:rPr>
+              <a:t>	@</a:t>
+            </a:r>
+            <a:r>
+              <a:rPr lang="en-US" b="1" dirty="0">
+                <a:solidFill>
+                  <a:srgbClr val="073642"/>
+                </a:solidFill>
+                <a:effectLst/>
+                <a:latin typeface="Menlo" panose="020B0609030804020204" pitchFamily="49" charset="0"/>
+              </a:rPr>
+              <a:t>Override</a:t>
+            </a:r>
+            <a:endParaRPr lang="en-US" b="0" dirty="0">
+              <a:solidFill>
+                <a:srgbClr val="333333"/>
+              </a:solidFill>
+              <a:effectLst/>
+              <a:latin typeface="Menlo" panose="020B0609030804020204" pitchFamily="49" charset="0"/>
+            </a:endParaRPr>
+          </a:p>
+          <a:p>
+            <a:r>
+              <a:rPr lang="en-US" b="1" dirty="0">
+                <a:solidFill>
+                  <a:srgbClr val="073642"/>
+                </a:solidFill>
+                <a:effectLst/>
+                <a:latin typeface="Menlo" panose="020B0609030804020204" pitchFamily="49" charset="0"/>
+              </a:rPr>
+              <a:t>	public</a:t>
+            </a:r>
+            <a:r>
+              <a:rPr lang="en-US" b="0" dirty="0">
+                <a:solidFill>
+                  <a:srgbClr val="333333"/>
+                </a:solidFill>
+                <a:effectLst/>
+                <a:latin typeface="Menlo" panose="020B0609030804020204" pitchFamily="49" charset="0"/>
+              </a:rPr>
+              <a:t> </a:t>
+            </a:r>
+            <a:r>
+              <a:rPr lang="en-US" b="1" dirty="0">
+                <a:solidFill>
+                  <a:srgbClr val="073642"/>
+                </a:solidFill>
+                <a:effectLst/>
+                <a:latin typeface="Menlo" panose="020B0609030804020204" pitchFamily="49" charset="0"/>
+              </a:rPr>
+              <a:t>double</a:t>
+            </a:r>
+            <a:r>
+              <a:rPr lang="en-US" b="0" dirty="0">
+                <a:solidFill>
+                  <a:srgbClr val="333333"/>
+                </a:solidFill>
+                <a:effectLst/>
+                <a:latin typeface="Menlo" panose="020B0609030804020204" pitchFamily="49" charset="0"/>
+              </a:rPr>
+              <a:t> </a:t>
+            </a:r>
+            <a:r>
+              <a:rPr lang="en-US" b="0" dirty="0" err="1">
+                <a:solidFill>
+                  <a:srgbClr val="268BD2"/>
+                </a:solidFill>
+                <a:effectLst/>
+                <a:latin typeface="Menlo" panose="020B0609030804020204" pitchFamily="49" charset="0"/>
+              </a:rPr>
+              <a:t>computeArea</a:t>
+            </a:r>
+            <a:r>
+              <a:rPr lang="en-US" b="0" dirty="0">
+                <a:solidFill>
+                  <a:srgbClr val="333333"/>
+                </a:solidFill>
+                <a:effectLst/>
+                <a:latin typeface="Menlo" panose="020B0609030804020204" pitchFamily="49" charset="0"/>
+              </a:rPr>
+              <a:t>() {</a:t>
+            </a:r>
+          </a:p>
+          <a:p>
+            <a:r>
+              <a:rPr lang="en-US" b="0" dirty="0">
+                <a:solidFill>
+                  <a:srgbClr val="859900"/>
+                </a:solidFill>
+                <a:effectLst/>
+                <a:latin typeface="Menlo" panose="020B0609030804020204" pitchFamily="49" charset="0"/>
+              </a:rPr>
+              <a:t>		return</a:t>
+            </a:r>
+            <a:r>
+              <a:rPr lang="en-US" b="0" dirty="0">
+                <a:solidFill>
+                  <a:srgbClr val="333333"/>
+                </a:solidFill>
+                <a:effectLst/>
+                <a:latin typeface="Menlo" panose="020B0609030804020204" pitchFamily="49" charset="0"/>
+              </a:rPr>
+              <a:t> </a:t>
+            </a:r>
+            <a:r>
+              <a:rPr lang="en-US" b="0" dirty="0">
+                <a:solidFill>
+                  <a:srgbClr val="268BD2"/>
+                </a:solidFill>
+                <a:effectLst/>
+                <a:latin typeface="Menlo" panose="020B0609030804020204" pitchFamily="49" charset="0"/>
+              </a:rPr>
+              <a:t>size</a:t>
+            </a:r>
+            <a:r>
+              <a:rPr lang="en-US" b="0" dirty="0">
+                <a:solidFill>
+                  <a:srgbClr val="859900"/>
+                </a:solidFill>
+                <a:effectLst/>
+                <a:latin typeface="Menlo" panose="020B0609030804020204" pitchFamily="49" charset="0"/>
+              </a:rPr>
+              <a:t>*</a:t>
+            </a:r>
+            <a:r>
+              <a:rPr lang="en-US" b="0" dirty="0">
+                <a:solidFill>
+                  <a:srgbClr val="268BD2"/>
+                </a:solidFill>
+                <a:effectLst/>
+                <a:latin typeface="Menlo" panose="020B0609030804020204" pitchFamily="49" charset="0"/>
+              </a:rPr>
+              <a:t>size</a:t>
+            </a:r>
+            <a:r>
+              <a:rPr lang="en-US" b="0" dirty="0">
+                <a:solidFill>
+                  <a:srgbClr val="333333"/>
+                </a:solidFill>
+                <a:effectLst/>
+                <a:latin typeface="Menlo" panose="020B0609030804020204" pitchFamily="49" charset="0"/>
+              </a:rPr>
+              <a:t>;</a:t>
+            </a:r>
+          </a:p>
+          <a:p>
+            <a:r>
+              <a:rPr lang="en-US" b="0" dirty="0">
+                <a:solidFill>
+                  <a:srgbClr val="333333"/>
+                </a:solidFill>
+                <a:effectLst/>
+                <a:latin typeface="Menlo" panose="020B0609030804020204" pitchFamily="49" charset="0"/>
+              </a:rPr>
+              <a:t>	}</a:t>
+            </a:r>
+          </a:p>
+          <a:p>
+            <a:r>
+              <a:rPr lang="en-US" b="0" dirty="0">
+                <a:solidFill>
+                  <a:srgbClr val="333333"/>
+                </a:solidFill>
+                <a:effectLst/>
+                <a:latin typeface="Menlo" panose="020B0609030804020204" pitchFamily="49" charset="0"/>
+              </a:rPr>
+              <a:t>}</a:t>
+            </a:r>
+          </a:p>
+        </p:txBody>
+      </p:sp>
+      <p:sp>
+        <p:nvSpPr>
+          <p:cNvPr id="14" name="TextBox 13">
+            <a:extLst>
+              <a:ext uri="{FF2B5EF4-FFF2-40B4-BE49-F238E27FC236}">
+                <a16:creationId xmlns:a16="http://schemas.microsoft.com/office/drawing/2014/main" id="{0FD17A4B-46FE-CF4B-8B4D-DC876E710959}"/>
+              </a:ext>
+            </a:extLst>
+          </p:cNvPr>
+          <p:cNvSpPr txBox="1"/>
+          <p:nvPr/>
+        </p:nvSpPr>
+        <p:spPr>
+          <a:xfrm>
+            <a:off x="8445500" y="6954173"/>
+            <a:ext cx="5056192" cy="400110"/>
+          </a:xfrm>
+          <a:prstGeom prst="rect">
+            <a:avLst/>
+          </a:prstGeom>
+          <a:noFill/>
+        </p:spPr>
+        <p:txBody>
+          <a:bodyPr wrap="none" rtlCol="0">
+            <a:spAutoFit/>
+          </a:bodyPr>
+          <a:lstStyle/>
+          <a:p>
+            <a:r>
+              <a:rPr lang="en-US" dirty="0"/>
+              <a:t>UML/Examples not complete – just an idea</a:t>
+            </a:r>
+          </a:p>
+        </p:txBody>
+      </p:sp>
+    </p:spTree>
+    <p:extLst>
+      <p:ext uri="{BB962C8B-B14F-4D97-AF65-F5344CB8AC3E}">
+        <p14:creationId xmlns:p14="http://schemas.microsoft.com/office/powerpoint/2010/main" val="801782618"/>
+      </p:ext>
+    </p:extLst>
+  </p:cSld>
+  <p:clrMapOvr>
+    <a:masterClrMapping/>
+  </p:clrMapOvr>
+  <mc:AlternateContent xmlns:mc="http://schemas.openxmlformats.org/markup-compatibility/2006" xmlns:p14="http://schemas.microsoft.com/office/powerpoint/2010/main">
+    <mc:Choice Requires="p14">
+      <p:transition p14:dur="300">
+        <p:fade/>
+      </p:transition>
+    </mc:Choice>
+    <mc:Fallback xmlns="">
+      <p:transition>
+        <p:fade/>
+      </p:transition>
+    </mc:Fallback>
+  </mc:AlternateContent>
+</p:sld>
+</file>
+
+<file path=ppt/slides/slide5.xml><?xml version="1.0" encoding="utf-8"?>
+<p:sld xmlns:a="http://schemas.openxmlformats.org/drawingml/2006/main" xmlns:r="http://schemas.openxmlformats.org/officeDocument/2006/relationships" xmlns:p="http://schemas.openxmlformats.org/presentationml/2006/main">
+  <p:cSld>
+    <p:spTree>
+      <p:nvGrpSpPr>
+        <p:cNvPr id="1" name=""/>
+        <p:cNvGrpSpPr/>
+        <p:nvPr/>
+      </p:nvGrpSpPr>
+      <p:grpSpPr>
+        <a:xfrm>
+          <a:off x="0" y="0"/>
+          <a:ext cx="0" cy="0"/>
+          <a:chOff x="0" y="0"/>
+          <a:chExt cx="0" cy="0"/>
+        </a:xfrm>
+      </p:grpSpPr>
+      <p:sp>
+        <p:nvSpPr>
+          <p:cNvPr id="2" name="Title 1">
+            <a:extLst>
+              <a:ext uri="{FF2B5EF4-FFF2-40B4-BE49-F238E27FC236}">
+                <a16:creationId xmlns:a16="http://schemas.microsoft.com/office/drawing/2014/main" id="{41AB1E95-8F70-F643-9716-BB9C92BA5E75}"/>
+              </a:ext>
+            </a:extLst>
+          </p:cNvPr>
+          <p:cNvSpPr>
+            <a:spLocks noGrp="1"/>
+          </p:cNvSpPr>
+          <p:nvPr>
+            <p:ph type="title"/>
+          </p:nvPr>
+        </p:nvSpPr>
+        <p:spPr/>
+        <p:txBody>
+          <a:bodyPr/>
+          <a:lstStyle/>
+          <a:p>
+            <a:r>
+              <a:rPr lang="en-US" dirty="0"/>
+              <a:t>Final Practical Project</a:t>
+            </a:r>
+          </a:p>
+        </p:txBody>
+      </p:sp>
+      <p:sp>
+        <p:nvSpPr>
+          <p:cNvPr id="3" name="Text Placeholder 2">
+            <a:extLst>
+              <a:ext uri="{FF2B5EF4-FFF2-40B4-BE49-F238E27FC236}">
+                <a16:creationId xmlns:a16="http://schemas.microsoft.com/office/drawing/2014/main" id="{69B3FF0A-7D98-3148-9763-05A304F7E672}"/>
+              </a:ext>
+            </a:extLst>
+          </p:cNvPr>
+          <p:cNvSpPr>
+            <a:spLocks noGrp="1"/>
+          </p:cNvSpPr>
+          <p:nvPr>
+            <p:ph type="body" sz="quarter" idx="10"/>
+          </p:nvPr>
+        </p:nvSpPr>
+        <p:spPr>
+          <a:xfrm>
+            <a:off x="628075" y="1776683"/>
+            <a:ext cx="7025792" cy="5251951"/>
+          </a:xfrm>
+        </p:spPr>
+        <p:txBody>
+          <a:bodyPr/>
+          <a:lstStyle/>
+          <a:p>
+            <a:r>
+              <a:rPr lang="en-US" dirty="0"/>
+              <a:t>Starting with the basic design of a program</a:t>
+            </a:r>
+          </a:p>
+          <a:p>
+            <a:pPr lvl="1"/>
+            <a:r>
+              <a:rPr lang="en-US" dirty="0"/>
+              <a:t>Both UML and Javadoc</a:t>
+            </a:r>
+          </a:p>
+          <a:p>
+            <a:pPr lvl="1"/>
+            <a:r>
+              <a:rPr lang="en-US" dirty="0"/>
+              <a:t>Let’s Look at the UML</a:t>
+            </a:r>
+          </a:p>
+          <a:p>
+            <a:r>
+              <a:rPr lang="en-US" dirty="0"/>
+              <a:t>Interfaces/Implements?</a:t>
+            </a:r>
+          </a:p>
+          <a:p>
+            <a:pPr lvl="1"/>
+            <a:r>
+              <a:rPr lang="en-US" dirty="0"/>
+              <a:t>Cover this after the exam - you can read ahead or just wait</a:t>
+            </a:r>
+          </a:p>
+          <a:p>
+            <a:pPr lvl="2"/>
+            <a:r>
+              <a:rPr lang="en-US" dirty="0"/>
+              <a:t>Essentially ‘contracts’ that require certain methods to be implemented in the class, so MOB has to have the 4 Attribute methods</a:t>
+            </a:r>
+          </a:p>
+          <a:p>
+            <a:r>
+              <a:rPr lang="en-US" dirty="0" err="1"/>
+              <a:t>AbstractClass</a:t>
+            </a:r>
+            <a:r>
+              <a:rPr lang="en-US" dirty="0"/>
+              <a:t>?</a:t>
+            </a:r>
+          </a:p>
+          <a:p>
+            <a:pPr lvl="1"/>
+            <a:r>
+              <a:rPr lang="en-US" dirty="0"/>
+              <a:t>Cover this after the exam – you can just wait, or read ahead</a:t>
+            </a:r>
+          </a:p>
+          <a:p>
+            <a:pPr lvl="2"/>
+            <a:r>
+              <a:rPr lang="en-US" dirty="0"/>
+              <a:t>Essentially partially implemented classes with </a:t>
+            </a:r>
+          </a:p>
+          <a:p>
+            <a:r>
+              <a:rPr lang="en-US" dirty="0"/>
+              <a:t>Looks like a lot</a:t>
+            </a:r>
+          </a:p>
+          <a:p>
+            <a:pPr lvl="1"/>
+            <a:r>
+              <a:rPr lang="en-US" dirty="0"/>
+              <a:t>Actually, a lot of one-line methods and small classes</a:t>
+            </a:r>
+          </a:p>
+        </p:txBody>
+      </p:sp>
+      <p:pic>
+        <p:nvPicPr>
+          <p:cNvPr id="4" name="Picture 3">
+            <a:extLst>
+              <a:ext uri="{FF2B5EF4-FFF2-40B4-BE49-F238E27FC236}">
+                <a16:creationId xmlns:a16="http://schemas.microsoft.com/office/drawing/2014/main" id="{49D898BE-6A00-2547-AEE9-BC8C3833769A}"/>
+              </a:ext>
+            </a:extLst>
+          </p:cNvPr>
+          <p:cNvPicPr>
+            <a:picLocks noChangeAspect="1"/>
+          </p:cNvPicPr>
+          <p:nvPr/>
+        </p:nvPicPr>
+        <p:blipFill>
+          <a:blip r:embed="rId2"/>
+          <a:stretch>
+            <a:fillRect/>
+          </a:stretch>
+        </p:blipFill>
+        <p:spPr>
+          <a:xfrm>
+            <a:off x="8139288" y="87724"/>
+            <a:ext cx="5599289" cy="7596952"/>
+          </a:xfrm>
+          <a:prstGeom prst="rect">
+            <a:avLst/>
+          </a:prstGeom>
+        </p:spPr>
+      </p:pic>
+    </p:spTree>
+    <p:extLst>
+      <p:ext uri="{BB962C8B-B14F-4D97-AF65-F5344CB8AC3E}">
+        <p14:creationId xmlns:p14="http://schemas.microsoft.com/office/powerpoint/2010/main" val="3913504256"/>
       </p:ext>
     </p:extLst>
   </p:cSld>

--- a/slides/On-Campus/11_03_UML_PracticalProject.pptx
+++ b/slides/On-Campus/11_03_UML_PracticalProject.pptx
@@ -5,17 +5,21 @@
     <p:sldMasterId id="2147483648" r:id="rId1"/>
   </p:sldMasterIdLst>
   <p:notesMasterIdLst>
-    <p:notesMasterId r:id="rId7"/>
+    <p:notesMasterId r:id="rId11"/>
   </p:notesMasterIdLst>
   <p:handoutMasterIdLst>
-    <p:handoutMasterId r:id="rId8"/>
+    <p:handoutMasterId r:id="rId12"/>
   </p:handoutMasterIdLst>
   <p:sldIdLst>
     <p:sldId id="256" r:id="rId2"/>
-    <p:sldId id="257" r:id="rId3"/>
-    <p:sldId id="258" r:id="rId4"/>
-    <p:sldId id="259" r:id="rId5"/>
-    <p:sldId id="260" r:id="rId6"/>
+    <p:sldId id="271" r:id="rId3"/>
+    <p:sldId id="257" r:id="rId4"/>
+    <p:sldId id="258" r:id="rId5"/>
+    <p:sldId id="259" r:id="rId6"/>
+    <p:sldId id="260" r:id="rId7"/>
+    <p:sldId id="261" r:id="rId8"/>
+    <p:sldId id="262" r:id="rId9"/>
+    <p:sldId id="263" r:id="rId10"/>
   </p:sldIdLst>
   <p:sldSz cx="13817600" cy="7772400"/>
   <p:notesSz cx="6858000" cy="9144000"/>
@@ -218,7 +222,7 @@
           <a:p>
             <a:fld id="{4D7E51A5-B478-1E40-8CBB-0DAA8831E99D}" type="datetimeFigureOut">
               <a:rPr lang="en-US" smtClean="0"/>
-              <a:t>11/4/21</a:t>
+              <a:t>11/4/2021</a:t>
             </a:fld>
             <a:endParaRPr lang="en-US"/>
           </a:p>
@@ -383,7 +387,7 @@
           <a:p>
             <a:fld id="{D0ED587F-861E-6740-9643-E3DDAE89B8D6}" type="datetimeFigureOut">
               <a:rPr lang="en-US" smtClean="0"/>
-              <a:t>11/4/21</a:t>
+              <a:t>11/4/2021</a:t>
             </a:fld>
             <a:endParaRPr lang="en-US"/>
           </a:p>
@@ -4010,6 +4014,602 @@
 </p:sldLayout>
 </file>
 
+<file path=ppt/slideLayouts/slideLayout25.xml><?xml version="1.0" encoding="utf-8"?>
+<p:sldLayout xmlns:a="http://schemas.openxmlformats.org/drawingml/2006/main" xmlns:r="http://schemas.openxmlformats.org/officeDocument/2006/relationships" xmlns:p="http://schemas.openxmlformats.org/presentationml/2006/main" matchingName="Title and Content">
+  <p:cSld name="1_Title and Content">
+    <p:spTree>
+      <p:nvGrpSpPr>
+        <p:cNvPr id="1" name="Shape 53"/>
+        <p:cNvGrpSpPr/>
+        <p:nvPr/>
+      </p:nvGrpSpPr>
+      <p:grpSpPr>
+        <a:xfrm>
+          <a:off x="0" y="0"/>
+          <a:ext cx="0" cy="0"/>
+          <a:chOff x="0" y="0"/>
+          <a:chExt cx="0" cy="0"/>
+        </a:xfrm>
+      </p:grpSpPr>
+      <p:grpSp>
+        <p:nvGrpSpPr>
+          <p:cNvPr id="54" name="Google Shape;54;p14"/>
+          <p:cNvGrpSpPr/>
+          <p:nvPr/>
+        </p:nvGrpSpPr>
+        <p:grpSpPr>
+          <a:xfrm>
+            <a:off x="0" y="7372875"/>
+            <a:ext cx="13849756" cy="400074"/>
+            <a:chOff x="0" y="7372350"/>
+            <a:chExt cx="13817700" cy="400053"/>
+          </a:xfrm>
+        </p:grpSpPr>
+        <p:sp>
+          <p:nvSpPr>
+            <p:cNvPr id="55" name="Google Shape;55;p14"/>
+            <p:cNvSpPr/>
+            <p:nvPr/>
+          </p:nvSpPr>
+          <p:spPr>
+            <a:xfrm>
+              <a:off x="0" y="7372350"/>
+              <a:ext cx="13817700" cy="399900"/>
+            </a:xfrm>
+            <a:prstGeom prst="rect">
+              <a:avLst/>
+            </a:prstGeom>
+            <a:solidFill>
+              <a:schemeClr val="dk2"/>
+            </a:solidFill>
+            <a:ln>
+              <a:noFill/>
+            </a:ln>
+          </p:spPr>
+          <p:txBody>
+            <a:bodyPr spcFirstLastPara="1" wrap="square" lIns="60500" tIns="30250" rIns="60500" bIns="30250" anchor="ctr" anchorCtr="0">
+              <a:noAutofit/>
+            </a:bodyPr>
+            <a:lstStyle/>
+            <a:p>
+              <a:pPr marL="0" marR="0" lvl="0" indent="0" algn="ctr" rtl="0">
+                <a:spcBef>
+                  <a:spcPts val="0"/>
+                </a:spcBef>
+                <a:spcAft>
+                  <a:spcPts val="0"/>
+                </a:spcAft>
+                <a:buNone/>
+              </a:pPr>
+              <a:endParaRPr sz="1964" b="0" i="0" u="none" strike="noStrike" cap="none">
+                <a:solidFill>
+                  <a:schemeClr val="lt1"/>
+                </a:solidFill>
+                <a:latin typeface="Arial"/>
+                <a:ea typeface="Arial"/>
+                <a:cs typeface="Arial"/>
+                <a:sym typeface="Arial"/>
+              </a:endParaRPr>
+            </a:p>
+          </p:txBody>
+        </p:sp>
+        <p:pic>
+          <p:nvPicPr>
+            <p:cNvPr id="56" name="Google Shape;56;p14"/>
+            <p:cNvPicPr preferRelativeResize="0"/>
+            <p:nvPr/>
+          </p:nvPicPr>
+          <p:blipFill rotWithShape="1">
+            <a:blip r:embed="rId2">
+              <a:alphaModFix/>
+            </a:blip>
+            <a:srcRect/>
+            <a:stretch/>
+          </p:blipFill>
+          <p:spPr>
+            <a:xfrm>
+              <a:off x="152257" y="7372351"/>
+              <a:ext cx="1788558" cy="400050"/>
+            </a:xfrm>
+            <a:prstGeom prst="rect">
+              <a:avLst/>
+            </a:prstGeom>
+            <a:noFill/>
+            <a:ln>
+              <a:noFill/>
+            </a:ln>
+          </p:spPr>
+        </p:pic>
+        <p:sp>
+          <p:nvSpPr>
+            <p:cNvPr id="57" name="Google Shape;57;p14"/>
+            <p:cNvSpPr/>
+            <p:nvPr/>
+          </p:nvSpPr>
+          <p:spPr>
+            <a:xfrm>
+              <a:off x="0" y="7372351"/>
+              <a:ext cx="13817700" cy="399900"/>
+            </a:xfrm>
+            <a:prstGeom prst="rect">
+              <a:avLst/>
+            </a:prstGeom>
+            <a:solidFill>
+              <a:schemeClr val="dk2"/>
+            </a:solidFill>
+            <a:ln>
+              <a:noFill/>
+            </a:ln>
+          </p:spPr>
+          <p:txBody>
+            <a:bodyPr spcFirstLastPara="1" wrap="square" lIns="60500" tIns="30250" rIns="60500" bIns="30250" anchor="ctr" anchorCtr="0">
+              <a:noAutofit/>
+            </a:bodyPr>
+            <a:lstStyle/>
+            <a:p>
+              <a:pPr marL="0" marR="0" lvl="0" indent="0" algn="ctr" rtl="0">
+                <a:spcBef>
+                  <a:spcPts val="0"/>
+                </a:spcBef>
+                <a:spcAft>
+                  <a:spcPts val="0"/>
+                </a:spcAft>
+                <a:buNone/>
+              </a:pPr>
+              <a:endParaRPr sz="1964" b="0" i="0" u="none" strike="noStrike" cap="none">
+                <a:solidFill>
+                  <a:schemeClr val="lt1"/>
+                </a:solidFill>
+                <a:latin typeface="Arial"/>
+                <a:ea typeface="Arial"/>
+                <a:cs typeface="Arial"/>
+                <a:sym typeface="Arial"/>
+              </a:endParaRPr>
+            </a:p>
+          </p:txBody>
+        </p:sp>
+        <p:pic>
+          <p:nvPicPr>
+            <p:cNvPr id="58" name="Google Shape;58;p14"/>
+            <p:cNvPicPr preferRelativeResize="0"/>
+            <p:nvPr/>
+          </p:nvPicPr>
+          <p:blipFill rotWithShape="1">
+            <a:blip r:embed="rId2">
+              <a:alphaModFix/>
+            </a:blip>
+            <a:srcRect/>
+            <a:stretch/>
+          </p:blipFill>
+          <p:spPr>
+            <a:xfrm>
+              <a:off x="152257" y="7372352"/>
+              <a:ext cx="1788558" cy="400050"/>
+            </a:xfrm>
+            <a:prstGeom prst="rect">
+              <a:avLst/>
+            </a:prstGeom>
+            <a:noFill/>
+            <a:ln>
+              <a:noFill/>
+            </a:ln>
+          </p:spPr>
+        </p:pic>
+      </p:grpSp>
+      <p:sp>
+        <p:nvSpPr>
+          <p:cNvPr id="59" name="Google Shape;59;p14"/>
+          <p:cNvSpPr txBox="1">
+            <a:spLocks noGrp="1"/>
+          </p:cNvSpPr>
+          <p:nvPr>
+            <p:ph type="title"/>
+          </p:nvPr>
+        </p:nvSpPr>
+        <p:spPr>
+          <a:xfrm>
+            <a:off x="628075" y="905258"/>
+            <a:ext cx="12561413" cy="1015467"/>
+          </a:xfrm>
+          <a:prstGeom prst="rect">
+            <a:avLst/>
+          </a:prstGeom>
+          <a:noFill/>
+          <a:ln>
+            <a:noFill/>
+          </a:ln>
+        </p:spPr>
+        <p:txBody>
+          <a:bodyPr spcFirstLastPara="1" wrap="square" lIns="60500" tIns="60500" rIns="60500" bIns="60500" anchor="b" anchorCtr="0">
+            <a:noAutofit/>
+          </a:bodyPr>
+          <a:lstStyle>
+            <a:lvl1pPr marR="0" lvl="0" algn="l" rtl="0">
+              <a:spcBef>
+                <a:spcPts val="0"/>
+              </a:spcBef>
+              <a:spcAft>
+                <a:spcPts val="0"/>
+              </a:spcAft>
+              <a:buClr>
+                <a:schemeClr val="dk2"/>
+              </a:buClr>
+              <a:buSzPts val="3600"/>
+              <a:buFont typeface="Arial"/>
+              <a:buNone/>
+              <a:defRPr sz="5440" b="0" i="0" u="none" strike="noStrike" cap="none">
+                <a:solidFill>
+                  <a:schemeClr val="dk2"/>
+                </a:solidFill>
+                <a:latin typeface="Arial"/>
+                <a:ea typeface="Arial"/>
+                <a:cs typeface="Arial"/>
+                <a:sym typeface="Arial"/>
+              </a:defRPr>
+            </a:lvl1pPr>
+            <a:lvl2pPr lvl="1" rtl="0">
+              <a:spcBef>
+                <a:spcPts val="0"/>
+              </a:spcBef>
+              <a:spcAft>
+                <a:spcPts val="0"/>
+              </a:spcAft>
+              <a:buSzPts val="900"/>
+              <a:buNone/>
+              <a:defRPr sz="1813"/>
+            </a:lvl2pPr>
+            <a:lvl3pPr lvl="2" rtl="0">
+              <a:spcBef>
+                <a:spcPts val="0"/>
+              </a:spcBef>
+              <a:spcAft>
+                <a:spcPts val="0"/>
+              </a:spcAft>
+              <a:buSzPts val="900"/>
+              <a:buNone/>
+              <a:defRPr sz="1813"/>
+            </a:lvl3pPr>
+            <a:lvl4pPr lvl="3" rtl="0">
+              <a:spcBef>
+                <a:spcPts val="0"/>
+              </a:spcBef>
+              <a:spcAft>
+                <a:spcPts val="0"/>
+              </a:spcAft>
+              <a:buSzPts val="900"/>
+              <a:buNone/>
+              <a:defRPr sz="1813"/>
+            </a:lvl4pPr>
+            <a:lvl5pPr lvl="4" rtl="0">
+              <a:spcBef>
+                <a:spcPts val="0"/>
+              </a:spcBef>
+              <a:spcAft>
+                <a:spcPts val="0"/>
+              </a:spcAft>
+              <a:buSzPts val="900"/>
+              <a:buNone/>
+              <a:defRPr sz="1813"/>
+            </a:lvl5pPr>
+            <a:lvl6pPr lvl="5" rtl="0">
+              <a:spcBef>
+                <a:spcPts val="0"/>
+              </a:spcBef>
+              <a:spcAft>
+                <a:spcPts val="0"/>
+              </a:spcAft>
+              <a:buSzPts val="900"/>
+              <a:buNone/>
+              <a:defRPr sz="1813"/>
+            </a:lvl6pPr>
+            <a:lvl7pPr lvl="6" rtl="0">
+              <a:spcBef>
+                <a:spcPts val="0"/>
+              </a:spcBef>
+              <a:spcAft>
+                <a:spcPts val="0"/>
+              </a:spcAft>
+              <a:buSzPts val="900"/>
+              <a:buNone/>
+              <a:defRPr sz="1813"/>
+            </a:lvl7pPr>
+            <a:lvl8pPr lvl="7" rtl="0">
+              <a:spcBef>
+                <a:spcPts val="0"/>
+              </a:spcBef>
+              <a:spcAft>
+                <a:spcPts val="0"/>
+              </a:spcAft>
+              <a:buSzPts val="900"/>
+              <a:buNone/>
+              <a:defRPr sz="1813"/>
+            </a:lvl8pPr>
+            <a:lvl9pPr lvl="8" rtl="0">
+              <a:spcBef>
+                <a:spcPts val="0"/>
+              </a:spcBef>
+              <a:spcAft>
+                <a:spcPts val="0"/>
+              </a:spcAft>
+              <a:buSzPts val="900"/>
+              <a:buNone/>
+              <a:defRPr sz="1813"/>
+            </a:lvl9pPr>
+          </a:lstStyle>
+          <a:p>
+            <a:endParaRPr/>
+          </a:p>
+        </p:txBody>
+      </p:sp>
+      <p:sp>
+        <p:nvSpPr>
+          <p:cNvPr id="60" name="Google Shape;60;p14"/>
+          <p:cNvSpPr txBox="1">
+            <a:spLocks noGrp="1"/>
+          </p:cNvSpPr>
+          <p:nvPr>
+            <p:ph type="body" idx="1"/>
+          </p:nvPr>
+        </p:nvSpPr>
+        <p:spPr>
+          <a:xfrm>
+            <a:off x="628075" y="2487883"/>
+            <a:ext cx="12561413" cy="2015520"/>
+          </a:xfrm>
+          <a:prstGeom prst="rect">
+            <a:avLst/>
+          </a:prstGeom>
+          <a:noFill/>
+          <a:ln>
+            <a:noFill/>
+          </a:ln>
+        </p:spPr>
+        <p:txBody>
+          <a:bodyPr spcFirstLastPara="1" wrap="square" lIns="60500" tIns="60500" rIns="60500" bIns="60500" anchor="t" anchorCtr="0">
+            <a:noAutofit/>
+          </a:bodyPr>
+          <a:lstStyle>
+            <a:lvl1pPr marL="690875" marR="0" lvl="0" indent="-460583" algn="l" rtl="0">
+              <a:lnSpc>
+                <a:spcPct val="120000"/>
+              </a:lnSpc>
+              <a:spcBef>
+                <a:spcPts val="604"/>
+              </a:spcBef>
+              <a:spcAft>
+                <a:spcPts val="0"/>
+              </a:spcAft>
+              <a:buClr>
+                <a:schemeClr val="dk1"/>
+              </a:buClr>
+              <a:buSzPts val="1200"/>
+              <a:buFont typeface="Arial"/>
+              <a:buChar char="•"/>
+              <a:defRPr sz="1813" b="0" i="0" u="none" strike="noStrike" cap="none">
+                <a:solidFill>
+                  <a:schemeClr val="dk1"/>
+                </a:solidFill>
+                <a:latin typeface="Proxima Nova"/>
+                <a:ea typeface="Proxima Nova"/>
+                <a:cs typeface="Proxima Nova"/>
+                <a:sym typeface="Proxima Nova"/>
+              </a:defRPr>
+            </a:lvl1pPr>
+            <a:lvl2pPr marL="1381750" marR="0" lvl="1" indent="-450988" algn="l" rtl="0">
+              <a:lnSpc>
+                <a:spcPct val="120000"/>
+              </a:lnSpc>
+              <a:spcBef>
+                <a:spcPts val="604"/>
+              </a:spcBef>
+              <a:spcAft>
+                <a:spcPts val="0"/>
+              </a:spcAft>
+              <a:buClr>
+                <a:schemeClr val="dk1"/>
+              </a:buClr>
+              <a:buSzPts val="1100"/>
+              <a:buFont typeface="Arial"/>
+              <a:buChar char="–"/>
+              <a:defRPr sz="1662" b="0" i="0" u="none" strike="noStrike" cap="none">
+                <a:solidFill>
+                  <a:schemeClr val="dk1"/>
+                </a:solidFill>
+                <a:latin typeface="Proxima Nova"/>
+                <a:ea typeface="Proxima Nova"/>
+                <a:cs typeface="Proxima Nova"/>
+                <a:sym typeface="Proxima Nova"/>
+              </a:defRPr>
+            </a:lvl2pPr>
+            <a:lvl3pPr marL="2072625" marR="0" lvl="2" indent="-450988" algn="l" rtl="0">
+              <a:lnSpc>
+                <a:spcPct val="120000"/>
+              </a:lnSpc>
+              <a:spcBef>
+                <a:spcPts val="604"/>
+              </a:spcBef>
+              <a:spcAft>
+                <a:spcPts val="0"/>
+              </a:spcAft>
+              <a:buClr>
+                <a:schemeClr val="dk1"/>
+              </a:buClr>
+              <a:buSzPts val="1100"/>
+              <a:buFont typeface="Arial"/>
+              <a:buChar char="•"/>
+              <a:defRPr sz="1662" b="0" i="0" u="none" strike="noStrike" cap="none">
+                <a:solidFill>
+                  <a:schemeClr val="dk1"/>
+                </a:solidFill>
+                <a:latin typeface="Proxima Nova"/>
+                <a:ea typeface="Proxima Nova"/>
+                <a:cs typeface="Proxima Nova"/>
+                <a:sym typeface="Proxima Nova"/>
+              </a:defRPr>
+            </a:lvl3pPr>
+            <a:lvl4pPr marL="2763500" marR="0" lvl="3" indent="-450988" algn="l" rtl="0">
+              <a:lnSpc>
+                <a:spcPct val="120000"/>
+              </a:lnSpc>
+              <a:spcBef>
+                <a:spcPts val="604"/>
+              </a:spcBef>
+              <a:spcAft>
+                <a:spcPts val="0"/>
+              </a:spcAft>
+              <a:buClr>
+                <a:schemeClr val="dk1"/>
+              </a:buClr>
+              <a:buSzPts val="1100"/>
+              <a:buFont typeface="Arial"/>
+              <a:buChar char="–"/>
+              <a:defRPr sz="1662" b="0" i="0" u="none" strike="noStrike" cap="none">
+                <a:solidFill>
+                  <a:schemeClr val="dk1"/>
+                </a:solidFill>
+                <a:latin typeface="Proxima Nova"/>
+                <a:ea typeface="Proxima Nova"/>
+                <a:cs typeface="Proxima Nova"/>
+                <a:sym typeface="Proxima Nova"/>
+              </a:defRPr>
+            </a:lvl4pPr>
+            <a:lvl5pPr marL="3454375" marR="0" lvl="4" indent="-450988" algn="l" rtl="0">
+              <a:spcBef>
+                <a:spcPts val="604"/>
+              </a:spcBef>
+              <a:spcAft>
+                <a:spcPts val="0"/>
+              </a:spcAft>
+              <a:buClr>
+                <a:schemeClr val="dk1"/>
+              </a:buClr>
+              <a:buSzPts val="1100"/>
+              <a:buFont typeface="Arial"/>
+              <a:buChar char="»"/>
+              <a:defRPr sz="1662" b="0" i="0" u="none" strike="noStrike" cap="none">
+                <a:solidFill>
+                  <a:schemeClr val="dk1"/>
+                </a:solidFill>
+                <a:latin typeface="Source Sans Pro"/>
+                <a:ea typeface="Source Sans Pro"/>
+                <a:cs typeface="Source Sans Pro"/>
+                <a:sym typeface="Source Sans Pro"/>
+              </a:defRPr>
+            </a:lvl5pPr>
+            <a:lvl6pPr marL="4145250" marR="0" lvl="5" indent="-537347" algn="l" rtl="0">
+              <a:spcBef>
+                <a:spcPts val="604"/>
+              </a:spcBef>
+              <a:spcAft>
+                <a:spcPts val="0"/>
+              </a:spcAft>
+              <a:buClr>
+                <a:schemeClr val="dk1"/>
+              </a:buClr>
+              <a:buSzPts val="2000"/>
+              <a:buFont typeface="Arial"/>
+              <a:buChar char="•"/>
+              <a:defRPr sz="3022" b="0" i="0" u="none" strike="noStrike" cap="none">
+                <a:solidFill>
+                  <a:schemeClr val="dk1"/>
+                </a:solidFill>
+                <a:latin typeface="Arial"/>
+                <a:ea typeface="Arial"/>
+                <a:cs typeface="Arial"/>
+                <a:sym typeface="Arial"/>
+              </a:defRPr>
+            </a:lvl6pPr>
+            <a:lvl7pPr marL="4836124" marR="0" lvl="6" indent="-537347" algn="l" rtl="0">
+              <a:spcBef>
+                <a:spcPts val="604"/>
+              </a:spcBef>
+              <a:spcAft>
+                <a:spcPts val="0"/>
+              </a:spcAft>
+              <a:buClr>
+                <a:schemeClr val="dk1"/>
+              </a:buClr>
+              <a:buSzPts val="2000"/>
+              <a:buFont typeface="Arial"/>
+              <a:buChar char="•"/>
+              <a:defRPr sz="3022" b="0" i="0" u="none" strike="noStrike" cap="none">
+                <a:solidFill>
+                  <a:schemeClr val="dk1"/>
+                </a:solidFill>
+                <a:latin typeface="Arial"/>
+                <a:ea typeface="Arial"/>
+                <a:cs typeface="Arial"/>
+                <a:sym typeface="Arial"/>
+              </a:defRPr>
+            </a:lvl7pPr>
+            <a:lvl8pPr marL="5526999" marR="0" lvl="7" indent="-537347" algn="l" rtl="0">
+              <a:spcBef>
+                <a:spcPts val="604"/>
+              </a:spcBef>
+              <a:spcAft>
+                <a:spcPts val="0"/>
+              </a:spcAft>
+              <a:buClr>
+                <a:schemeClr val="dk1"/>
+              </a:buClr>
+              <a:buSzPts val="2000"/>
+              <a:buFont typeface="Arial"/>
+              <a:buChar char="•"/>
+              <a:defRPr sz="3022" b="0" i="0" u="none" strike="noStrike" cap="none">
+                <a:solidFill>
+                  <a:schemeClr val="dk1"/>
+                </a:solidFill>
+                <a:latin typeface="Arial"/>
+                <a:ea typeface="Arial"/>
+                <a:cs typeface="Arial"/>
+                <a:sym typeface="Arial"/>
+              </a:defRPr>
+            </a:lvl8pPr>
+            <a:lvl9pPr marL="6217874" marR="0" lvl="8" indent="-537347" algn="l" rtl="0">
+              <a:spcBef>
+                <a:spcPts val="604"/>
+              </a:spcBef>
+              <a:spcAft>
+                <a:spcPts val="0"/>
+              </a:spcAft>
+              <a:buClr>
+                <a:schemeClr val="dk1"/>
+              </a:buClr>
+              <a:buSzPts val="2000"/>
+              <a:buFont typeface="Arial"/>
+              <a:buChar char="•"/>
+              <a:defRPr sz="3022" b="0" i="0" u="none" strike="noStrike" cap="none">
+                <a:solidFill>
+                  <a:schemeClr val="dk1"/>
+                </a:solidFill>
+                <a:latin typeface="Arial"/>
+                <a:ea typeface="Arial"/>
+                <a:cs typeface="Arial"/>
+                <a:sym typeface="Arial"/>
+              </a:defRPr>
+            </a:lvl9pPr>
+          </a:lstStyle>
+          <a:p>
+            <a:endParaRPr/>
+          </a:p>
+        </p:txBody>
+      </p:sp>
+    </p:spTree>
+    <p:extLst>
+      <p:ext uri="{BB962C8B-B14F-4D97-AF65-F5344CB8AC3E}">
+        <p14:creationId xmlns:p14="http://schemas.microsoft.com/office/powerpoint/2010/main" val="2622090891"/>
+      </p:ext>
+    </p:extLst>
+  </p:cSld>
+  <p:clrMapOvr>
+    <a:masterClrMapping/>
+  </p:clrMapOvr>
+  <p:transition>
+    <p:fade/>
+  </p:transition>
+</p:sldLayout>
+</file>
+
 <file path=ppt/slideLayouts/slideLayout3.xml><?xml version="1.0" encoding="utf-8"?>
 <p:sldLayout xmlns:a="http://schemas.openxmlformats.org/drawingml/2006/main" xmlns:r="http://schemas.openxmlformats.org/officeDocument/2006/relationships" xmlns:p="http://schemas.openxmlformats.org/presentationml/2006/main" preserve="1" userDrawn="1">
   <p:cSld name="Title Green Ram CSU">
@@ -6315,6 +6915,7 @@
     <p:sldLayoutId id="2147483677" r:id="rId22"/>
     <p:sldLayoutId id="2147483692" r:id="rId23"/>
     <p:sldLayoutId id="2147483672" r:id="rId24"/>
+    <p:sldLayoutId id="2147483693" r:id="rId25"/>
   </p:sldLayoutIdLst>
   <mc:AlternateContent xmlns:mc="http://schemas.openxmlformats.org/markup-compatibility/2006" xmlns:p14="http://schemas.microsoft.com/office/powerpoint/2010/main">
     <mc:Choice Requires="p14">
@@ -6729,6 +7330,336 @@
           <p:cNvPr id="4" name="Title 3">
             <a:extLst>
               <a:ext uri="{FF2B5EF4-FFF2-40B4-BE49-F238E27FC236}">
+                <a16:creationId xmlns:a16="http://schemas.microsoft.com/office/drawing/2014/main" id="{119AD8F2-D5DB-A84B-A5B3-F7935E3E6D1D}"/>
+              </a:ext>
+            </a:extLst>
+          </p:cNvPr>
+          <p:cNvSpPr>
+            <a:spLocks noGrp="1"/>
+          </p:cNvSpPr>
+          <p:nvPr>
+            <p:ph type="title"/>
+          </p:nvPr>
+        </p:nvSpPr>
+        <p:spPr>
+          <a:xfrm>
+            <a:off x="628076" y="607804"/>
+            <a:ext cx="5642096" cy="916848"/>
+          </a:xfrm>
+        </p:spPr>
+        <p:txBody>
+          <a:bodyPr/>
+          <a:lstStyle/>
+          <a:p>
+            <a:r>
+              <a:rPr lang="en-US" dirty="0"/>
+              <a:t>Announcements</a:t>
+            </a:r>
+          </a:p>
+        </p:txBody>
+      </p:sp>
+      <p:sp>
+        <p:nvSpPr>
+          <p:cNvPr id="5" name="Text Placeholder 4">
+            <a:extLst>
+              <a:ext uri="{FF2B5EF4-FFF2-40B4-BE49-F238E27FC236}">
+                <a16:creationId xmlns:a16="http://schemas.microsoft.com/office/drawing/2014/main" id="{1BBD0DB5-379A-304F-9307-E7B1A89B08F7}"/>
+              </a:ext>
+            </a:extLst>
+          </p:cNvPr>
+          <p:cNvSpPr>
+            <a:spLocks noGrp="1"/>
+          </p:cNvSpPr>
+          <p:nvPr>
+            <p:ph type="body" idx="1"/>
+          </p:nvPr>
+        </p:nvSpPr>
+        <p:spPr>
+          <a:xfrm>
+            <a:off x="628076" y="1826093"/>
+            <a:ext cx="8704610" cy="3142551"/>
+          </a:xfrm>
+        </p:spPr>
+        <p:txBody>
+          <a:bodyPr/>
+          <a:lstStyle/>
+          <a:p>
+            <a:endParaRPr lang="en-US" dirty="0"/>
+          </a:p>
+          <a:p>
+            <a:pPr marL="230292" indent="0">
+              <a:buNone/>
+            </a:pPr>
+            <a:r>
+              <a:rPr lang="en-US" b="1" dirty="0"/>
+              <a:t>NEXT WEEKS SCHEDULE</a:t>
+            </a:r>
+          </a:p>
+          <a:p>
+            <a:r>
+              <a:rPr lang="en-US" dirty="0"/>
+              <a:t>Monday – Review Lecture</a:t>
+            </a:r>
+          </a:p>
+          <a:p>
+            <a:r>
+              <a:rPr lang="en-US" dirty="0"/>
+              <a:t>Tuesday – Review Lab (Student request - Coding Exam anytime you want)</a:t>
+            </a:r>
+          </a:p>
+          <a:p>
+            <a:r>
+              <a:rPr lang="en-US" dirty="0"/>
+              <a:t>Wednesday – Review Lecture 2</a:t>
+            </a:r>
+          </a:p>
+          <a:p>
+            <a:r>
+              <a:rPr lang="en-US" dirty="0"/>
+              <a:t>Thursday – CANVAS EXAM (</a:t>
+            </a:r>
+            <a:r>
+              <a:rPr lang="en-US" b="1" dirty="0"/>
+              <a:t>In lab</a:t>
+            </a:r>
+            <a:r>
+              <a:rPr lang="en-US" dirty="0"/>
+              <a:t>)</a:t>
+            </a:r>
+          </a:p>
+          <a:p>
+            <a:r>
+              <a:rPr lang="en-US" dirty="0"/>
+              <a:t>Friday – No Class / Catch Up Day (Accommodation Exams – In CSB110)</a:t>
+            </a:r>
+          </a:p>
+        </p:txBody>
+      </p:sp>
+      <p:sp>
+        <p:nvSpPr>
+          <p:cNvPr id="6" name="TextBox 5">
+            <a:extLst>
+              <a:ext uri="{FF2B5EF4-FFF2-40B4-BE49-F238E27FC236}">
+                <a16:creationId xmlns:a16="http://schemas.microsoft.com/office/drawing/2014/main" id="{32A3B87A-BBC0-704B-AC99-3984206450D5}"/>
+              </a:ext>
+            </a:extLst>
+          </p:cNvPr>
+          <p:cNvSpPr txBox="1"/>
+          <p:nvPr/>
+        </p:nvSpPr>
+        <p:spPr>
+          <a:xfrm>
+            <a:off x="9634356" y="1660010"/>
+            <a:ext cx="3892958" cy="3347776"/>
+          </a:xfrm>
+          <a:prstGeom prst="rect">
+            <a:avLst/>
+          </a:prstGeom>
+          <a:noFill/>
+        </p:spPr>
+        <p:txBody>
+          <a:bodyPr wrap="square" rtlCol="0">
+            <a:spAutoFit/>
+          </a:bodyPr>
+          <a:lstStyle/>
+          <a:p>
+            <a:r>
+              <a:rPr lang="en-US" sz="3022" dirty="0" err="1"/>
+              <a:t>Todo</a:t>
+            </a:r>
+            <a:r>
+              <a:rPr lang="en-US" sz="3022" dirty="0"/>
+              <a:t>:</a:t>
+            </a:r>
+          </a:p>
+          <a:p>
+            <a:r>
+              <a:rPr lang="en-US" sz="3022" dirty="0"/>
+              <a:t>Practical 4 – Continue to work on it</a:t>
+            </a:r>
+          </a:p>
+          <a:p>
+            <a:endParaRPr lang="en-US" sz="3022" dirty="0"/>
+          </a:p>
+          <a:p>
+            <a:r>
+              <a:rPr lang="en-US" sz="3022" dirty="0"/>
+              <a:t>Start Final Practical this week! (summative)</a:t>
+            </a:r>
+          </a:p>
+        </p:txBody>
+      </p:sp>
+      <p:sp>
+        <p:nvSpPr>
+          <p:cNvPr id="7" name="TextBox 6">
+            <a:extLst>
+              <a:ext uri="{FF2B5EF4-FFF2-40B4-BE49-F238E27FC236}">
+                <a16:creationId xmlns:a16="http://schemas.microsoft.com/office/drawing/2014/main" id="{BF16D510-BC74-4FA5-AFD2-193B039115A5}"/>
+              </a:ext>
+            </a:extLst>
+          </p:cNvPr>
+          <p:cNvSpPr txBox="1"/>
+          <p:nvPr/>
+        </p:nvSpPr>
+        <p:spPr>
+          <a:xfrm>
+            <a:off x="7228114" y="362857"/>
+            <a:ext cx="6125029" cy="707886"/>
+          </a:xfrm>
+          <a:prstGeom prst="rect">
+            <a:avLst/>
+          </a:prstGeom>
+          <a:solidFill>
+            <a:schemeClr val="accent2"/>
+          </a:solidFill>
+        </p:spPr>
+        <p:txBody>
+          <a:bodyPr wrap="square" rtlCol="0">
+            <a:spAutoFit/>
+          </a:bodyPr>
+          <a:lstStyle/>
+          <a:p>
+            <a:r>
+              <a:rPr lang="en-US" b="1" dirty="0"/>
+              <a:t>Opening Question: </a:t>
+            </a:r>
+          </a:p>
+          <a:p>
+            <a:r>
+              <a:rPr lang="en-US" dirty="0"/>
+              <a:t>How close to done are you with Practical 4?</a:t>
+            </a:r>
+          </a:p>
+        </p:txBody>
+      </p:sp>
+      <p:sp>
+        <p:nvSpPr>
+          <p:cNvPr id="8" name="TextBox 7">
+            <a:extLst>
+              <a:ext uri="{FF2B5EF4-FFF2-40B4-BE49-F238E27FC236}">
+                <a16:creationId xmlns:a16="http://schemas.microsoft.com/office/drawing/2014/main" id="{BAB4692C-71C9-4BC4-AAC6-FCD7E7C27E03}"/>
+              </a:ext>
+            </a:extLst>
+          </p:cNvPr>
+          <p:cNvSpPr txBox="1"/>
+          <p:nvPr/>
+        </p:nvSpPr>
+        <p:spPr>
+          <a:xfrm>
+            <a:off x="1469903" y="5591807"/>
+            <a:ext cx="12057411" cy="1754326"/>
+          </a:xfrm>
+          <a:prstGeom prst="rect">
+            <a:avLst/>
+          </a:prstGeom>
+          <a:noFill/>
+          <a:ln>
+            <a:solidFill>
+              <a:schemeClr val="accent5"/>
+            </a:solidFill>
+          </a:ln>
+        </p:spPr>
+        <p:txBody>
+          <a:bodyPr wrap="square">
+            <a:spAutoFit/>
+          </a:bodyPr>
+          <a:lstStyle/>
+          <a:p>
+            <a:r>
+              <a:rPr lang="en-US" sz="1800" dirty="0"/>
+              <a:t>CS 165 – Next Course In Sequence (also 201 is popular with 165)</a:t>
+            </a:r>
+          </a:p>
+          <a:p>
+            <a:pPr marL="342900" indent="-342900">
+              <a:buFont typeface="Arial" panose="020B0604020202020204" pitchFamily="34" charset="0"/>
+              <a:buChar char="•"/>
+            </a:pPr>
+            <a:r>
+              <a:rPr lang="en-US" sz="1800" dirty="0"/>
+              <a:t>CO Jobs Report 2021 – 77% of *all* new jobs in Colorado require programming</a:t>
+            </a:r>
+          </a:p>
+          <a:p>
+            <a:pPr marL="342900" indent="-342900">
+              <a:buFont typeface="Arial" panose="020B0604020202020204" pitchFamily="34" charset="0"/>
+              <a:buChar char="•"/>
+            </a:pPr>
+            <a:r>
+              <a:rPr lang="en-US" sz="1800" dirty="0"/>
+              <a:t>60% of all STEM jobs requires *advanced* (200-300 level) </a:t>
+            </a:r>
+          </a:p>
+          <a:p>
+            <a:pPr marL="342900" indent="-342900">
+              <a:buFont typeface="Arial" panose="020B0604020202020204" pitchFamily="34" charset="0"/>
+              <a:buChar char="•"/>
+            </a:pPr>
+            <a:r>
+              <a:rPr lang="en-US" sz="1800" dirty="0"/>
+              <a:t>31% of all Bachelor of Arts degree titled jobs also required coding skills </a:t>
+            </a:r>
+          </a:p>
+          <a:p>
+            <a:pPr marL="342900" indent="-342900">
+              <a:buFont typeface="Arial" panose="020B0604020202020204" pitchFamily="34" charset="0"/>
+              <a:buChar char="•"/>
+            </a:pPr>
+            <a:r>
+              <a:rPr lang="en-US" sz="1800" dirty="0"/>
+              <a:t>2016 Report found on average jobs that require coding skills paid $22,000 more</a:t>
+            </a:r>
+          </a:p>
+          <a:p>
+            <a:pPr marL="342900" indent="-342900">
+              <a:buFont typeface="Arial" panose="020B0604020202020204" pitchFamily="34" charset="0"/>
+              <a:buChar char="•"/>
+            </a:pPr>
+            <a:r>
+              <a:rPr lang="en-US" sz="1800" dirty="0"/>
+              <a:t>Math and Stats majors, at least consider CS 220 (Discrete Structures) – substitutes in your program requirements</a:t>
+            </a:r>
+          </a:p>
+        </p:txBody>
+      </p:sp>
+    </p:spTree>
+    <p:extLst>
+      <p:ext uri="{BB962C8B-B14F-4D97-AF65-F5344CB8AC3E}">
+        <p14:creationId xmlns:p14="http://schemas.microsoft.com/office/powerpoint/2010/main" val="926474781"/>
+      </p:ext>
+    </p:extLst>
+  </p:cSld>
+  <p:clrMapOvr>
+    <a:masterClrMapping/>
+  </p:clrMapOvr>
+  <p:transition>
+    <p:fade/>
+  </p:transition>
+</p:sld>
+</file>
+
+<file path=ppt/slides/slide3.xml><?xml version="1.0" encoding="utf-8"?>
+<p:sld xmlns:a="http://schemas.openxmlformats.org/drawingml/2006/main" xmlns:r="http://schemas.openxmlformats.org/officeDocument/2006/relationships" xmlns:p="http://schemas.openxmlformats.org/presentationml/2006/main">
+  <p:cSld>
+    <p:spTree>
+      <p:nvGrpSpPr>
+        <p:cNvPr id="1" name=""/>
+        <p:cNvGrpSpPr/>
+        <p:nvPr/>
+      </p:nvGrpSpPr>
+      <p:grpSpPr>
+        <a:xfrm>
+          <a:off x="0" y="0"/>
+          <a:ext cx="0" cy="0"/>
+          <a:chOff x="0" y="0"/>
+          <a:chExt cx="0" cy="0"/>
+        </a:xfrm>
+      </p:grpSpPr>
+      <p:sp>
+        <p:nvSpPr>
+          <p:cNvPr id="4" name="Title 3">
+            <a:extLst>
+              <a:ext uri="{FF2B5EF4-FFF2-40B4-BE49-F238E27FC236}">
                 <a16:creationId xmlns:a16="http://schemas.microsoft.com/office/drawing/2014/main" id="{CFF9C717-EDB9-DF4D-8A6E-D1A256663F6D}"/>
               </a:ext>
             </a:extLst>
@@ -6849,7 +7780,7 @@
 </p:sld>
 </file>
 
-<file path=ppt/slides/slide3.xml><?xml version="1.0" encoding="utf-8"?>
+<file path=ppt/slides/slide4.xml><?xml version="1.0" encoding="utf-8"?>
 <p:sld xmlns:a="http://schemas.openxmlformats.org/drawingml/2006/main" xmlns:r="http://schemas.openxmlformats.org/officeDocument/2006/relationships" xmlns:p="http://schemas.openxmlformats.org/presentationml/2006/main">
   <p:cSld>
     <p:spTree>
@@ -7499,7 +8430,7 @@
 </p:sld>
 </file>
 
-<file path=ppt/slides/slide4.xml><?xml version="1.0" encoding="utf-8"?>
+<file path=ppt/slides/slide5.xml><?xml version="1.0" encoding="utf-8"?>
 <p:sld xmlns:a="http://schemas.openxmlformats.org/drawingml/2006/main" xmlns:r="http://schemas.openxmlformats.org/officeDocument/2006/relationships" xmlns:p="http://schemas.openxmlformats.org/presentationml/2006/main">
   <p:cSld>
     <p:spTree>
@@ -9007,7 +9938,7 @@
 </p:sld>
 </file>
 
-<file path=ppt/slides/slide5.xml><?xml version="1.0" encoding="utf-8"?>
+<file path=ppt/slides/slide6.xml><?xml version="1.0" encoding="utf-8"?>
 <p:sld xmlns:a="http://schemas.openxmlformats.org/drawingml/2006/main" xmlns:r="http://schemas.openxmlformats.org/officeDocument/2006/relationships" xmlns:p="http://schemas.openxmlformats.org/presentationml/2006/main">
   <p:cSld>
     <p:spTree>
@@ -9138,7 +10069,7 @@
             <a:pPr lvl="2"/>
             <a:r>
               <a:rPr lang="en-US" dirty="0"/>
-              <a:t>Essentially partially implemented classes with </a:t>
+              <a:t>Essentially partially implemented classes</a:t>
             </a:r>
           </a:p>
           <a:p>
@@ -9190,6 +10121,2491 @@
     <p:extLst>
       <p:ext uri="{BB962C8B-B14F-4D97-AF65-F5344CB8AC3E}">
         <p14:creationId xmlns:p14="http://schemas.microsoft.com/office/powerpoint/2010/main" val="3913504256"/>
+      </p:ext>
+    </p:extLst>
+  </p:cSld>
+  <p:clrMapOvr>
+    <a:masterClrMapping/>
+  </p:clrMapOvr>
+  <mc:AlternateContent xmlns:mc="http://schemas.openxmlformats.org/markup-compatibility/2006" xmlns:p14="http://schemas.microsoft.com/office/powerpoint/2010/main">
+    <mc:Choice Requires="p14">
+      <p:transition p14:dur="300">
+        <p:fade/>
+      </p:transition>
+    </mc:Choice>
+    <mc:Fallback xmlns="">
+      <p:transition>
+        <p:fade/>
+      </p:transition>
+    </mc:Fallback>
+  </mc:AlternateContent>
+</p:sld>
+</file>
+
+<file path=ppt/slides/slide7.xml><?xml version="1.0" encoding="utf-8"?>
+<p:sld xmlns:a="http://schemas.openxmlformats.org/drawingml/2006/main" xmlns:r="http://schemas.openxmlformats.org/officeDocument/2006/relationships" xmlns:p="http://schemas.openxmlformats.org/presentationml/2006/main">
+  <p:cSld>
+    <p:spTree>
+      <p:nvGrpSpPr>
+        <p:cNvPr id="1" name=""/>
+        <p:cNvGrpSpPr/>
+        <p:nvPr/>
+      </p:nvGrpSpPr>
+      <p:grpSpPr>
+        <a:xfrm>
+          <a:off x="0" y="0"/>
+          <a:ext cx="0" cy="0"/>
+          <a:chOff x="0" y="0"/>
+          <a:chExt cx="0" cy="0"/>
+        </a:xfrm>
+      </p:grpSpPr>
+      <p:sp>
+        <p:nvSpPr>
+          <p:cNvPr id="2" name="Title 1">
+            <a:extLst>
+              <a:ext uri="{FF2B5EF4-FFF2-40B4-BE49-F238E27FC236}">
+                <a16:creationId xmlns:a16="http://schemas.microsoft.com/office/drawing/2014/main" id="{57A77487-CC87-DA49-8E5F-0F62A0E3A308}"/>
+              </a:ext>
+            </a:extLst>
+          </p:cNvPr>
+          <p:cNvSpPr>
+            <a:spLocks noGrp="1"/>
+          </p:cNvSpPr>
+          <p:nvPr>
+            <p:ph type="title"/>
+          </p:nvPr>
+        </p:nvSpPr>
+        <p:spPr/>
+        <p:txBody>
+          <a:bodyPr/>
+          <a:lstStyle/>
+          <a:p>
+            <a:r>
+              <a:rPr lang="en-US" dirty="0"/>
+              <a:t>Interface Really Quickly</a:t>
+            </a:r>
+          </a:p>
+        </p:txBody>
+      </p:sp>
+      <p:sp>
+        <p:nvSpPr>
+          <p:cNvPr id="5" name="Rectangle 4">
+            <a:extLst>
+              <a:ext uri="{FF2B5EF4-FFF2-40B4-BE49-F238E27FC236}">
+                <a16:creationId xmlns:a16="http://schemas.microsoft.com/office/drawing/2014/main" id="{BE4C7B9E-3EFB-2340-ABD4-8D39A4ADE720}"/>
+              </a:ext>
+            </a:extLst>
+          </p:cNvPr>
+          <p:cNvSpPr/>
+          <p:nvPr/>
+        </p:nvSpPr>
+        <p:spPr>
+          <a:xfrm>
+            <a:off x="297872" y="1679622"/>
+            <a:ext cx="7652328" cy="3323987"/>
+          </a:xfrm>
+          <a:prstGeom prst="rect">
+            <a:avLst/>
+          </a:prstGeom>
+          <a:ln>
+            <a:solidFill>
+              <a:schemeClr val="tx1"/>
+            </a:solidFill>
+          </a:ln>
+        </p:spPr>
+        <p:txBody>
+          <a:bodyPr wrap="square">
+            <a:spAutoFit/>
+          </a:bodyPr>
+          <a:lstStyle/>
+          <a:p>
+            <a:r>
+              <a:rPr lang="en-US" sz="1400" dirty="0">
+                <a:solidFill>
+                  <a:srgbClr val="CC7832"/>
+                </a:solidFill>
+                <a:latin typeface="Consolas" panose="020B0609020204030204" pitchFamily="49" charset="0"/>
+                <a:cs typeface="Consolas" panose="020B0609020204030204" pitchFamily="49" charset="0"/>
+              </a:rPr>
+              <a:t>public class </a:t>
+            </a:r>
+            <a:r>
+              <a:rPr lang="en-US" sz="1400" dirty="0">
+                <a:latin typeface="Consolas" panose="020B0609020204030204" pitchFamily="49" charset="0"/>
+                <a:cs typeface="Consolas" panose="020B0609020204030204" pitchFamily="49" charset="0"/>
+              </a:rPr>
+              <a:t>Paladin </a:t>
+            </a:r>
+            <a:r>
+              <a:rPr lang="en-US" sz="1400" dirty="0">
+                <a:solidFill>
+                  <a:srgbClr val="CC7832"/>
+                </a:solidFill>
+                <a:latin typeface="Consolas" panose="020B0609020204030204" pitchFamily="49" charset="0"/>
+                <a:cs typeface="Consolas" panose="020B0609020204030204" pitchFamily="49" charset="0"/>
+              </a:rPr>
+              <a:t>implements </a:t>
+            </a:r>
+            <a:r>
+              <a:rPr lang="en-US" sz="1400" dirty="0" err="1">
+                <a:latin typeface="Consolas" panose="020B0609020204030204" pitchFamily="49" charset="0"/>
+                <a:cs typeface="Consolas" panose="020B0609020204030204" pitchFamily="49" charset="0"/>
+              </a:rPr>
+              <a:t>MeleeType</a:t>
+            </a:r>
+            <a:r>
+              <a:rPr lang="en-US" sz="1400" dirty="0">
+                <a:solidFill>
+                  <a:srgbClr val="CC7832"/>
+                </a:solidFill>
+                <a:latin typeface="Consolas" panose="020B0609020204030204" pitchFamily="49" charset="0"/>
+                <a:cs typeface="Consolas" panose="020B0609020204030204" pitchFamily="49" charset="0"/>
+              </a:rPr>
+              <a:t>, </a:t>
+            </a:r>
+            <a:r>
+              <a:rPr lang="en-US" sz="1400" dirty="0" err="1">
+                <a:latin typeface="Consolas" panose="020B0609020204030204" pitchFamily="49" charset="0"/>
+                <a:cs typeface="Consolas" panose="020B0609020204030204" pitchFamily="49" charset="0"/>
+              </a:rPr>
+              <a:t>HealerType</a:t>
+            </a:r>
+            <a:r>
+              <a:rPr lang="en-US" sz="1400" dirty="0">
+                <a:latin typeface="Consolas" panose="020B0609020204030204" pitchFamily="49" charset="0"/>
+                <a:cs typeface="Consolas" panose="020B0609020204030204" pitchFamily="49" charset="0"/>
+              </a:rPr>
+              <a:t> {</a:t>
+            </a:r>
+            <a:br>
+              <a:rPr lang="en-US" sz="1400" dirty="0">
+                <a:latin typeface="Consolas" panose="020B0609020204030204" pitchFamily="49" charset="0"/>
+                <a:cs typeface="Consolas" panose="020B0609020204030204" pitchFamily="49" charset="0"/>
+              </a:rPr>
+            </a:br>
+            <a:r>
+              <a:rPr lang="en-US" sz="1400" dirty="0">
+                <a:latin typeface="Consolas" panose="020B0609020204030204" pitchFamily="49" charset="0"/>
+                <a:cs typeface="Consolas" panose="020B0609020204030204" pitchFamily="49" charset="0"/>
+              </a:rPr>
+              <a:t>    </a:t>
+            </a:r>
+            <a:r>
+              <a:rPr lang="en-US" sz="1400" dirty="0">
+                <a:solidFill>
+                  <a:srgbClr val="CC7832"/>
+                </a:solidFill>
+                <a:latin typeface="Consolas" panose="020B0609020204030204" pitchFamily="49" charset="0"/>
+                <a:cs typeface="Consolas" panose="020B0609020204030204" pitchFamily="49" charset="0"/>
+              </a:rPr>
+              <a:t>public double </a:t>
+            </a:r>
+            <a:r>
+              <a:rPr lang="en-US" sz="1400" dirty="0" err="1">
+                <a:solidFill>
+                  <a:srgbClr val="FFC66D"/>
+                </a:solidFill>
+                <a:latin typeface="Consolas" panose="020B0609020204030204" pitchFamily="49" charset="0"/>
+                <a:cs typeface="Consolas" panose="020B0609020204030204" pitchFamily="49" charset="0"/>
+              </a:rPr>
+              <a:t>getCureModifier</a:t>
+            </a:r>
+            <a:r>
+              <a:rPr lang="en-US" sz="1400" dirty="0">
+                <a:latin typeface="Consolas" panose="020B0609020204030204" pitchFamily="49" charset="0"/>
+                <a:cs typeface="Consolas" panose="020B0609020204030204" pitchFamily="49" charset="0"/>
+              </a:rPr>
+              <a:t>() {</a:t>
+            </a:r>
+            <a:br>
+              <a:rPr lang="en-US" sz="1400" dirty="0">
+                <a:latin typeface="Consolas" panose="020B0609020204030204" pitchFamily="49" charset="0"/>
+                <a:cs typeface="Consolas" panose="020B0609020204030204" pitchFamily="49" charset="0"/>
+              </a:rPr>
+            </a:br>
+            <a:r>
+              <a:rPr lang="en-US" sz="1400" dirty="0">
+                <a:latin typeface="Consolas" panose="020B0609020204030204" pitchFamily="49" charset="0"/>
+                <a:cs typeface="Consolas" panose="020B0609020204030204" pitchFamily="49" charset="0"/>
+              </a:rPr>
+              <a:t>        </a:t>
+            </a:r>
+            <a:r>
+              <a:rPr lang="en-US" sz="1400" dirty="0">
+                <a:solidFill>
+                  <a:srgbClr val="CC7832"/>
+                </a:solidFill>
+                <a:latin typeface="Consolas" panose="020B0609020204030204" pitchFamily="49" charset="0"/>
+                <a:cs typeface="Consolas" panose="020B0609020204030204" pitchFamily="49" charset="0"/>
+              </a:rPr>
+              <a:t>return </a:t>
+            </a:r>
+            <a:r>
+              <a:rPr lang="en-US" sz="1400" dirty="0">
+                <a:solidFill>
+                  <a:srgbClr val="6897BB"/>
+                </a:solidFill>
+                <a:latin typeface="Consolas" panose="020B0609020204030204" pitchFamily="49" charset="0"/>
+                <a:cs typeface="Consolas" panose="020B0609020204030204" pitchFamily="49" charset="0"/>
+              </a:rPr>
+              <a:t>1.5</a:t>
+            </a:r>
+            <a:r>
+              <a:rPr lang="en-US" sz="1400" dirty="0">
+                <a:solidFill>
+                  <a:srgbClr val="CC7832"/>
+                </a:solidFill>
+                <a:latin typeface="Consolas" panose="020B0609020204030204" pitchFamily="49" charset="0"/>
+                <a:cs typeface="Consolas" panose="020B0609020204030204" pitchFamily="49" charset="0"/>
+              </a:rPr>
+              <a:t>;</a:t>
+            </a:r>
+            <a:br>
+              <a:rPr lang="en-US" sz="1400" dirty="0">
+                <a:solidFill>
+                  <a:srgbClr val="CC7832"/>
+                </a:solidFill>
+                <a:latin typeface="Consolas" panose="020B0609020204030204" pitchFamily="49" charset="0"/>
+                <a:cs typeface="Consolas" panose="020B0609020204030204" pitchFamily="49" charset="0"/>
+              </a:rPr>
+            </a:br>
+            <a:r>
+              <a:rPr lang="en-US" sz="1400" dirty="0">
+                <a:solidFill>
+                  <a:srgbClr val="CC7832"/>
+                </a:solidFill>
+                <a:latin typeface="Consolas" panose="020B0609020204030204" pitchFamily="49" charset="0"/>
+                <a:cs typeface="Consolas" panose="020B0609020204030204" pitchFamily="49" charset="0"/>
+              </a:rPr>
+              <a:t>    </a:t>
+            </a:r>
+            <a:r>
+              <a:rPr lang="en-US" sz="1400" dirty="0">
+                <a:latin typeface="Consolas" panose="020B0609020204030204" pitchFamily="49" charset="0"/>
+                <a:cs typeface="Consolas" panose="020B0609020204030204" pitchFamily="49" charset="0"/>
+              </a:rPr>
+              <a:t>}</a:t>
+            </a:r>
+            <a:br>
+              <a:rPr lang="en-US" sz="1400" dirty="0">
+                <a:latin typeface="Consolas" panose="020B0609020204030204" pitchFamily="49" charset="0"/>
+                <a:cs typeface="Consolas" panose="020B0609020204030204" pitchFamily="49" charset="0"/>
+              </a:rPr>
+            </a:br>
+            <a:r>
+              <a:rPr lang="en-US" sz="1400" dirty="0">
+                <a:latin typeface="Consolas" panose="020B0609020204030204" pitchFamily="49" charset="0"/>
+                <a:cs typeface="Consolas" panose="020B0609020204030204" pitchFamily="49" charset="0"/>
+              </a:rPr>
+              <a:t>    </a:t>
+            </a:r>
+            <a:r>
+              <a:rPr lang="en-US" sz="1400" dirty="0">
+                <a:solidFill>
+                  <a:srgbClr val="CC7832"/>
+                </a:solidFill>
+                <a:latin typeface="Consolas" panose="020B0609020204030204" pitchFamily="49" charset="0"/>
+                <a:cs typeface="Consolas" panose="020B0609020204030204" pitchFamily="49" charset="0"/>
+              </a:rPr>
+              <a:t>public double </a:t>
+            </a:r>
+            <a:r>
+              <a:rPr lang="en-US" sz="1400" dirty="0" err="1">
+                <a:solidFill>
+                  <a:srgbClr val="FFC66D"/>
+                </a:solidFill>
+                <a:latin typeface="Consolas" panose="020B0609020204030204" pitchFamily="49" charset="0"/>
+                <a:cs typeface="Consolas" panose="020B0609020204030204" pitchFamily="49" charset="0"/>
+              </a:rPr>
+              <a:t>getMP</a:t>
+            </a:r>
+            <a:r>
+              <a:rPr lang="en-US" sz="1400" dirty="0">
+                <a:latin typeface="Consolas" panose="020B0609020204030204" pitchFamily="49" charset="0"/>
+                <a:cs typeface="Consolas" panose="020B0609020204030204" pitchFamily="49" charset="0"/>
+              </a:rPr>
+              <a:t>() {</a:t>
+            </a:r>
+            <a:br>
+              <a:rPr lang="en-US" sz="1400" dirty="0">
+                <a:latin typeface="Consolas" panose="020B0609020204030204" pitchFamily="49" charset="0"/>
+                <a:cs typeface="Consolas" panose="020B0609020204030204" pitchFamily="49" charset="0"/>
+              </a:rPr>
+            </a:br>
+            <a:r>
+              <a:rPr lang="en-US" sz="1400" dirty="0">
+                <a:latin typeface="Consolas" panose="020B0609020204030204" pitchFamily="49" charset="0"/>
+                <a:cs typeface="Consolas" panose="020B0609020204030204" pitchFamily="49" charset="0"/>
+              </a:rPr>
+              <a:t>        </a:t>
+            </a:r>
+            <a:r>
+              <a:rPr lang="en-US" sz="1400" dirty="0">
+                <a:solidFill>
+                  <a:srgbClr val="CC7832"/>
+                </a:solidFill>
+                <a:latin typeface="Consolas" panose="020B0609020204030204" pitchFamily="49" charset="0"/>
+                <a:cs typeface="Consolas" panose="020B0609020204030204" pitchFamily="49" charset="0"/>
+              </a:rPr>
+              <a:t>return </a:t>
+            </a:r>
+            <a:r>
+              <a:rPr lang="en-US" sz="1400" dirty="0">
+                <a:solidFill>
+                  <a:srgbClr val="6897BB"/>
+                </a:solidFill>
+                <a:latin typeface="Consolas" panose="020B0609020204030204" pitchFamily="49" charset="0"/>
+                <a:cs typeface="Consolas" panose="020B0609020204030204" pitchFamily="49" charset="0"/>
+              </a:rPr>
+              <a:t>10.5</a:t>
+            </a:r>
+            <a:r>
+              <a:rPr lang="en-US" sz="1400" dirty="0">
+                <a:solidFill>
+                  <a:srgbClr val="CC7832"/>
+                </a:solidFill>
+                <a:latin typeface="Consolas" panose="020B0609020204030204" pitchFamily="49" charset="0"/>
+                <a:cs typeface="Consolas" panose="020B0609020204030204" pitchFamily="49" charset="0"/>
+              </a:rPr>
+              <a:t>;</a:t>
+            </a:r>
+            <a:br>
+              <a:rPr lang="en-US" sz="1400" dirty="0">
+                <a:solidFill>
+                  <a:srgbClr val="CC7832"/>
+                </a:solidFill>
+                <a:latin typeface="Consolas" panose="020B0609020204030204" pitchFamily="49" charset="0"/>
+                <a:cs typeface="Consolas" panose="020B0609020204030204" pitchFamily="49" charset="0"/>
+              </a:rPr>
+            </a:br>
+            <a:r>
+              <a:rPr lang="en-US" sz="1400" dirty="0">
+                <a:solidFill>
+                  <a:srgbClr val="CC7832"/>
+                </a:solidFill>
+                <a:latin typeface="Consolas" panose="020B0609020204030204" pitchFamily="49" charset="0"/>
+                <a:cs typeface="Consolas" panose="020B0609020204030204" pitchFamily="49" charset="0"/>
+              </a:rPr>
+              <a:t>    </a:t>
+            </a:r>
+            <a:r>
+              <a:rPr lang="en-US" sz="1400" dirty="0">
+                <a:latin typeface="Consolas" panose="020B0609020204030204" pitchFamily="49" charset="0"/>
+                <a:cs typeface="Consolas" panose="020B0609020204030204" pitchFamily="49" charset="0"/>
+              </a:rPr>
+              <a:t>}</a:t>
+            </a:r>
+            <a:br>
+              <a:rPr lang="en-US" sz="1400" dirty="0">
+                <a:solidFill>
+                  <a:srgbClr val="BBB529"/>
+                </a:solidFill>
+                <a:latin typeface="Consolas" panose="020B0609020204030204" pitchFamily="49" charset="0"/>
+                <a:cs typeface="Consolas" panose="020B0609020204030204" pitchFamily="49" charset="0"/>
+              </a:rPr>
+            </a:br>
+            <a:r>
+              <a:rPr lang="en-US" sz="1400" dirty="0">
+                <a:solidFill>
+                  <a:srgbClr val="BBB529"/>
+                </a:solidFill>
+                <a:latin typeface="Consolas" panose="020B0609020204030204" pitchFamily="49" charset="0"/>
+                <a:cs typeface="Consolas" panose="020B0609020204030204" pitchFamily="49" charset="0"/>
+              </a:rPr>
+              <a:t>    </a:t>
+            </a:r>
+            <a:r>
+              <a:rPr lang="en-US" sz="1400" dirty="0">
+                <a:solidFill>
+                  <a:srgbClr val="CC7832"/>
+                </a:solidFill>
+                <a:latin typeface="Consolas" panose="020B0609020204030204" pitchFamily="49" charset="0"/>
+                <a:cs typeface="Consolas" panose="020B0609020204030204" pitchFamily="49" charset="0"/>
+              </a:rPr>
+              <a:t>public boolean </a:t>
+            </a:r>
+            <a:r>
+              <a:rPr lang="en-US" sz="1400" dirty="0" err="1">
+                <a:solidFill>
+                  <a:srgbClr val="FFC66D"/>
+                </a:solidFill>
+                <a:latin typeface="Consolas" panose="020B0609020204030204" pitchFamily="49" charset="0"/>
+                <a:cs typeface="Consolas" panose="020B0609020204030204" pitchFamily="49" charset="0"/>
+              </a:rPr>
+              <a:t>hasSwordAttack</a:t>
+            </a:r>
+            <a:r>
+              <a:rPr lang="en-US" sz="1400" dirty="0">
+                <a:latin typeface="Consolas" panose="020B0609020204030204" pitchFamily="49" charset="0"/>
+                <a:cs typeface="Consolas" panose="020B0609020204030204" pitchFamily="49" charset="0"/>
+              </a:rPr>
+              <a:t>() {</a:t>
+            </a:r>
+            <a:br>
+              <a:rPr lang="en-US" sz="1400" dirty="0">
+                <a:latin typeface="Consolas" panose="020B0609020204030204" pitchFamily="49" charset="0"/>
+                <a:cs typeface="Consolas" panose="020B0609020204030204" pitchFamily="49" charset="0"/>
+              </a:rPr>
+            </a:br>
+            <a:r>
+              <a:rPr lang="en-US" sz="1400" dirty="0">
+                <a:latin typeface="Consolas" panose="020B0609020204030204" pitchFamily="49" charset="0"/>
+                <a:cs typeface="Consolas" panose="020B0609020204030204" pitchFamily="49" charset="0"/>
+              </a:rPr>
+              <a:t>        </a:t>
+            </a:r>
+            <a:r>
+              <a:rPr lang="en-US" sz="1400" dirty="0">
+                <a:solidFill>
+                  <a:srgbClr val="CC7832"/>
+                </a:solidFill>
+                <a:latin typeface="Consolas" panose="020B0609020204030204" pitchFamily="49" charset="0"/>
+                <a:cs typeface="Consolas" panose="020B0609020204030204" pitchFamily="49" charset="0"/>
+              </a:rPr>
+              <a:t>return true;</a:t>
+            </a:r>
+            <a:br>
+              <a:rPr lang="en-US" sz="1400" dirty="0">
+                <a:solidFill>
+                  <a:srgbClr val="CC7832"/>
+                </a:solidFill>
+                <a:latin typeface="Consolas" panose="020B0609020204030204" pitchFamily="49" charset="0"/>
+                <a:cs typeface="Consolas" panose="020B0609020204030204" pitchFamily="49" charset="0"/>
+              </a:rPr>
+            </a:br>
+            <a:r>
+              <a:rPr lang="en-US" sz="1400" dirty="0">
+                <a:solidFill>
+                  <a:srgbClr val="CC7832"/>
+                </a:solidFill>
+                <a:latin typeface="Consolas" panose="020B0609020204030204" pitchFamily="49" charset="0"/>
+                <a:cs typeface="Consolas" panose="020B0609020204030204" pitchFamily="49" charset="0"/>
+              </a:rPr>
+              <a:t>    </a:t>
+            </a:r>
+            <a:r>
+              <a:rPr lang="en-US" sz="1400" dirty="0">
+                <a:latin typeface="Consolas" panose="020B0609020204030204" pitchFamily="49" charset="0"/>
+                <a:cs typeface="Consolas" panose="020B0609020204030204" pitchFamily="49" charset="0"/>
+              </a:rPr>
+              <a:t>}</a:t>
+            </a:r>
+            <a:br>
+              <a:rPr lang="en-US" sz="1400" dirty="0">
+                <a:latin typeface="Consolas" panose="020B0609020204030204" pitchFamily="49" charset="0"/>
+                <a:cs typeface="Consolas" panose="020B0609020204030204" pitchFamily="49" charset="0"/>
+              </a:rPr>
+            </a:br>
+            <a:r>
+              <a:rPr lang="en-US" sz="1400" dirty="0">
+                <a:latin typeface="Consolas" panose="020B0609020204030204" pitchFamily="49" charset="0"/>
+                <a:cs typeface="Consolas" panose="020B0609020204030204" pitchFamily="49" charset="0"/>
+              </a:rPr>
+              <a:t>    </a:t>
+            </a:r>
+            <a:r>
+              <a:rPr lang="en-US" sz="1400" dirty="0">
+                <a:solidFill>
+                  <a:srgbClr val="CC7832"/>
+                </a:solidFill>
+                <a:latin typeface="Consolas" panose="020B0609020204030204" pitchFamily="49" charset="0"/>
+                <a:cs typeface="Consolas" panose="020B0609020204030204" pitchFamily="49" charset="0"/>
+              </a:rPr>
+              <a:t>public int </a:t>
+            </a:r>
+            <a:r>
+              <a:rPr lang="en-US" sz="1400" dirty="0" err="1">
+                <a:solidFill>
+                  <a:srgbClr val="FFC66D"/>
+                </a:solidFill>
+                <a:latin typeface="Consolas" panose="020B0609020204030204" pitchFamily="49" charset="0"/>
+                <a:cs typeface="Consolas" panose="020B0609020204030204" pitchFamily="49" charset="0"/>
+              </a:rPr>
+              <a:t>calcSwordDamage</a:t>
+            </a:r>
+            <a:r>
+              <a:rPr lang="en-US" sz="1400" dirty="0">
+                <a:latin typeface="Consolas" panose="020B0609020204030204" pitchFamily="49" charset="0"/>
+                <a:cs typeface="Consolas" panose="020B0609020204030204" pitchFamily="49" charset="0"/>
+              </a:rPr>
+              <a:t>() {</a:t>
+            </a:r>
+            <a:br>
+              <a:rPr lang="en-US" sz="1400" dirty="0">
+                <a:latin typeface="Consolas" panose="020B0609020204030204" pitchFamily="49" charset="0"/>
+                <a:cs typeface="Consolas" panose="020B0609020204030204" pitchFamily="49" charset="0"/>
+              </a:rPr>
+            </a:br>
+            <a:r>
+              <a:rPr lang="en-US" sz="1400" dirty="0">
+                <a:latin typeface="Consolas" panose="020B0609020204030204" pitchFamily="49" charset="0"/>
+                <a:cs typeface="Consolas" panose="020B0609020204030204" pitchFamily="49" charset="0"/>
+              </a:rPr>
+              <a:t>        </a:t>
+            </a:r>
+            <a:r>
+              <a:rPr lang="en-US" sz="1400" dirty="0">
+                <a:solidFill>
+                  <a:srgbClr val="CC7832"/>
+                </a:solidFill>
+                <a:latin typeface="Consolas" panose="020B0609020204030204" pitchFamily="49" charset="0"/>
+                <a:cs typeface="Consolas" panose="020B0609020204030204" pitchFamily="49" charset="0"/>
+              </a:rPr>
+              <a:t>return </a:t>
+            </a:r>
+            <a:r>
+              <a:rPr lang="en-US" sz="1400" dirty="0">
+                <a:latin typeface="Consolas" panose="020B0609020204030204" pitchFamily="49" charset="0"/>
+                <a:cs typeface="Consolas" panose="020B0609020204030204" pitchFamily="49" charset="0"/>
+              </a:rPr>
+              <a:t>(</a:t>
+            </a:r>
+            <a:r>
+              <a:rPr lang="en-US" sz="1400" dirty="0">
+                <a:solidFill>
+                  <a:srgbClr val="CC7832"/>
+                </a:solidFill>
+                <a:latin typeface="Consolas" panose="020B0609020204030204" pitchFamily="49" charset="0"/>
+                <a:cs typeface="Consolas" panose="020B0609020204030204" pitchFamily="49" charset="0"/>
+              </a:rPr>
+              <a:t>int</a:t>
+            </a:r>
+            <a:r>
+              <a:rPr lang="en-US" sz="1400" dirty="0">
+                <a:latin typeface="Consolas" panose="020B0609020204030204" pitchFamily="49" charset="0"/>
+                <a:cs typeface="Consolas" panose="020B0609020204030204" pitchFamily="49" charset="0"/>
+              </a:rPr>
+              <a:t>)(</a:t>
+            </a:r>
+            <a:r>
+              <a:rPr lang="en-US" sz="1400" dirty="0">
+                <a:solidFill>
+                  <a:srgbClr val="6897BB"/>
+                </a:solidFill>
+                <a:latin typeface="Consolas" panose="020B0609020204030204" pitchFamily="49" charset="0"/>
+                <a:cs typeface="Consolas" panose="020B0609020204030204" pitchFamily="49" charset="0"/>
+              </a:rPr>
+              <a:t>100</a:t>
+            </a:r>
+            <a:r>
+              <a:rPr lang="en-US" sz="1400" dirty="0">
+                <a:latin typeface="Consolas" panose="020B0609020204030204" pitchFamily="49" charset="0"/>
+                <a:cs typeface="Consolas" panose="020B0609020204030204" pitchFamily="49" charset="0"/>
+              </a:rPr>
+              <a:t>*</a:t>
+            </a:r>
+            <a:r>
+              <a:rPr lang="en-US" sz="1400" dirty="0" err="1">
+                <a:latin typeface="Consolas" panose="020B0609020204030204" pitchFamily="49" charset="0"/>
+                <a:cs typeface="Consolas" panose="020B0609020204030204" pitchFamily="49" charset="0"/>
+              </a:rPr>
+              <a:t>getJobModifier</a:t>
+            </a:r>
+            <a:r>
+              <a:rPr lang="en-US" sz="1400" dirty="0">
+                <a:latin typeface="Consolas" panose="020B0609020204030204" pitchFamily="49" charset="0"/>
+                <a:cs typeface="Consolas" panose="020B0609020204030204" pitchFamily="49" charset="0"/>
+              </a:rPr>
+              <a:t>())</a:t>
+            </a:r>
+            <a:r>
+              <a:rPr lang="en-US" sz="1400" dirty="0">
+                <a:solidFill>
+                  <a:srgbClr val="CC7832"/>
+                </a:solidFill>
+                <a:latin typeface="Consolas" panose="020B0609020204030204" pitchFamily="49" charset="0"/>
+                <a:cs typeface="Consolas" panose="020B0609020204030204" pitchFamily="49" charset="0"/>
+              </a:rPr>
+              <a:t>;</a:t>
+            </a:r>
+            <a:br>
+              <a:rPr lang="en-US" sz="1400" dirty="0">
+                <a:solidFill>
+                  <a:srgbClr val="CC7832"/>
+                </a:solidFill>
+                <a:latin typeface="Consolas" panose="020B0609020204030204" pitchFamily="49" charset="0"/>
+                <a:cs typeface="Consolas" panose="020B0609020204030204" pitchFamily="49" charset="0"/>
+              </a:rPr>
+            </a:br>
+            <a:r>
+              <a:rPr lang="en-US" sz="1400" dirty="0">
+                <a:solidFill>
+                  <a:srgbClr val="CC7832"/>
+                </a:solidFill>
+                <a:latin typeface="Consolas" panose="020B0609020204030204" pitchFamily="49" charset="0"/>
+                <a:cs typeface="Consolas" panose="020B0609020204030204" pitchFamily="49" charset="0"/>
+              </a:rPr>
+              <a:t>    </a:t>
+            </a:r>
+            <a:r>
+              <a:rPr lang="en-US" sz="1400" dirty="0">
+                <a:latin typeface="Consolas" panose="020B0609020204030204" pitchFamily="49" charset="0"/>
+                <a:cs typeface="Consolas" panose="020B0609020204030204" pitchFamily="49" charset="0"/>
+              </a:rPr>
+              <a:t>}</a:t>
+            </a:r>
+          </a:p>
+          <a:p>
+            <a:r>
+              <a:rPr lang="en-US" sz="1400" dirty="0">
+                <a:latin typeface="Consolas" panose="020B0609020204030204" pitchFamily="49" charset="0"/>
+                <a:cs typeface="Consolas" panose="020B0609020204030204" pitchFamily="49" charset="0"/>
+              </a:rPr>
+              <a:t>/** other methods**/</a:t>
+            </a:r>
+            <a:br>
+              <a:rPr lang="en-US" sz="1400" dirty="0">
+                <a:latin typeface="Consolas" panose="020B0609020204030204" pitchFamily="49" charset="0"/>
+                <a:cs typeface="Consolas" panose="020B0609020204030204" pitchFamily="49" charset="0"/>
+              </a:rPr>
+            </a:br>
+            <a:r>
+              <a:rPr lang="en-US" sz="1400" dirty="0">
+                <a:latin typeface="Consolas" panose="020B0609020204030204" pitchFamily="49" charset="0"/>
+                <a:cs typeface="Consolas" panose="020B0609020204030204" pitchFamily="49" charset="0"/>
+              </a:rPr>
+              <a:t>}</a:t>
+            </a:r>
+          </a:p>
+        </p:txBody>
+      </p:sp>
+      <p:sp>
+        <p:nvSpPr>
+          <p:cNvPr id="6" name="Rectangle 5">
+            <a:extLst>
+              <a:ext uri="{FF2B5EF4-FFF2-40B4-BE49-F238E27FC236}">
+                <a16:creationId xmlns:a16="http://schemas.microsoft.com/office/drawing/2014/main" id="{4FD49591-C34D-0B41-AAFD-518E9636BE6D}"/>
+              </a:ext>
+            </a:extLst>
+          </p:cNvPr>
+          <p:cNvSpPr/>
+          <p:nvPr/>
+        </p:nvSpPr>
+        <p:spPr>
+          <a:xfrm>
+            <a:off x="8410575" y="2827707"/>
+            <a:ext cx="3454400" cy="954107"/>
+          </a:xfrm>
+          <a:prstGeom prst="rect">
+            <a:avLst/>
+          </a:prstGeom>
+          <a:ln>
+            <a:solidFill>
+              <a:schemeClr val="tx1"/>
+            </a:solidFill>
+          </a:ln>
+        </p:spPr>
+        <p:txBody>
+          <a:bodyPr wrap="square">
+            <a:spAutoFit/>
+          </a:bodyPr>
+          <a:lstStyle/>
+          <a:p>
+            <a:r>
+              <a:rPr lang="en-US" sz="1400" dirty="0">
+                <a:solidFill>
+                  <a:srgbClr val="CC7832"/>
+                </a:solidFill>
+                <a:latin typeface="Consolas" panose="020B0609020204030204" pitchFamily="49" charset="0"/>
+                <a:cs typeface="Consolas" panose="020B0609020204030204" pitchFamily="49" charset="0"/>
+              </a:rPr>
+              <a:t>public interface </a:t>
+            </a:r>
+            <a:r>
+              <a:rPr lang="en-US" sz="1400" dirty="0" err="1">
+                <a:latin typeface="Consolas" panose="020B0609020204030204" pitchFamily="49" charset="0"/>
+                <a:cs typeface="Consolas" panose="020B0609020204030204" pitchFamily="49" charset="0"/>
+              </a:rPr>
+              <a:t>MeleeType</a:t>
+            </a:r>
+            <a:r>
+              <a:rPr lang="en-US" sz="1400" dirty="0">
+                <a:latin typeface="Consolas" panose="020B0609020204030204" pitchFamily="49" charset="0"/>
+                <a:cs typeface="Consolas" panose="020B0609020204030204" pitchFamily="49" charset="0"/>
+              </a:rPr>
+              <a:t> {</a:t>
+            </a:r>
+            <a:br>
+              <a:rPr lang="en-US" sz="1400" dirty="0">
+                <a:latin typeface="Consolas" panose="020B0609020204030204" pitchFamily="49" charset="0"/>
+                <a:cs typeface="Consolas" panose="020B0609020204030204" pitchFamily="49" charset="0"/>
+              </a:rPr>
+            </a:br>
+            <a:r>
+              <a:rPr lang="en-US" sz="1400" dirty="0">
+                <a:latin typeface="Consolas" panose="020B0609020204030204" pitchFamily="49" charset="0"/>
+                <a:cs typeface="Consolas" panose="020B0609020204030204" pitchFamily="49" charset="0"/>
+              </a:rPr>
+              <a:t>    </a:t>
+            </a:r>
+            <a:r>
+              <a:rPr lang="en-US" sz="1400" dirty="0">
+                <a:solidFill>
+                  <a:srgbClr val="CC7832"/>
+                </a:solidFill>
+                <a:latin typeface="Consolas" panose="020B0609020204030204" pitchFamily="49" charset="0"/>
+                <a:cs typeface="Consolas" panose="020B0609020204030204" pitchFamily="49" charset="0"/>
+              </a:rPr>
+              <a:t>boolean </a:t>
+            </a:r>
+            <a:r>
+              <a:rPr lang="en-US" sz="1400" dirty="0" err="1">
+                <a:solidFill>
+                  <a:srgbClr val="FFC66D"/>
+                </a:solidFill>
+                <a:latin typeface="Consolas" panose="020B0609020204030204" pitchFamily="49" charset="0"/>
+                <a:cs typeface="Consolas" panose="020B0609020204030204" pitchFamily="49" charset="0"/>
+              </a:rPr>
+              <a:t>hasSwordAttack</a:t>
+            </a:r>
+            <a:r>
+              <a:rPr lang="en-US" sz="1400" dirty="0">
+                <a:latin typeface="Consolas" panose="020B0609020204030204" pitchFamily="49" charset="0"/>
+                <a:cs typeface="Consolas" panose="020B0609020204030204" pitchFamily="49" charset="0"/>
+              </a:rPr>
+              <a:t>()</a:t>
+            </a:r>
+            <a:r>
+              <a:rPr lang="en-US" sz="1400" dirty="0">
+                <a:solidFill>
+                  <a:srgbClr val="CC7832"/>
+                </a:solidFill>
+                <a:latin typeface="Consolas" panose="020B0609020204030204" pitchFamily="49" charset="0"/>
+                <a:cs typeface="Consolas" panose="020B0609020204030204" pitchFamily="49" charset="0"/>
+              </a:rPr>
+              <a:t>;</a:t>
+            </a:r>
+            <a:br>
+              <a:rPr lang="en-US" sz="1400" dirty="0">
+                <a:solidFill>
+                  <a:srgbClr val="CC7832"/>
+                </a:solidFill>
+                <a:latin typeface="Consolas" panose="020B0609020204030204" pitchFamily="49" charset="0"/>
+                <a:cs typeface="Consolas" panose="020B0609020204030204" pitchFamily="49" charset="0"/>
+              </a:rPr>
+            </a:br>
+            <a:r>
+              <a:rPr lang="en-US" sz="1400" dirty="0">
+                <a:solidFill>
+                  <a:srgbClr val="CC7832"/>
+                </a:solidFill>
+                <a:latin typeface="Consolas" panose="020B0609020204030204" pitchFamily="49" charset="0"/>
+                <a:cs typeface="Consolas" panose="020B0609020204030204" pitchFamily="49" charset="0"/>
+              </a:rPr>
+              <a:t>    int </a:t>
+            </a:r>
+            <a:r>
+              <a:rPr lang="en-US" sz="1400" dirty="0" err="1">
+                <a:solidFill>
+                  <a:srgbClr val="FFC66D"/>
+                </a:solidFill>
+                <a:latin typeface="Consolas" panose="020B0609020204030204" pitchFamily="49" charset="0"/>
+                <a:cs typeface="Consolas" panose="020B0609020204030204" pitchFamily="49" charset="0"/>
+              </a:rPr>
+              <a:t>calcSwordDamage</a:t>
+            </a:r>
+            <a:r>
+              <a:rPr lang="en-US" sz="1400" dirty="0">
+                <a:latin typeface="Consolas" panose="020B0609020204030204" pitchFamily="49" charset="0"/>
+                <a:cs typeface="Consolas" panose="020B0609020204030204" pitchFamily="49" charset="0"/>
+              </a:rPr>
+              <a:t>()</a:t>
+            </a:r>
+            <a:r>
+              <a:rPr lang="en-US" sz="1400" dirty="0">
+                <a:solidFill>
+                  <a:srgbClr val="CC7832"/>
+                </a:solidFill>
+                <a:latin typeface="Consolas" panose="020B0609020204030204" pitchFamily="49" charset="0"/>
+                <a:cs typeface="Consolas" panose="020B0609020204030204" pitchFamily="49" charset="0"/>
+              </a:rPr>
+              <a:t>;</a:t>
+            </a:r>
+            <a:br>
+              <a:rPr lang="en-US" sz="1400" dirty="0">
+                <a:solidFill>
+                  <a:srgbClr val="CC7832"/>
+                </a:solidFill>
+                <a:latin typeface="Consolas" panose="020B0609020204030204" pitchFamily="49" charset="0"/>
+                <a:cs typeface="Consolas" panose="020B0609020204030204" pitchFamily="49" charset="0"/>
+              </a:rPr>
+            </a:br>
+            <a:r>
+              <a:rPr lang="en-US" sz="1400" dirty="0">
+                <a:latin typeface="Consolas" panose="020B0609020204030204" pitchFamily="49" charset="0"/>
+                <a:cs typeface="Consolas" panose="020B0609020204030204" pitchFamily="49" charset="0"/>
+              </a:rPr>
+              <a:t>}</a:t>
+            </a:r>
+          </a:p>
+        </p:txBody>
+      </p:sp>
+      <p:sp>
+        <p:nvSpPr>
+          <p:cNvPr id="7" name="Rectangle 6">
+            <a:extLst>
+              <a:ext uri="{FF2B5EF4-FFF2-40B4-BE49-F238E27FC236}">
+                <a16:creationId xmlns:a16="http://schemas.microsoft.com/office/drawing/2014/main" id="{A7A887AF-9028-4142-8EBF-5736A210D279}"/>
+              </a:ext>
+            </a:extLst>
+          </p:cNvPr>
+          <p:cNvSpPr/>
+          <p:nvPr/>
+        </p:nvSpPr>
+        <p:spPr>
+          <a:xfrm>
+            <a:off x="8410575" y="1642811"/>
+            <a:ext cx="3454400" cy="954107"/>
+          </a:xfrm>
+          <a:prstGeom prst="rect">
+            <a:avLst/>
+          </a:prstGeom>
+          <a:ln>
+            <a:solidFill>
+              <a:schemeClr val="tx1"/>
+            </a:solidFill>
+          </a:ln>
+        </p:spPr>
+        <p:txBody>
+          <a:bodyPr wrap="square">
+            <a:spAutoFit/>
+          </a:bodyPr>
+          <a:lstStyle/>
+          <a:p>
+            <a:r>
+              <a:rPr lang="en-US" sz="1400" dirty="0">
+                <a:solidFill>
+                  <a:srgbClr val="CC7832"/>
+                </a:solidFill>
+                <a:latin typeface="Consolas" panose="020B0609020204030204" pitchFamily="49" charset="0"/>
+                <a:cs typeface="Consolas" panose="020B0609020204030204" pitchFamily="49" charset="0"/>
+              </a:rPr>
+              <a:t>public interface </a:t>
+            </a:r>
+            <a:r>
+              <a:rPr lang="en-US" sz="1400" dirty="0" err="1">
+                <a:latin typeface="Consolas" panose="020B0609020204030204" pitchFamily="49" charset="0"/>
+                <a:cs typeface="Consolas" panose="020B0609020204030204" pitchFamily="49" charset="0"/>
+              </a:rPr>
+              <a:t>HealerType</a:t>
+            </a:r>
+            <a:r>
+              <a:rPr lang="en-US" sz="1400" dirty="0">
+                <a:latin typeface="Consolas" panose="020B0609020204030204" pitchFamily="49" charset="0"/>
+                <a:cs typeface="Consolas" panose="020B0609020204030204" pitchFamily="49" charset="0"/>
+              </a:rPr>
+              <a:t> {</a:t>
+            </a:r>
+            <a:br>
+              <a:rPr lang="en-US" sz="1400" dirty="0">
+                <a:latin typeface="Consolas" panose="020B0609020204030204" pitchFamily="49" charset="0"/>
+                <a:cs typeface="Consolas" panose="020B0609020204030204" pitchFamily="49" charset="0"/>
+              </a:rPr>
+            </a:br>
+            <a:r>
+              <a:rPr lang="en-US" sz="1400" dirty="0">
+                <a:latin typeface="Consolas" panose="020B0609020204030204" pitchFamily="49" charset="0"/>
+                <a:cs typeface="Consolas" panose="020B0609020204030204" pitchFamily="49" charset="0"/>
+              </a:rPr>
+              <a:t>    </a:t>
+            </a:r>
+            <a:r>
+              <a:rPr lang="en-US" sz="1400" dirty="0">
+                <a:solidFill>
+                  <a:srgbClr val="CC7832"/>
+                </a:solidFill>
+                <a:latin typeface="Consolas" panose="020B0609020204030204" pitchFamily="49" charset="0"/>
+                <a:cs typeface="Consolas" panose="020B0609020204030204" pitchFamily="49" charset="0"/>
+              </a:rPr>
+              <a:t>double </a:t>
+            </a:r>
+            <a:r>
+              <a:rPr lang="en-US" sz="1400" dirty="0" err="1">
+                <a:solidFill>
+                  <a:srgbClr val="FFC66D"/>
+                </a:solidFill>
+                <a:latin typeface="Consolas" panose="020B0609020204030204" pitchFamily="49" charset="0"/>
+                <a:cs typeface="Consolas" panose="020B0609020204030204" pitchFamily="49" charset="0"/>
+              </a:rPr>
+              <a:t>getCureModifier</a:t>
+            </a:r>
+            <a:r>
+              <a:rPr lang="en-US" sz="1400" dirty="0">
+                <a:latin typeface="Consolas" panose="020B0609020204030204" pitchFamily="49" charset="0"/>
+                <a:cs typeface="Consolas" panose="020B0609020204030204" pitchFamily="49" charset="0"/>
+              </a:rPr>
+              <a:t>()</a:t>
+            </a:r>
+            <a:r>
+              <a:rPr lang="en-US" sz="1400" dirty="0">
+                <a:solidFill>
+                  <a:srgbClr val="CC7832"/>
+                </a:solidFill>
+                <a:latin typeface="Consolas" panose="020B0609020204030204" pitchFamily="49" charset="0"/>
+                <a:cs typeface="Consolas" panose="020B0609020204030204" pitchFamily="49" charset="0"/>
+              </a:rPr>
+              <a:t>;</a:t>
+            </a:r>
+            <a:br>
+              <a:rPr lang="en-US" sz="1400" dirty="0">
+                <a:solidFill>
+                  <a:srgbClr val="CC7832"/>
+                </a:solidFill>
+                <a:latin typeface="Consolas" panose="020B0609020204030204" pitchFamily="49" charset="0"/>
+                <a:cs typeface="Consolas" panose="020B0609020204030204" pitchFamily="49" charset="0"/>
+              </a:rPr>
+            </a:br>
+            <a:r>
+              <a:rPr lang="en-US" sz="1400" dirty="0">
+                <a:solidFill>
+                  <a:srgbClr val="CC7832"/>
+                </a:solidFill>
+                <a:latin typeface="Consolas" panose="020B0609020204030204" pitchFamily="49" charset="0"/>
+                <a:cs typeface="Consolas" panose="020B0609020204030204" pitchFamily="49" charset="0"/>
+              </a:rPr>
+              <a:t>    double </a:t>
+            </a:r>
+            <a:r>
+              <a:rPr lang="en-US" sz="1400" dirty="0" err="1">
+                <a:solidFill>
+                  <a:srgbClr val="FFC66D"/>
+                </a:solidFill>
+                <a:latin typeface="Consolas" panose="020B0609020204030204" pitchFamily="49" charset="0"/>
+                <a:cs typeface="Consolas" panose="020B0609020204030204" pitchFamily="49" charset="0"/>
+              </a:rPr>
+              <a:t>getMP</a:t>
+            </a:r>
+            <a:r>
+              <a:rPr lang="en-US" sz="1400" dirty="0">
+                <a:latin typeface="Consolas" panose="020B0609020204030204" pitchFamily="49" charset="0"/>
+                <a:cs typeface="Consolas" panose="020B0609020204030204" pitchFamily="49" charset="0"/>
+              </a:rPr>
+              <a:t>()</a:t>
+            </a:r>
+            <a:r>
+              <a:rPr lang="en-US" sz="1400" dirty="0">
+                <a:solidFill>
+                  <a:srgbClr val="CC7832"/>
+                </a:solidFill>
+                <a:latin typeface="Consolas" panose="020B0609020204030204" pitchFamily="49" charset="0"/>
+                <a:cs typeface="Consolas" panose="020B0609020204030204" pitchFamily="49" charset="0"/>
+              </a:rPr>
+              <a:t>;</a:t>
+            </a:r>
+            <a:br>
+              <a:rPr lang="en-US" sz="1400" dirty="0">
+                <a:solidFill>
+                  <a:srgbClr val="CC7832"/>
+                </a:solidFill>
+                <a:latin typeface="Consolas" panose="020B0609020204030204" pitchFamily="49" charset="0"/>
+                <a:cs typeface="Consolas" panose="020B0609020204030204" pitchFamily="49" charset="0"/>
+              </a:rPr>
+            </a:br>
+            <a:r>
+              <a:rPr lang="en-US" sz="1400" dirty="0">
+                <a:latin typeface="Consolas" panose="020B0609020204030204" pitchFamily="49" charset="0"/>
+                <a:cs typeface="Consolas" panose="020B0609020204030204" pitchFamily="49" charset="0"/>
+              </a:rPr>
+              <a:t>}</a:t>
+            </a:r>
+          </a:p>
+        </p:txBody>
+      </p:sp>
+      <p:cxnSp>
+        <p:nvCxnSpPr>
+          <p:cNvPr id="10" name="Straight Connector 9">
+            <a:extLst>
+              <a:ext uri="{FF2B5EF4-FFF2-40B4-BE49-F238E27FC236}">
+                <a16:creationId xmlns:a16="http://schemas.microsoft.com/office/drawing/2014/main" id="{D0E5740D-DE5D-FF45-AA91-A2B7733FAC33}"/>
+              </a:ext>
+            </a:extLst>
+          </p:cNvPr>
+          <p:cNvCxnSpPr>
+            <a:cxnSpLocks/>
+          </p:cNvCxnSpPr>
+          <p:nvPr/>
+        </p:nvCxnSpPr>
+        <p:spPr>
+          <a:xfrm>
+            <a:off x="2481943" y="1964872"/>
+            <a:ext cx="2940957" cy="0"/>
+          </a:xfrm>
+          <a:prstGeom prst="line">
+            <a:avLst/>
+          </a:prstGeom>
+          <a:ln>
+            <a:solidFill>
+              <a:schemeClr val="accent4"/>
+            </a:solidFill>
+          </a:ln>
+        </p:spPr>
+        <p:style>
+          <a:lnRef idx="2">
+            <a:schemeClr val="accent1"/>
+          </a:lnRef>
+          <a:fillRef idx="0">
+            <a:schemeClr val="accent1"/>
+          </a:fillRef>
+          <a:effectRef idx="1">
+            <a:schemeClr val="accent1"/>
+          </a:effectRef>
+          <a:fontRef idx="minor">
+            <a:schemeClr val="tx1"/>
+          </a:fontRef>
+        </p:style>
+      </p:cxnSp>
+      <p:sp>
+        <p:nvSpPr>
+          <p:cNvPr id="11" name="Left Brace 10">
+            <a:extLst>
+              <a:ext uri="{FF2B5EF4-FFF2-40B4-BE49-F238E27FC236}">
+                <a16:creationId xmlns:a16="http://schemas.microsoft.com/office/drawing/2014/main" id="{9ABCE009-75DA-934C-B0CB-AE336D59A2F0}"/>
+              </a:ext>
+            </a:extLst>
+          </p:cNvPr>
+          <p:cNvSpPr/>
+          <p:nvPr/>
+        </p:nvSpPr>
+        <p:spPr>
+          <a:xfrm>
+            <a:off x="8045450" y="1716276"/>
+            <a:ext cx="317500" cy="807179"/>
+          </a:xfrm>
+          <a:prstGeom prst="leftBrace">
+            <a:avLst/>
+          </a:prstGeom>
+        </p:spPr>
+        <p:style>
+          <a:lnRef idx="2">
+            <a:schemeClr val="accent1"/>
+          </a:lnRef>
+          <a:fillRef idx="0">
+            <a:schemeClr val="accent1"/>
+          </a:fillRef>
+          <a:effectRef idx="1">
+            <a:schemeClr val="accent1"/>
+          </a:effectRef>
+          <a:fontRef idx="minor">
+            <a:schemeClr val="tx1"/>
+          </a:fontRef>
+        </p:style>
+        <p:txBody>
+          <a:bodyPr rtlCol="0" anchor="ctr"/>
+          <a:lstStyle/>
+          <a:p>
+            <a:pPr algn="ctr"/>
+            <a:endParaRPr lang="en-US"/>
+          </a:p>
+        </p:txBody>
+      </p:sp>
+      <p:sp>
+        <p:nvSpPr>
+          <p:cNvPr id="12" name="Left Brace 11">
+            <a:extLst>
+              <a:ext uri="{FF2B5EF4-FFF2-40B4-BE49-F238E27FC236}">
+                <a16:creationId xmlns:a16="http://schemas.microsoft.com/office/drawing/2014/main" id="{7FD8EBAF-7B58-7143-BB18-B8A486F182B0}"/>
+              </a:ext>
+            </a:extLst>
+          </p:cNvPr>
+          <p:cNvSpPr/>
+          <p:nvPr/>
+        </p:nvSpPr>
+        <p:spPr>
+          <a:xfrm>
+            <a:off x="8045450" y="2909996"/>
+            <a:ext cx="317500" cy="833371"/>
+          </a:xfrm>
+          <a:prstGeom prst="leftBrace">
+            <a:avLst>
+              <a:gd name="adj1" fmla="val 8333"/>
+              <a:gd name="adj2" fmla="val 57620"/>
+            </a:avLst>
+          </a:prstGeom>
+        </p:spPr>
+        <p:style>
+          <a:lnRef idx="2">
+            <a:schemeClr val="accent1"/>
+          </a:lnRef>
+          <a:fillRef idx="0">
+            <a:schemeClr val="accent1"/>
+          </a:fillRef>
+          <a:effectRef idx="1">
+            <a:schemeClr val="accent1"/>
+          </a:effectRef>
+          <a:fontRef idx="minor">
+            <a:schemeClr val="tx1"/>
+          </a:fontRef>
+        </p:style>
+        <p:txBody>
+          <a:bodyPr rtlCol="0" anchor="ctr"/>
+          <a:lstStyle/>
+          <a:p>
+            <a:pPr algn="ctr"/>
+            <a:endParaRPr lang="en-US"/>
+          </a:p>
+        </p:txBody>
+      </p:sp>
+      <p:sp>
+        <p:nvSpPr>
+          <p:cNvPr id="13" name="Right Brace 12">
+            <a:extLst>
+              <a:ext uri="{FF2B5EF4-FFF2-40B4-BE49-F238E27FC236}">
+                <a16:creationId xmlns:a16="http://schemas.microsoft.com/office/drawing/2014/main" id="{7DC7A28B-FC27-E044-B149-10A7FC512CC6}"/>
+              </a:ext>
+            </a:extLst>
+          </p:cNvPr>
+          <p:cNvSpPr/>
+          <p:nvPr/>
+        </p:nvSpPr>
+        <p:spPr>
+          <a:xfrm>
+            <a:off x="4073524" y="2026619"/>
+            <a:ext cx="406400" cy="675119"/>
+          </a:xfrm>
+          <a:prstGeom prst="rightBrace">
+            <a:avLst/>
+          </a:prstGeom>
+        </p:spPr>
+        <p:style>
+          <a:lnRef idx="2">
+            <a:schemeClr val="accent1"/>
+          </a:lnRef>
+          <a:fillRef idx="0">
+            <a:schemeClr val="accent1"/>
+          </a:fillRef>
+          <a:effectRef idx="1">
+            <a:schemeClr val="accent1"/>
+          </a:effectRef>
+          <a:fontRef idx="minor">
+            <a:schemeClr val="tx1"/>
+          </a:fontRef>
+        </p:style>
+        <p:txBody>
+          <a:bodyPr rtlCol="0" anchor="ctr"/>
+          <a:lstStyle/>
+          <a:p>
+            <a:pPr algn="ctr"/>
+            <a:endParaRPr lang="en-US"/>
+          </a:p>
+        </p:txBody>
+      </p:sp>
+      <p:sp>
+        <p:nvSpPr>
+          <p:cNvPr id="14" name="Right Brace 13">
+            <a:extLst>
+              <a:ext uri="{FF2B5EF4-FFF2-40B4-BE49-F238E27FC236}">
+                <a16:creationId xmlns:a16="http://schemas.microsoft.com/office/drawing/2014/main" id="{C19C4A1C-27BC-D54E-B26D-D1B82B40490E}"/>
+              </a:ext>
+            </a:extLst>
+          </p:cNvPr>
+          <p:cNvSpPr/>
+          <p:nvPr/>
+        </p:nvSpPr>
+        <p:spPr>
+          <a:xfrm>
+            <a:off x="4558393" y="3251158"/>
+            <a:ext cx="406400" cy="1350240"/>
+          </a:xfrm>
+          <a:prstGeom prst="rightBrace">
+            <a:avLst/>
+          </a:prstGeom>
+        </p:spPr>
+        <p:style>
+          <a:lnRef idx="2">
+            <a:schemeClr val="accent1"/>
+          </a:lnRef>
+          <a:fillRef idx="0">
+            <a:schemeClr val="accent1"/>
+          </a:fillRef>
+          <a:effectRef idx="1">
+            <a:schemeClr val="accent1"/>
+          </a:effectRef>
+          <a:fontRef idx="minor">
+            <a:schemeClr val="tx1"/>
+          </a:fontRef>
+        </p:style>
+        <p:txBody>
+          <a:bodyPr rtlCol="0" anchor="ctr"/>
+          <a:lstStyle/>
+          <a:p>
+            <a:pPr algn="ctr"/>
+            <a:endParaRPr lang="en-US"/>
+          </a:p>
+        </p:txBody>
+      </p:sp>
+      <p:cxnSp>
+        <p:nvCxnSpPr>
+          <p:cNvPr id="16" name="Curved Connector 15">
+            <a:extLst>
+              <a:ext uri="{FF2B5EF4-FFF2-40B4-BE49-F238E27FC236}">
+                <a16:creationId xmlns:a16="http://schemas.microsoft.com/office/drawing/2014/main" id="{57CDDADD-FDED-6B43-A32D-ACCC8AC5BE5C}"/>
+              </a:ext>
+            </a:extLst>
+          </p:cNvPr>
+          <p:cNvCxnSpPr>
+            <a:cxnSpLocks/>
+            <a:stCxn id="11" idx="1"/>
+            <a:endCxn id="13" idx="1"/>
+          </p:cNvCxnSpPr>
+          <p:nvPr/>
+        </p:nvCxnSpPr>
+        <p:spPr>
+          <a:xfrm rot="10800000" flipV="1">
+            <a:off x="4479924" y="2119865"/>
+            <a:ext cx="3565526" cy="244313"/>
+          </a:xfrm>
+          <a:prstGeom prst="curvedConnector5">
+            <a:avLst>
+              <a:gd name="adj1" fmla="val 50000"/>
+              <a:gd name="adj2" fmla="val 94101"/>
+              <a:gd name="adj3" fmla="val 59190"/>
+            </a:avLst>
+          </a:prstGeom>
+          <a:ln>
+            <a:tailEnd type="triangle"/>
+          </a:ln>
+        </p:spPr>
+        <p:style>
+          <a:lnRef idx="2">
+            <a:schemeClr val="accent1"/>
+          </a:lnRef>
+          <a:fillRef idx="0">
+            <a:schemeClr val="accent1"/>
+          </a:fillRef>
+          <a:effectRef idx="1">
+            <a:schemeClr val="accent1"/>
+          </a:effectRef>
+          <a:fontRef idx="minor">
+            <a:schemeClr val="tx1"/>
+          </a:fontRef>
+        </p:style>
+      </p:cxnSp>
+      <p:cxnSp>
+        <p:nvCxnSpPr>
+          <p:cNvPr id="19" name="Curved Connector 18">
+            <a:extLst>
+              <a:ext uri="{FF2B5EF4-FFF2-40B4-BE49-F238E27FC236}">
+                <a16:creationId xmlns:a16="http://schemas.microsoft.com/office/drawing/2014/main" id="{402A9B27-87A1-C44E-B48C-BC1294F87C41}"/>
+              </a:ext>
+            </a:extLst>
+          </p:cNvPr>
+          <p:cNvCxnSpPr>
+            <a:cxnSpLocks/>
+            <a:stCxn id="12" idx="1"/>
+            <a:endCxn id="14" idx="1"/>
+          </p:cNvCxnSpPr>
+          <p:nvPr/>
+        </p:nvCxnSpPr>
+        <p:spPr>
+          <a:xfrm rot="10800000" flipV="1">
+            <a:off x="4964794" y="3390184"/>
+            <a:ext cx="3080657" cy="536094"/>
+          </a:xfrm>
+          <a:prstGeom prst="curvedConnector5">
+            <a:avLst>
+              <a:gd name="adj1" fmla="val 50000"/>
+              <a:gd name="adj2" fmla="val 541"/>
+              <a:gd name="adj3" fmla="val 73498"/>
+            </a:avLst>
+          </a:prstGeom>
+          <a:ln>
+            <a:tailEnd type="triangle"/>
+          </a:ln>
+        </p:spPr>
+        <p:style>
+          <a:lnRef idx="2">
+            <a:schemeClr val="accent1"/>
+          </a:lnRef>
+          <a:fillRef idx="0">
+            <a:schemeClr val="accent1"/>
+          </a:fillRef>
+          <a:effectRef idx="1">
+            <a:schemeClr val="accent1"/>
+          </a:effectRef>
+          <a:fontRef idx="minor">
+            <a:schemeClr val="tx1"/>
+          </a:fontRef>
+        </p:style>
+      </p:cxnSp>
+      <p:sp>
+        <p:nvSpPr>
+          <p:cNvPr id="36" name="TextBox 35">
+            <a:extLst>
+              <a:ext uri="{FF2B5EF4-FFF2-40B4-BE49-F238E27FC236}">
+                <a16:creationId xmlns:a16="http://schemas.microsoft.com/office/drawing/2014/main" id="{A9A5BCF9-ACBC-4AAF-9EF3-89CC699F711A}"/>
+              </a:ext>
+            </a:extLst>
+          </p:cNvPr>
+          <p:cNvSpPr txBox="1"/>
+          <p:nvPr/>
+        </p:nvSpPr>
+        <p:spPr>
+          <a:xfrm>
+            <a:off x="1378857" y="5892800"/>
+            <a:ext cx="10486118" cy="707886"/>
+          </a:xfrm>
+          <a:prstGeom prst="rect">
+            <a:avLst/>
+          </a:prstGeom>
+          <a:noFill/>
+        </p:spPr>
+        <p:txBody>
+          <a:bodyPr wrap="square" rtlCol="0">
+            <a:spAutoFit/>
+          </a:bodyPr>
+          <a:lstStyle/>
+          <a:p>
+            <a:r>
+              <a:rPr lang="en-US" dirty="0"/>
+              <a:t>Will cover again after break but will help you get some code together.  Notice: no scope (public/private) just return, method name and parameters in them.</a:t>
+            </a:r>
+          </a:p>
+        </p:txBody>
+      </p:sp>
+    </p:spTree>
+    <p:extLst>
+      <p:ext uri="{BB962C8B-B14F-4D97-AF65-F5344CB8AC3E}">
+        <p14:creationId xmlns:p14="http://schemas.microsoft.com/office/powerpoint/2010/main" val="2151088149"/>
+      </p:ext>
+    </p:extLst>
+  </p:cSld>
+  <p:clrMapOvr>
+    <a:masterClrMapping/>
+  </p:clrMapOvr>
+  <mc:AlternateContent xmlns:mc="http://schemas.openxmlformats.org/markup-compatibility/2006" xmlns:p14="http://schemas.microsoft.com/office/powerpoint/2010/main">
+    <mc:Choice Requires="p14">
+      <p:transition p14:dur="300">
+        <p:fade/>
+      </p:transition>
+    </mc:Choice>
+    <mc:Fallback xmlns="">
+      <p:transition>
+        <p:fade/>
+      </p:transition>
+    </mc:Fallback>
+  </mc:AlternateContent>
+  <p:timing>
+    <p:tnLst>
+      <p:par>
+        <p:cTn id="1" dur="indefinite" restart="never" nodeType="tmRoot">
+          <p:childTnLst>
+            <p:seq concurrent="1" nextAc="seek">
+              <p:cTn id="2" dur="indefinite" nodeType="mainSeq">
+                <p:childTnLst>
+                  <p:par>
+                    <p:cTn id="3" fill="hold">
+                      <p:stCondLst>
+                        <p:cond delay="indefinite"/>
+                      </p:stCondLst>
+                      <p:childTnLst>
+                        <p:par>
+                          <p:cTn id="4" fill="hold">
+                            <p:stCondLst>
+                              <p:cond delay="0"/>
+                            </p:stCondLst>
+                            <p:childTnLst>
+                              <p:par>
+                                <p:cTn id="5" presetID="22" presetClass="entr" presetSubtype="8" fill="hold" nodeType="clickEffect">
+                                  <p:stCondLst>
+                                    <p:cond delay="0"/>
+                                  </p:stCondLst>
+                                  <p:childTnLst>
+                                    <p:set>
+                                      <p:cBhvr>
+                                        <p:cTn id="6" dur="1" fill="hold">
+                                          <p:stCondLst>
+                                            <p:cond delay="0"/>
+                                          </p:stCondLst>
+                                        </p:cTn>
+                                        <p:tgtEl>
+                                          <p:spTgt spid="10"/>
+                                        </p:tgtEl>
+                                        <p:attrNameLst>
+                                          <p:attrName>style.visibility</p:attrName>
+                                        </p:attrNameLst>
+                                      </p:cBhvr>
+                                      <p:to>
+                                        <p:strVal val="visible"/>
+                                      </p:to>
+                                    </p:set>
+                                    <p:animEffect transition="in" filter="wipe(left)">
+                                      <p:cBhvr>
+                                        <p:cTn id="7" dur="500"/>
+                                        <p:tgtEl>
+                                          <p:spTgt spid="10"/>
+                                        </p:tgtEl>
+                                      </p:cBhvr>
+                                    </p:animEffect>
+                                  </p:childTnLst>
+                                </p:cTn>
+                              </p:par>
+                            </p:childTnLst>
+                          </p:cTn>
+                        </p:par>
+                      </p:childTnLst>
+                    </p:cTn>
+                  </p:par>
+                  <p:par>
+                    <p:cTn id="8" fill="hold">
+                      <p:stCondLst>
+                        <p:cond delay="indefinite"/>
+                      </p:stCondLst>
+                      <p:childTnLst>
+                        <p:par>
+                          <p:cTn id="9" fill="hold">
+                            <p:stCondLst>
+                              <p:cond delay="0"/>
+                            </p:stCondLst>
+                            <p:childTnLst>
+                              <p:par>
+                                <p:cTn id="10" presetID="22" presetClass="entr" presetSubtype="4" fill="hold" grpId="0" nodeType="clickEffect">
+                                  <p:stCondLst>
+                                    <p:cond delay="0"/>
+                                  </p:stCondLst>
+                                  <p:childTnLst>
+                                    <p:set>
+                                      <p:cBhvr>
+                                        <p:cTn id="11" dur="1" fill="hold">
+                                          <p:stCondLst>
+                                            <p:cond delay="0"/>
+                                          </p:stCondLst>
+                                        </p:cTn>
+                                        <p:tgtEl>
+                                          <p:spTgt spid="13"/>
+                                        </p:tgtEl>
+                                        <p:attrNameLst>
+                                          <p:attrName>style.visibility</p:attrName>
+                                        </p:attrNameLst>
+                                      </p:cBhvr>
+                                      <p:to>
+                                        <p:strVal val="visible"/>
+                                      </p:to>
+                                    </p:set>
+                                    <p:animEffect transition="in" filter="wipe(down)">
+                                      <p:cBhvr>
+                                        <p:cTn id="12" dur="500"/>
+                                        <p:tgtEl>
+                                          <p:spTgt spid="13"/>
+                                        </p:tgtEl>
+                                      </p:cBhvr>
+                                    </p:animEffect>
+                                  </p:childTnLst>
+                                </p:cTn>
+                              </p:par>
+                              <p:par>
+                                <p:cTn id="13" presetID="22" presetClass="entr" presetSubtype="4" fill="hold" nodeType="withEffect">
+                                  <p:stCondLst>
+                                    <p:cond delay="0"/>
+                                  </p:stCondLst>
+                                  <p:childTnLst>
+                                    <p:set>
+                                      <p:cBhvr>
+                                        <p:cTn id="14" dur="1" fill="hold">
+                                          <p:stCondLst>
+                                            <p:cond delay="0"/>
+                                          </p:stCondLst>
+                                        </p:cTn>
+                                        <p:tgtEl>
+                                          <p:spTgt spid="16"/>
+                                        </p:tgtEl>
+                                        <p:attrNameLst>
+                                          <p:attrName>style.visibility</p:attrName>
+                                        </p:attrNameLst>
+                                      </p:cBhvr>
+                                      <p:to>
+                                        <p:strVal val="visible"/>
+                                      </p:to>
+                                    </p:set>
+                                    <p:animEffect transition="in" filter="wipe(down)">
+                                      <p:cBhvr>
+                                        <p:cTn id="15" dur="500"/>
+                                        <p:tgtEl>
+                                          <p:spTgt spid="16"/>
+                                        </p:tgtEl>
+                                      </p:cBhvr>
+                                    </p:animEffect>
+                                  </p:childTnLst>
+                                </p:cTn>
+                              </p:par>
+                              <p:par>
+                                <p:cTn id="16" presetID="22" presetClass="entr" presetSubtype="4" fill="hold" grpId="0" nodeType="withEffect">
+                                  <p:stCondLst>
+                                    <p:cond delay="0"/>
+                                  </p:stCondLst>
+                                  <p:childTnLst>
+                                    <p:set>
+                                      <p:cBhvr>
+                                        <p:cTn id="17" dur="1" fill="hold">
+                                          <p:stCondLst>
+                                            <p:cond delay="0"/>
+                                          </p:stCondLst>
+                                        </p:cTn>
+                                        <p:tgtEl>
+                                          <p:spTgt spid="11"/>
+                                        </p:tgtEl>
+                                        <p:attrNameLst>
+                                          <p:attrName>style.visibility</p:attrName>
+                                        </p:attrNameLst>
+                                      </p:cBhvr>
+                                      <p:to>
+                                        <p:strVal val="visible"/>
+                                      </p:to>
+                                    </p:set>
+                                    <p:animEffect transition="in" filter="wipe(down)">
+                                      <p:cBhvr>
+                                        <p:cTn id="18" dur="500"/>
+                                        <p:tgtEl>
+                                          <p:spTgt spid="11"/>
+                                        </p:tgtEl>
+                                      </p:cBhvr>
+                                    </p:animEffect>
+                                  </p:childTnLst>
+                                </p:cTn>
+                              </p:par>
+                            </p:childTnLst>
+                          </p:cTn>
+                        </p:par>
+                      </p:childTnLst>
+                    </p:cTn>
+                  </p:par>
+                  <p:par>
+                    <p:cTn id="19" fill="hold">
+                      <p:stCondLst>
+                        <p:cond delay="indefinite"/>
+                      </p:stCondLst>
+                      <p:childTnLst>
+                        <p:par>
+                          <p:cTn id="20" fill="hold">
+                            <p:stCondLst>
+                              <p:cond delay="0"/>
+                            </p:stCondLst>
+                            <p:childTnLst>
+                              <p:par>
+                                <p:cTn id="21" presetID="22" presetClass="entr" presetSubtype="4" fill="hold" nodeType="clickEffect">
+                                  <p:stCondLst>
+                                    <p:cond delay="0"/>
+                                  </p:stCondLst>
+                                  <p:childTnLst>
+                                    <p:set>
+                                      <p:cBhvr>
+                                        <p:cTn id="22" dur="1" fill="hold">
+                                          <p:stCondLst>
+                                            <p:cond delay="0"/>
+                                          </p:stCondLst>
+                                        </p:cTn>
+                                        <p:tgtEl>
+                                          <p:spTgt spid="19"/>
+                                        </p:tgtEl>
+                                        <p:attrNameLst>
+                                          <p:attrName>style.visibility</p:attrName>
+                                        </p:attrNameLst>
+                                      </p:cBhvr>
+                                      <p:to>
+                                        <p:strVal val="visible"/>
+                                      </p:to>
+                                    </p:set>
+                                    <p:animEffect transition="in" filter="wipe(down)">
+                                      <p:cBhvr>
+                                        <p:cTn id="23" dur="500"/>
+                                        <p:tgtEl>
+                                          <p:spTgt spid="19"/>
+                                        </p:tgtEl>
+                                      </p:cBhvr>
+                                    </p:animEffect>
+                                  </p:childTnLst>
+                                </p:cTn>
+                              </p:par>
+                              <p:par>
+                                <p:cTn id="24" presetID="22" presetClass="entr" presetSubtype="4" fill="hold" grpId="0" nodeType="withEffect">
+                                  <p:stCondLst>
+                                    <p:cond delay="0"/>
+                                  </p:stCondLst>
+                                  <p:childTnLst>
+                                    <p:set>
+                                      <p:cBhvr>
+                                        <p:cTn id="25" dur="1" fill="hold">
+                                          <p:stCondLst>
+                                            <p:cond delay="0"/>
+                                          </p:stCondLst>
+                                        </p:cTn>
+                                        <p:tgtEl>
+                                          <p:spTgt spid="14"/>
+                                        </p:tgtEl>
+                                        <p:attrNameLst>
+                                          <p:attrName>style.visibility</p:attrName>
+                                        </p:attrNameLst>
+                                      </p:cBhvr>
+                                      <p:to>
+                                        <p:strVal val="visible"/>
+                                      </p:to>
+                                    </p:set>
+                                    <p:animEffect transition="in" filter="wipe(down)">
+                                      <p:cBhvr>
+                                        <p:cTn id="26" dur="500"/>
+                                        <p:tgtEl>
+                                          <p:spTgt spid="14"/>
+                                        </p:tgtEl>
+                                      </p:cBhvr>
+                                    </p:animEffect>
+                                  </p:childTnLst>
+                                </p:cTn>
+                              </p:par>
+                              <p:par>
+                                <p:cTn id="27" presetID="22" presetClass="entr" presetSubtype="4" fill="hold" grpId="0" nodeType="withEffect">
+                                  <p:stCondLst>
+                                    <p:cond delay="0"/>
+                                  </p:stCondLst>
+                                  <p:childTnLst>
+                                    <p:set>
+                                      <p:cBhvr>
+                                        <p:cTn id="28" dur="1" fill="hold">
+                                          <p:stCondLst>
+                                            <p:cond delay="0"/>
+                                          </p:stCondLst>
+                                        </p:cTn>
+                                        <p:tgtEl>
+                                          <p:spTgt spid="12"/>
+                                        </p:tgtEl>
+                                        <p:attrNameLst>
+                                          <p:attrName>style.visibility</p:attrName>
+                                        </p:attrNameLst>
+                                      </p:cBhvr>
+                                      <p:to>
+                                        <p:strVal val="visible"/>
+                                      </p:to>
+                                    </p:set>
+                                    <p:animEffect transition="in" filter="wipe(down)">
+                                      <p:cBhvr>
+                                        <p:cTn id="29" dur="500"/>
+                                        <p:tgtEl>
+                                          <p:spTgt spid="12"/>
+                                        </p:tgtEl>
+                                      </p:cBhvr>
+                                    </p:animEffect>
+                                  </p:childTnLst>
+                                </p:cTn>
+                              </p:par>
+                            </p:childTnLst>
+                          </p:cTn>
+                        </p:par>
+                      </p:childTnLst>
+                    </p:cTn>
+                  </p:par>
+                </p:childTnLst>
+              </p:cTn>
+              <p:prevCondLst>
+                <p:cond evt="onPrev" delay="0">
+                  <p:tgtEl>
+                    <p:sldTgt/>
+                  </p:tgtEl>
+                </p:cond>
+              </p:prevCondLst>
+              <p:nextCondLst>
+                <p:cond evt="onNext" delay="0">
+                  <p:tgtEl>
+                    <p:sldTgt/>
+                  </p:tgtEl>
+                </p:cond>
+              </p:nextCondLst>
+            </p:seq>
+          </p:childTnLst>
+        </p:cTn>
+      </p:par>
+    </p:tnLst>
+    <p:bldLst>
+      <p:bldP spid="11" grpId="0" animBg="1"/>
+      <p:bldP spid="12" grpId="0" animBg="1"/>
+      <p:bldP spid="13" grpId="0" animBg="1"/>
+      <p:bldP spid="14" grpId="0" animBg="1"/>
+    </p:bldLst>
+  </p:timing>
+</p:sld>
+</file>
+
+<file path=ppt/slides/slide8.xml><?xml version="1.0" encoding="utf-8"?>
+<p:sld xmlns:a="http://schemas.openxmlformats.org/drawingml/2006/main" xmlns:r="http://schemas.openxmlformats.org/officeDocument/2006/relationships" xmlns:p="http://schemas.openxmlformats.org/presentationml/2006/main">
+  <p:cSld>
+    <p:spTree>
+      <p:nvGrpSpPr>
+        <p:cNvPr id="1" name=""/>
+        <p:cNvGrpSpPr/>
+        <p:nvPr/>
+      </p:nvGrpSpPr>
+      <p:grpSpPr>
+        <a:xfrm>
+          <a:off x="0" y="0"/>
+          <a:ext cx="0" cy="0"/>
+          <a:chOff x="0" y="0"/>
+          <a:chExt cx="0" cy="0"/>
+        </a:xfrm>
+      </p:grpSpPr>
+      <p:sp>
+        <p:nvSpPr>
+          <p:cNvPr id="2" name="Title 1">
+            <a:extLst>
+              <a:ext uri="{FF2B5EF4-FFF2-40B4-BE49-F238E27FC236}">
+                <a16:creationId xmlns:a16="http://schemas.microsoft.com/office/drawing/2014/main" id="{AB9E4EC2-69AA-412B-8C09-F07664279BCE}"/>
+              </a:ext>
+            </a:extLst>
+          </p:cNvPr>
+          <p:cNvSpPr>
+            <a:spLocks noGrp="1"/>
+          </p:cNvSpPr>
+          <p:nvPr>
+            <p:ph type="title"/>
+          </p:nvPr>
+        </p:nvSpPr>
+        <p:spPr/>
+        <p:txBody>
+          <a:bodyPr/>
+          <a:lstStyle/>
+          <a:p>
+            <a:r>
+              <a:rPr lang="en-US" dirty="0"/>
+              <a:t>Where to Start?</a:t>
+            </a:r>
+          </a:p>
+        </p:txBody>
+      </p:sp>
+      <p:sp>
+        <p:nvSpPr>
+          <p:cNvPr id="3" name="Text Placeholder 2">
+            <a:extLst>
+              <a:ext uri="{FF2B5EF4-FFF2-40B4-BE49-F238E27FC236}">
+                <a16:creationId xmlns:a16="http://schemas.microsoft.com/office/drawing/2014/main" id="{13EC4493-F394-4F2F-9FD8-49DBBA161DB3}"/>
+              </a:ext>
+            </a:extLst>
+          </p:cNvPr>
+          <p:cNvSpPr>
+            <a:spLocks noGrp="1"/>
+          </p:cNvSpPr>
+          <p:nvPr>
+            <p:ph type="body" sz="quarter" idx="10"/>
+          </p:nvPr>
+        </p:nvSpPr>
+        <p:spPr>
+          <a:xfrm>
+            <a:off x="628075" y="1776683"/>
+            <a:ext cx="6396839" cy="3094437"/>
+          </a:xfrm>
+        </p:spPr>
+        <p:txBody>
+          <a:bodyPr/>
+          <a:lstStyle/>
+          <a:p>
+            <a:r>
+              <a:rPr lang="en-US" dirty="0"/>
+              <a:t>Divide-Conquer-Glue</a:t>
+            </a:r>
+          </a:p>
+          <a:p>
+            <a:r>
+              <a:rPr lang="en-US" dirty="0"/>
+              <a:t>Look at the UML</a:t>
+            </a:r>
+          </a:p>
+          <a:p>
+            <a:pPr lvl="1"/>
+            <a:r>
+              <a:rPr lang="en-US" dirty="0"/>
+              <a:t>Which classes don’t need other classes (look at parameter types)</a:t>
+            </a:r>
+          </a:p>
+          <a:p>
+            <a:r>
+              <a:rPr lang="en-US" dirty="0"/>
+              <a:t>Read Javadoc – which ones are more “I can do this”.</a:t>
+            </a:r>
+          </a:p>
+          <a:p>
+            <a:r>
+              <a:rPr lang="en-US" dirty="0"/>
+              <a:t>Discuss as a group</a:t>
+            </a:r>
+          </a:p>
+          <a:p>
+            <a:endParaRPr lang="en-US" dirty="0"/>
+          </a:p>
+        </p:txBody>
+      </p:sp>
+      <p:pic>
+        <p:nvPicPr>
+          <p:cNvPr id="4" name="Picture 3">
+            <a:extLst>
+              <a:ext uri="{FF2B5EF4-FFF2-40B4-BE49-F238E27FC236}">
+                <a16:creationId xmlns:a16="http://schemas.microsoft.com/office/drawing/2014/main" id="{D94238A7-5C40-4868-9FE7-820B2E89EA27}"/>
+              </a:ext>
+            </a:extLst>
+          </p:cNvPr>
+          <p:cNvPicPr>
+            <a:picLocks noChangeAspect="1"/>
+          </p:cNvPicPr>
+          <p:nvPr/>
+        </p:nvPicPr>
+        <p:blipFill>
+          <a:blip r:embed="rId2"/>
+          <a:stretch>
+            <a:fillRect/>
+          </a:stretch>
+        </p:blipFill>
+        <p:spPr>
+          <a:xfrm>
+            <a:off x="7590239" y="0"/>
+            <a:ext cx="5599289" cy="7596952"/>
+          </a:xfrm>
+          <a:prstGeom prst="rect">
+            <a:avLst/>
+          </a:prstGeom>
+        </p:spPr>
+      </p:pic>
+      <p:sp>
+        <p:nvSpPr>
+          <p:cNvPr id="5" name="Oval 4">
+            <a:extLst>
+              <a:ext uri="{FF2B5EF4-FFF2-40B4-BE49-F238E27FC236}">
+                <a16:creationId xmlns:a16="http://schemas.microsoft.com/office/drawing/2014/main" id="{D98857DD-1185-4348-A3AF-D911DD9B9320}"/>
+              </a:ext>
+            </a:extLst>
+          </p:cNvPr>
+          <p:cNvSpPr/>
+          <p:nvPr/>
+        </p:nvSpPr>
+        <p:spPr>
+          <a:xfrm>
+            <a:off x="11499415" y="2841171"/>
+            <a:ext cx="1890819" cy="2090057"/>
+          </a:xfrm>
+          <a:prstGeom prst="ellipse">
+            <a:avLst/>
+          </a:prstGeom>
+          <a:noFill/>
+          <a:ln w="41275" cmpd="sng">
+            <a:solidFill>
+              <a:schemeClr val="accent3"/>
+            </a:solidFill>
+            <a:prstDash val="solid"/>
+            <a:extLst>
+              <a:ext uri="{C807C97D-BFC1-408E-A445-0C87EB9F89A2}">
+                <ask:lineSketchStyleProps xmlns:ask="http://schemas.microsoft.com/office/drawing/2018/sketchyshapes" sd="1617256088">
+                  <a:custGeom>
+                    <a:avLst/>
+                    <a:gdLst>
+                      <a:gd name="connsiteX0" fmla="*/ 0 w 1890819"/>
+                      <a:gd name="connsiteY0" fmla="*/ 1045029 h 2090057"/>
+                      <a:gd name="connsiteX1" fmla="*/ 945410 w 1890819"/>
+                      <a:gd name="connsiteY1" fmla="*/ 0 h 2090057"/>
+                      <a:gd name="connsiteX2" fmla="*/ 1890820 w 1890819"/>
+                      <a:gd name="connsiteY2" fmla="*/ 1045029 h 2090057"/>
+                      <a:gd name="connsiteX3" fmla="*/ 945410 w 1890819"/>
+                      <a:gd name="connsiteY3" fmla="*/ 2090058 h 2090057"/>
+                      <a:gd name="connsiteX4" fmla="*/ 0 w 1890819"/>
+                      <a:gd name="connsiteY4" fmla="*/ 1045029 h 2090057"/>
+                    </a:gdLst>
+                    <a:ahLst/>
+                    <a:cxnLst>
+                      <a:cxn ang="0">
+                        <a:pos x="connsiteX0" y="connsiteY0"/>
+                      </a:cxn>
+                      <a:cxn ang="0">
+                        <a:pos x="connsiteX1" y="connsiteY1"/>
+                      </a:cxn>
+                      <a:cxn ang="0">
+                        <a:pos x="connsiteX2" y="connsiteY2"/>
+                      </a:cxn>
+                      <a:cxn ang="0">
+                        <a:pos x="connsiteX3" y="connsiteY3"/>
+                      </a:cxn>
+                      <a:cxn ang="0">
+                        <a:pos x="connsiteX4" y="connsiteY4"/>
+                      </a:cxn>
+                    </a:cxnLst>
+                    <a:rect l="l" t="t" r="r" b="b"/>
+                    <a:pathLst>
+                      <a:path w="1890819" h="2090057" extrusionOk="0">
+                        <a:moveTo>
+                          <a:pt x="0" y="1045029"/>
+                        </a:moveTo>
+                        <a:cubicBezTo>
+                          <a:pt x="17265" y="442464"/>
+                          <a:pt x="452087" y="45162"/>
+                          <a:pt x="945410" y="0"/>
+                        </a:cubicBezTo>
+                        <a:cubicBezTo>
+                          <a:pt x="1461792" y="-16016"/>
+                          <a:pt x="1910419" y="479598"/>
+                          <a:pt x="1890820" y="1045029"/>
+                        </a:cubicBezTo>
+                        <a:cubicBezTo>
+                          <a:pt x="1888546" y="1597364"/>
+                          <a:pt x="1395976" y="2122294"/>
+                          <a:pt x="945410" y="2090058"/>
+                        </a:cubicBezTo>
+                        <a:cubicBezTo>
+                          <a:pt x="404823" y="2001535"/>
+                          <a:pt x="42857" y="1683984"/>
+                          <a:pt x="0" y="1045029"/>
+                        </a:cubicBezTo>
+                        <a:close/>
+                      </a:path>
+                    </a:pathLst>
+                  </a:custGeom>
+                  <ask:type>
+                    <ask:lineSketchNone/>
+                  </ask:type>
+                </ask:lineSketchStyleProps>
+              </a:ext>
+            </a:extLst>
+          </a:ln>
+          <a:effectLst>
+            <a:outerShdw blurRad="50800" dist="38100" dir="2700000" algn="tl" rotWithShape="0">
+              <a:prstClr val="black">
+                <a:alpha val="40000"/>
+              </a:prstClr>
+            </a:outerShdw>
+          </a:effectLst>
+        </p:spPr>
+        <p:style>
+          <a:lnRef idx="1">
+            <a:schemeClr val="accent1"/>
+          </a:lnRef>
+          <a:fillRef idx="3">
+            <a:schemeClr val="accent1"/>
+          </a:fillRef>
+          <a:effectRef idx="2">
+            <a:schemeClr val="accent1"/>
+          </a:effectRef>
+          <a:fontRef idx="minor">
+            <a:schemeClr val="lt1"/>
+          </a:fontRef>
+        </p:style>
+        <p:txBody>
+          <a:bodyPr lIns="274320" tIns="182880" rIns="274320" bIns="182880" rtlCol="0" anchor="ctr"/>
+          <a:lstStyle/>
+          <a:p>
+            <a:pPr algn="ctr"/>
+            <a:endParaRPr lang="en-US" dirty="0">
+              <a:latin typeface="Proxima Nova" charset="0"/>
+              <a:ea typeface="Proxima Nova" charset="0"/>
+              <a:cs typeface="Proxima Nova" charset="0"/>
+            </a:endParaRPr>
+          </a:p>
+        </p:txBody>
+      </p:sp>
+      <p:sp>
+        <p:nvSpPr>
+          <p:cNvPr id="6" name="Text Placeholder 2">
+            <a:extLst>
+              <a:ext uri="{FF2B5EF4-FFF2-40B4-BE49-F238E27FC236}">
+                <a16:creationId xmlns:a16="http://schemas.microsoft.com/office/drawing/2014/main" id="{5F53B12C-D5FC-4B36-96DD-8A042BB79389}"/>
+              </a:ext>
+            </a:extLst>
+          </p:cNvPr>
+          <p:cNvSpPr txBox="1">
+            <a:spLocks/>
+          </p:cNvSpPr>
+          <p:nvPr/>
+        </p:nvSpPr>
+        <p:spPr>
+          <a:xfrm>
+            <a:off x="628075" y="4437105"/>
+            <a:ext cx="6396839" cy="3199081"/>
+          </a:xfrm>
+          <a:prstGeom prst="rect">
+            <a:avLst/>
+          </a:prstGeom>
+        </p:spPr>
+        <p:txBody>
+          <a:bodyPr vert="horz" lIns="91440" tIns="91440" rIns="91440" bIns="91440" rtlCol="0">
+            <a:spAutoFit/>
+          </a:bodyPr>
+          <a:lstStyle>
+            <a:lvl1pPr marL="524712" indent="-524712" algn="l" defTabSz="699614" rtl="0" eaLnBrk="1" latinLnBrk="0" hangingPunct="1">
+              <a:lnSpc>
+                <a:spcPct val="120000"/>
+              </a:lnSpc>
+              <a:spcBef>
+                <a:spcPts val="600"/>
+              </a:spcBef>
+              <a:spcAft>
+                <a:spcPts val="600"/>
+              </a:spcAft>
+              <a:buFont typeface="Arial"/>
+              <a:buChar char="•"/>
+              <a:defRPr sz="1800" b="0" i="0" kern="1200">
+                <a:solidFill>
+                  <a:srgbClr val="092529"/>
+                </a:solidFill>
+                <a:latin typeface="Proxima Nova" charset="0"/>
+                <a:ea typeface="Proxima Nova" charset="0"/>
+                <a:cs typeface="Proxima Nova" charset="0"/>
+              </a:defRPr>
+            </a:lvl1pPr>
+            <a:lvl2pPr marL="1136875" indent="-437261" algn="l" defTabSz="699614" rtl="0" eaLnBrk="1" latinLnBrk="0" hangingPunct="1">
+              <a:lnSpc>
+                <a:spcPct val="120000"/>
+              </a:lnSpc>
+              <a:spcBef>
+                <a:spcPts val="0"/>
+              </a:spcBef>
+              <a:spcAft>
+                <a:spcPts val="600"/>
+              </a:spcAft>
+              <a:buFont typeface="Arial"/>
+              <a:buChar char="–"/>
+              <a:defRPr sz="1600" b="0" i="0" kern="1200">
+                <a:solidFill>
+                  <a:srgbClr val="092529"/>
+                </a:solidFill>
+                <a:latin typeface="Proxima Nova" charset="0"/>
+                <a:ea typeface="Proxima Nova" charset="0"/>
+                <a:cs typeface="Proxima Nova" charset="0"/>
+              </a:defRPr>
+            </a:lvl2pPr>
+            <a:lvl3pPr marL="1749040" indent="-349807" algn="l" defTabSz="699614" rtl="0" eaLnBrk="1" latinLnBrk="0" hangingPunct="1">
+              <a:lnSpc>
+                <a:spcPct val="120000"/>
+              </a:lnSpc>
+              <a:spcBef>
+                <a:spcPts val="0"/>
+              </a:spcBef>
+              <a:spcAft>
+                <a:spcPts val="600"/>
+              </a:spcAft>
+              <a:buFont typeface="Arial"/>
+              <a:buChar char="•"/>
+              <a:defRPr sz="1600" b="0" i="0" kern="1200">
+                <a:solidFill>
+                  <a:srgbClr val="092529"/>
+                </a:solidFill>
+                <a:latin typeface="Proxima Nova" charset="0"/>
+                <a:ea typeface="Proxima Nova" charset="0"/>
+                <a:cs typeface="Proxima Nova" charset="0"/>
+              </a:defRPr>
+            </a:lvl3pPr>
+            <a:lvl4pPr marL="2448655" indent="-349807" algn="l" defTabSz="699614" rtl="0" eaLnBrk="1" latinLnBrk="0" hangingPunct="1">
+              <a:lnSpc>
+                <a:spcPct val="120000"/>
+              </a:lnSpc>
+              <a:spcBef>
+                <a:spcPts val="0"/>
+              </a:spcBef>
+              <a:spcAft>
+                <a:spcPts val="600"/>
+              </a:spcAft>
+              <a:buFont typeface="Arial"/>
+              <a:buChar char="–"/>
+              <a:defRPr sz="1600" b="0" i="0" kern="1200">
+                <a:solidFill>
+                  <a:srgbClr val="092529"/>
+                </a:solidFill>
+                <a:latin typeface="Proxima Nova" charset="0"/>
+                <a:ea typeface="Proxima Nova" charset="0"/>
+                <a:cs typeface="Proxima Nova" charset="0"/>
+              </a:defRPr>
+            </a:lvl4pPr>
+            <a:lvl5pPr marL="3148272" indent="-349807" algn="l" defTabSz="699614" rtl="0" eaLnBrk="1" latinLnBrk="0" hangingPunct="1">
+              <a:spcBef>
+                <a:spcPct val="20000"/>
+              </a:spcBef>
+              <a:buFont typeface="Arial"/>
+              <a:buChar char="»"/>
+              <a:defRPr sz="1648" b="0" kern="1200">
+                <a:solidFill>
+                  <a:srgbClr val="092529"/>
+                </a:solidFill>
+                <a:latin typeface="Franklin Gothic Book" charset="0"/>
+                <a:ea typeface="Franklin Gothic Book" charset="0"/>
+                <a:cs typeface="Franklin Gothic Book" charset="0"/>
+              </a:defRPr>
+            </a:lvl5pPr>
+            <a:lvl6pPr marL="3847888" indent="-349807" algn="l" defTabSz="699614" rtl="0" eaLnBrk="1" latinLnBrk="0" hangingPunct="1">
+              <a:spcBef>
+                <a:spcPct val="20000"/>
+              </a:spcBef>
+              <a:buFont typeface="Arial"/>
+              <a:buChar char="•"/>
+              <a:defRPr sz="3022" kern="1200">
+                <a:solidFill>
+                  <a:schemeClr val="tx1"/>
+                </a:solidFill>
+                <a:latin typeface="+mn-lt"/>
+                <a:ea typeface="+mn-ea"/>
+                <a:cs typeface="+mn-cs"/>
+              </a:defRPr>
+            </a:lvl6pPr>
+            <a:lvl7pPr marL="4547505" indent="-349807" algn="l" defTabSz="699614" rtl="0" eaLnBrk="1" latinLnBrk="0" hangingPunct="1">
+              <a:spcBef>
+                <a:spcPct val="20000"/>
+              </a:spcBef>
+              <a:buFont typeface="Arial"/>
+              <a:buChar char="•"/>
+              <a:defRPr sz="3022" kern="1200">
+                <a:solidFill>
+                  <a:schemeClr val="tx1"/>
+                </a:solidFill>
+                <a:latin typeface="+mn-lt"/>
+                <a:ea typeface="+mn-ea"/>
+                <a:cs typeface="+mn-cs"/>
+              </a:defRPr>
+            </a:lvl7pPr>
+            <a:lvl8pPr marL="5247119" indent="-349807" algn="l" defTabSz="699614" rtl="0" eaLnBrk="1" latinLnBrk="0" hangingPunct="1">
+              <a:spcBef>
+                <a:spcPct val="20000"/>
+              </a:spcBef>
+              <a:buFont typeface="Arial"/>
+              <a:buChar char="•"/>
+              <a:defRPr sz="3022" kern="1200">
+                <a:solidFill>
+                  <a:schemeClr val="tx1"/>
+                </a:solidFill>
+                <a:latin typeface="+mn-lt"/>
+                <a:ea typeface="+mn-ea"/>
+                <a:cs typeface="+mn-cs"/>
+              </a:defRPr>
+            </a:lvl8pPr>
+            <a:lvl9pPr marL="5946736" indent="-349807" algn="l" defTabSz="699614" rtl="0" eaLnBrk="1" latinLnBrk="0" hangingPunct="1">
+              <a:spcBef>
+                <a:spcPct val="20000"/>
+              </a:spcBef>
+              <a:buFont typeface="Arial"/>
+              <a:buChar char="•"/>
+              <a:defRPr sz="3022" kern="1200">
+                <a:solidFill>
+                  <a:schemeClr val="tx1"/>
+                </a:solidFill>
+                <a:latin typeface="+mn-lt"/>
+                <a:ea typeface="+mn-ea"/>
+                <a:cs typeface="+mn-cs"/>
+              </a:defRPr>
+            </a:lvl9pPr>
+          </a:lstStyle>
+          <a:p>
+            <a:r>
+              <a:rPr lang="en-US" dirty="0"/>
+              <a:t>Where we are opting to start today…</a:t>
+            </a:r>
+          </a:p>
+          <a:p>
+            <a:pPr lvl="1"/>
+            <a:r>
+              <a:rPr lang="en-US" dirty="0" err="1"/>
+              <a:t>DiceSet</a:t>
+            </a:r>
+            <a:endParaRPr lang="en-US" dirty="0"/>
+          </a:p>
+          <a:p>
+            <a:pPr lvl="1"/>
+            <a:r>
+              <a:rPr lang="en-US" dirty="0" err="1"/>
+              <a:t>DiceType</a:t>
+            </a:r>
+            <a:endParaRPr lang="en-US" dirty="0"/>
+          </a:p>
+          <a:p>
+            <a:pPr lvl="1"/>
+            <a:r>
+              <a:rPr lang="en-US" dirty="0"/>
+              <a:t>Also, if this looks familiar, we did something similar during the Enum lecture! </a:t>
+            </a:r>
+          </a:p>
+          <a:p>
+            <a:r>
+              <a:rPr lang="en-US" dirty="0"/>
+              <a:t>If we have time, will also walk through getting an interface setup!</a:t>
+            </a:r>
+          </a:p>
+          <a:p>
+            <a:endParaRPr lang="en-US" dirty="0"/>
+          </a:p>
+        </p:txBody>
+      </p:sp>
+    </p:spTree>
+    <p:extLst>
+      <p:ext uri="{BB962C8B-B14F-4D97-AF65-F5344CB8AC3E}">
+        <p14:creationId xmlns:p14="http://schemas.microsoft.com/office/powerpoint/2010/main" val="549758540"/>
+      </p:ext>
+    </p:extLst>
+  </p:cSld>
+  <p:clrMapOvr>
+    <a:masterClrMapping/>
+  </p:clrMapOvr>
+  <mc:AlternateContent xmlns:mc="http://schemas.openxmlformats.org/markup-compatibility/2006" xmlns:p14="http://schemas.microsoft.com/office/powerpoint/2010/main">
+    <mc:Choice Requires="p14">
+      <p:transition p14:dur="300">
+        <p:fade/>
+      </p:transition>
+    </mc:Choice>
+    <mc:Fallback xmlns="">
+      <p:transition>
+        <p:fade/>
+      </p:transition>
+    </mc:Fallback>
+  </mc:AlternateContent>
+  <p:timing>
+    <p:tnLst>
+      <p:par>
+        <p:cTn id="1" dur="indefinite" restart="never" nodeType="tmRoot">
+          <p:childTnLst>
+            <p:seq concurrent="1" nextAc="seek">
+              <p:cTn id="2" dur="indefinite" nodeType="mainSeq">
+                <p:childTnLst>
+                  <p:par>
+                    <p:cTn id="3" fill="hold">
+                      <p:stCondLst>
+                        <p:cond delay="indefinite"/>
+                      </p:stCondLst>
+                      <p:childTnLst>
+                        <p:par>
+                          <p:cTn id="4" fill="hold">
+                            <p:stCondLst>
+                              <p:cond delay="0"/>
+                            </p:stCondLst>
+                            <p:childTnLst>
+                              <p:par>
+                                <p:cTn id="5" presetID="21" presetClass="entr" presetSubtype="1" fill="hold" grpId="0" nodeType="clickEffect">
+                                  <p:stCondLst>
+                                    <p:cond delay="0"/>
+                                  </p:stCondLst>
+                                  <p:childTnLst>
+                                    <p:set>
+                                      <p:cBhvr>
+                                        <p:cTn id="6" dur="1" fill="hold">
+                                          <p:stCondLst>
+                                            <p:cond delay="0"/>
+                                          </p:stCondLst>
+                                        </p:cTn>
+                                        <p:tgtEl>
+                                          <p:spTgt spid="5"/>
+                                        </p:tgtEl>
+                                        <p:attrNameLst>
+                                          <p:attrName>style.visibility</p:attrName>
+                                        </p:attrNameLst>
+                                      </p:cBhvr>
+                                      <p:to>
+                                        <p:strVal val="visible"/>
+                                      </p:to>
+                                    </p:set>
+                                    <p:animEffect transition="in" filter="wheel(1)">
+                                      <p:cBhvr>
+                                        <p:cTn id="7" dur="2000"/>
+                                        <p:tgtEl>
+                                          <p:spTgt spid="5"/>
+                                        </p:tgtEl>
+                                      </p:cBhvr>
+                                    </p:animEffect>
+                                  </p:childTnLst>
+                                </p:cTn>
+                              </p:par>
+                            </p:childTnLst>
+                          </p:cTn>
+                        </p:par>
+                      </p:childTnLst>
+                    </p:cTn>
+                  </p:par>
+                  <p:par>
+                    <p:cTn id="8" fill="hold">
+                      <p:stCondLst>
+                        <p:cond delay="indefinite"/>
+                      </p:stCondLst>
+                      <p:childTnLst>
+                        <p:par>
+                          <p:cTn id="9" fill="hold">
+                            <p:stCondLst>
+                              <p:cond delay="0"/>
+                            </p:stCondLst>
+                            <p:childTnLst>
+                              <p:par>
+                                <p:cTn id="10" presetID="10" presetClass="entr" presetSubtype="0" fill="hold" grpId="0" nodeType="clickEffect">
+                                  <p:stCondLst>
+                                    <p:cond delay="0"/>
+                                  </p:stCondLst>
+                                  <p:childTnLst>
+                                    <p:set>
+                                      <p:cBhvr>
+                                        <p:cTn id="11" dur="1" fill="hold">
+                                          <p:stCondLst>
+                                            <p:cond delay="0"/>
+                                          </p:stCondLst>
+                                        </p:cTn>
+                                        <p:tgtEl>
+                                          <p:spTgt spid="6"/>
+                                        </p:tgtEl>
+                                        <p:attrNameLst>
+                                          <p:attrName>style.visibility</p:attrName>
+                                        </p:attrNameLst>
+                                      </p:cBhvr>
+                                      <p:to>
+                                        <p:strVal val="visible"/>
+                                      </p:to>
+                                    </p:set>
+                                    <p:animEffect transition="in" filter="fade">
+                                      <p:cBhvr>
+                                        <p:cTn id="12" dur="500"/>
+                                        <p:tgtEl>
+                                          <p:spTgt spid="6"/>
+                                        </p:tgtEl>
+                                      </p:cBhvr>
+                                    </p:animEffect>
+                                  </p:childTnLst>
+                                </p:cTn>
+                              </p:par>
+                            </p:childTnLst>
+                          </p:cTn>
+                        </p:par>
+                      </p:childTnLst>
+                    </p:cTn>
+                  </p:par>
+                </p:childTnLst>
+              </p:cTn>
+              <p:prevCondLst>
+                <p:cond evt="onPrev" delay="0">
+                  <p:tgtEl>
+                    <p:sldTgt/>
+                  </p:tgtEl>
+                </p:cond>
+              </p:prevCondLst>
+              <p:nextCondLst>
+                <p:cond evt="onNext" delay="0">
+                  <p:tgtEl>
+                    <p:sldTgt/>
+                  </p:tgtEl>
+                </p:cond>
+              </p:nextCondLst>
+            </p:seq>
+          </p:childTnLst>
+        </p:cTn>
+      </p:par>
+    </p:tnLst>
+    <p:bldLst>
+      <p:bldP spid="5" grpId="0" animBg="1"/>
+      <p:bldP spid="6" grpId="0"/>
+    </p:bldLst>
+  </p:timing>
+</p:sld>
+</file>
+
+<file path=ppt/slides/slide9.xml><?xml version="1.0" encoding="utf-8"?>
+<p:sld xmlns:a="http://schemas.openxmlformats.org/drawingml/2006/main" xmlns:r="http://schemas.openxmlformats.org/officeDocument/2006/relationships" xmlns:p="http://schemas.openxmlformats.org/presentationml/2006/main">
+  <p:cSld>
+    <p:spTree>
+      <p:nvGrpSpPr>
+        <p:cNvPr id="1" name=""/>
+        <p:cNvGrpSpPr/>
+        <p:nvPr/>
+      </p:nvGrpSpPr>
+      <p:grpSpPr>
+        <a:xfrm>
+          <a:off x="0" y="0"/>
+          <a:ext cx="0" cy="0"/>
+          <a:chOff x="0" y="0"/>
+          <a:chExt cx="0" cy="0"/>
+        </a:xfrm>
+      </p:grpSpPr>
+      <p:sp>
+        <p:nvSpPr>
+          <p:cNvPr id="2" name="Title 1">
+            <a:extLst>
+              <a:ext uri="{FF2B5EF4-FFF2-40B4-BE49-F238E27FC236}">
+                <a16:creationId xmlns:a16="http://schemas.microsoft.com/office/drawing/2014/main" id="{E04F8796-74BF-48BE-AFA4-C85551CDA187}"/>
+              </a:ext>
+            </a:extLst>
+          </p:cNvPr>
+          <p:cNvSpPr>
+            <a:spLocks noGrp="1"/>
+          </p:cNvSpPr>
+          <p:nvPr>
+            <p:ph type="title"/>
+          </p:nvPr>
+        </p:nvSpPr>
+        <p:spPr/>
+        <p:txBody>
+          <a:bodyPr/>
+          <a:lstStyle/>
+          <a:p>
+            <a:r>
+              <a:rPr lang="en-US" dirty="0"/>
+              <a:t>IDEs</a:t>
+            </a:r>
+          </a:p>
+        </p:txBody>
+      </p:sp>
+      <p:sp>
+        <p:nvSpPr>
+          <p:cNvPr id="3" name="Text Placeholder 2">
+            <a:extLst>
+              <a:ext uri="{FF2B5EF4-FFF2-40B4-BE49-F238E27FC236}">
+                <a16:creationId xmlns:a16="http://schemas.microsoft.com/office/drawing/2014/main" id="{4EDB2AE9-CB94-4D39-B2B4-1396AFA7BC07}"/>
+              </a:ext>
+            </a:extLst>
+          </p:cNvPr>
+          <p:cNvSpPr>
+            <a:spLocks noGrp="1"/>
+          </p:cNvSpPr>
+          <p:nvPr>
+            <p:ph type="body" sz="quarter" idx="10"/>
+          </p:nvPr>
+        </p:nvSpPr>
+        <p:spPr>
+          <a:xfrm>
+            <a:off x="628075" y="1776683"/>
+            <a:ext cx="12561453" cy="2461251"/>
+          </a:xfrm>
+        </p:spPr>
+        <p:txBody>
+          <a:bodyPr/>
+          <a:lstStyle/>
+          <a:p>
+            <a:r>
+              <a:rPr lang="en-US" dirty="0"/>
+              <a:t>Open up your IDEs,</a:t>
+            </a:r>
+          </a:p>
+          <a:p>
+            <a:pPr lvl="1"/>
+            <a:r>
+              <a:rPr lang="en-US" dirty="0"/>
+              <a:t>If you don’t have a computer, it is OK to help others at your table</a:t>
+            </a:r>
+          </a:p>
+          <a:p>
+            <a:pPr lvl="1"/>
+            <a:r>
+              <a:rPr lang="en-US" dirty="0"/>
+              <a:t>But if you have one, you really want to follow along. </a:t>
+            </a:r>
+          </a:p>
+          <a:p>
+            <a:r>
+              <a:rPr lang="en-US" dirty="0"/>
+              <a:t>Also, make sure you open the practical project webpage</a:t>
+            </a:r>
+          </a:p>
+          <a:p>
+            <a:pPr lvl="1"/>
+            <a:r>
+              <a:rPr lang="en-US" dirty="0">
+                <a:hlinkClick r:id="rId2"/>
+              </a:rPr>
+              <a:t>www.cs.colstate.edu/~cs164</a:t>
+            </a:r>
+            <a:r>
+              <a:rPr lang="en-US" dirty="0"/>
+              <a:t> </a:t>
+            </a:r>
+          </a:p>
+          <a:p>
+            <a:pPr lvl="2"/>
+            <a:r>
+              <a:rPr lang="en-US" dirty="0"/>
+              <a:t>Practical -&gt; Project -&gt; Knight Fight</a:t>
+            </a:r>
+          </a:p>
+        </p:txBody>
+      </p:sp>
+    </p:spTree>
+    <p:extLst>
+      <p:ext uri="{BB962C8B-B14F-4D97-AF65-F5344CB8AC3E}">
+        <p14:creationId xmlns:p14="http://schemas.microsoft.com/office/powerpoint/2010/main" val="1411728512"/>
       </p:ext>
     </p:extLst>
   </p:cSld>
